--- a/Aviation_Safety_Analysis_Presentation.pptx
+++ b/Aviation_Safety_Analysis_Presentation.pptx
@@ -1,15 +1,22 @@
 
 <file path=ppt/presentation.xml><?xml version="1.0" encoding="utf-8"?>
-<p:presentation xmlns:a="http://schemas.openxmlformats.org/drawingml/2006/main" xmlns:r="http://schemas.openxmlformats.org/officeDocument/2006/relationships" xmlns:p="http://schemas.openxmlformats.org/presentationml/2006/main" saveSubsetFonts="1">
+<p:presentation xmlns:a="http://schemas.openxmlformats.org/drawingml/2006/main" xmlns:r="http://schemas.openxmlformats.org/officeDocument/2006/relationships" xmlns:p="http://schemas.openxmlformats.org/presentationml/2006/main" autoCompressPictures="0">
   <p:sldMasterIdLst>
-    <p:sldMasterId id="2147483648" r:id="rId1"/>
+    <p:sldMasterId id="2147483671" r:id="rId1"/>
   </p:sldMasterIdLst>
   <p:sldIdLst>
     <p:sldId id="256" r:id="rId2"/>
     <p:sldId id="257" r:id="rId3"/>
     <p:sldId id="258" r:id="rId4"/>
-    <p:sldId id="259" r:id="rId5"/>
-    <p:sldId id="260" r:id="rId6"/>
+    <p:sldId id="262" r:id="rId5"/>
+    <p:sldId id="259" r:id="rId6"/>
+    <p:sldId id="260" r:id="rId7"/>
+    <p:sldId id="263" r:id="rId8"/>
+    <p:sldId id="264" r:id="rId9"/>
+    <p:sldId id="265" r:id="rId10"/>
+    <p:sldId id="266" r:id="rId11"/>
+    <p:sldId id="267" r:id="rId12"/>
+    <p:sldId id="268" r:id="rId13"/>
   </p:sldIdLst>
   <p:sldSz cx="12192000" cy="6858000"/>
   <p:notesSz cx="6858000" cy="9144000"/>
@@ -17,7 +24,7 @@
     <a:defPPr>
       <a:defRPr lang="en-US"/>
     </a:defPPr>
-    <a:lvl1pPr marL="0" algn="l" defTabSz="914400" rtl="0" eaLnBrk="1" latinLnBrk="0" hangingPunct="1">
+    <a:lvl1pPr marL="0" algn="l" defTabSz="457200" rtl="0" eaLnBrk="1" latinLnBrk="0" hangingPunct="1">
       <a:defRPr sz="1800" kern="1200">
         <a:solidFill>
           <a:schemeClr val="tx1"/>
@@ -27,7 +34,7 @@
         <a:cs typeface="+mn-cs"/>
       </a:defRPr>
     </a:lvl1pPr>
-    <a:lvl2pPr marL="457200" algn="l" defTabSz="914400" rtl="0" eaLnBrk="1" latinLnBrk="0" hangingPunct="1">
+    <a:lvl2pPr marL="457200" algn="l" defTabSz="457200" rtl="0" eaLnBrk="1" latinLnBrk="0" hangingPunct="1">
       <a:defRPr sz="1800" kern="1200">
         <a:solidFill>
           <a:schemeClr val="tx1"/>
@@ -37,7 +44,7 @@
         <a:cs typeface="+mn-cs"/>
       </a:defRPr>
     </a:lvl2pPr>
-    <a:lvl3pPr marL="914400" algn="l" defTabSz="914400" rtl="0" eaLnBrk="1" latinLnBrk="0" hangingPunct="1">
+    <a:lvl3pPr marL="914400" algn="l" defTabSz="457200" rtl="0" eaLnBrk="1" latinLnBrk="0" hangingPunct="1">
       <a:defRPr sz="1800" kern="1200">
         <a:solidFill>
           <a:schemeClr val="tx1"/>
@@ -47,7 +54,7 @@
         <a:cs typeface="+mn-cs"/>
       </a:defRPr>
     </a:lvl3pPr>
-    <a:lvl4pPr marL="1371600" algn="l" defTabSz="914400" rtl="0" eaLnBrk="1" latinLnBrk="0" hangingPunct="1">
+    <a:lvl4pPr marL="1371600" algn="l" defTabSz="457200" rtl="0" eaLnBrk="1" latinLnBrk="0" hangingPunct="1">
       <a:defRPr sz="1800" kern="1200">
         <a:solidFill>
           <a:schemeClr val="tx1"/>
@@ -57,7 +64,7 @@
         <a:cs typeface="+mn-cs"/>
       </a:defRPr>
     </a:lvl4pPr>
-    <a:lvl5pPr marL="1828800" algn="l" defTabSz="914400" rtl="0" eaLnBrk="1" latinLnBrk="0" hangingPunct="1">
+    <a:lvl5pPr marL="1828800" algn="l" defTabSz="457200" rtl="0" eaLnBrk="1" latinLnBrk="0" hangingPunct="1">
       <a:defRPr sz="1800" kern="1200">
         <a:solidFill>
           <a:schemeClr val="tx1"/>
@@ -67,7 +74,7 @@
         <a:cs typeface="+mn-cs"/>
       </a:defRPr>
     </a:lvl5pPr>
-    <a:lvl6pPr marL="2286000" algn="l" defTabSz="914400" rtl="0" eaLnBrk="1" latinLnBrk="0" hangingPunct="1">
+    <a:lvl6pPr marL="2286000" algn="l" defTabSz="457200" rtl="0" eaLnBrk="1" latinLnBrk="0" hangingPunct="1">
       <a:defRPr sz="1800" kern="1200">
         <a:solidFill>
           <a:schemeClr val="tx1"/>
@@ -77,7 +84,7 @@
         <a:cs typeface="+mn-cs"/>
       </a:defRPr>
     </a:lvl6pPr>
-    <a:lvl7pPr marL="2743200" algn="l" defTabSz="914400" rtl="0" eaLnBrk="1" latinLnBrk="0" hangingPunct="1">
+    <a:lvl7pPr marL="2743200" algn="l" defTabSz="457200" rtl="0" eaLnBrk="1" latinLnBrk="0" hangingPunct="1">
       <a:defRPr sz="1800" kern="1200">
         <a:solidFill>
           <a:schemeClr val="tx1"/>
@@ -87,7 +94,7 @@
         <a:cs typeface="+mn-cs"/>
       </a:defRPr>
     </a:lvl7pPr>
-    <a:lvl8pPr marL="3200400" algn="l" defTabSz="914400" rtl="0" eaLnBrk="1" latinLnBrk="0" hangingPunct="1">
+    <a:lvl8pPr marL="3200400" algn="l" defTabSz="457200" rtl="0" eaLnBrk="1" latinLnBrk="0" hangingPunct="1">
       <a:defRPr sz="1800" kern="1200">
         <a:solidFill>
           <a:schemeClr val="tx1"/>
@@ -97,7 +104,7 @@
         <a:cs typeface="+mn-cs"/>
       </a:defRPr>
     </a:lvl8pPr>
-    <a:lvl9pPr marL="3657600" algn="l" defTabSz="914400" rtl="0" eaLnBrk="1" latinLnBrk="0" hangingPunct="1">
+    <a:lvl9pPr marL="3657600" algn="l" defTabSz="457200" rtl="0" eaLnBrk="1" latinLnBrk="0" hangingPunct="1">
       <a:defRPr sz="1800" kern="1200">
         <a:solidFill>
           <a:schemeClr val="tx1"/>
@@ -108,6 +115,22 @@
       </a:defRPr>
     </a:lvl9pPr>
   </p:defaultTextStyle>
+  <p:extLst>
+    <p:ext uri="{EFAFB233-063F-42B5-8137-9DF3F51BA10A}">
+      <p15:sldGuideLst xmlns:p15="http://schemas.microsoft.com/office/powerpoint/2012/main">
+        <p15:guide id="1" pos="3840" userDrawn="1">
+          <p15:clr>
+            <a:srgbClr val="A4A3A4"/>
+          </p15:clr>
+        </p15:guide>
+        <p15:guide id="2" orient="horz" pos="2160">
+          <p15:clr>
+            <a:srgbClr val="A4A3A4"/>
+          </p15:clr>
+        </p15:guide>
+      </p15:sldGuideLst>
+    </p:ext>
+  </p:extLst>
 </p:presentation>
 </file>
 
@@ -140,15 +163,15 @@
         </p:nvSpPr>
         <p:spPr>
           <a:xfrm>
-            <a:off x="1524000" y="1122363"/>
-            <a:ext cx="9144000" cy="2387600"/>
+            <a:off x="1154955" y="1447800"/>
+            <a:ext cx="8825658" cy="3329581"/>
           </a:xfrm>
         </p:spPr>
         <p:txBody>
           <a:bodyPr anchor="b"/>
           <a:lstStyle>
-            <a:lvl1pPr algn="ctr">
-              <a:defRPr sz="6000"/>
+            <a:lvl1pPr>
+              <a:defRPr sz="7200"/>
             </a:lvl1pPr>
           </a:lstStyle>
           <a:p>
@@ -156,7 +179,7 @@
               <a:rPr lang="en-US" smtClean="0"/>
               <a:t>Click to edit Master title style</a:t>
             </a:r>
-            <a:endParaRPr lang="en-US"/>
+            <a:endParaRPr lang="en-US" dirty="0"/>
           </a:p>
         </p:txBody>
       </p:sp>
@@ -172,48 +195,103 @@
         </p:nvSpPr>
         <p:spPr>
           <a:xfrm>
-            <a:off x="1524000" y="3602038"/>
-            <a:ext cx="9144000" cy="1655762"/>
-          </a:xfrm>
-        </p:spPr>
-        <p:txBody>
-          <a:bodyPr/>
+            <a:off x="1154955" y="4777380"/>
+            <a:ext cx="8825658" cy="861420"/>
+          </a:xfrm>
+        </p:spPr>
+        <p:txBody>
+          <a:bodyPr anchor="t"/>
           <a:lstStyle>
-            <a:lvl1pPr marL="0" indent="0" algn="ctr">
-              <a:buNone/>
-              <a:defRPr sz="2400"/>
+            <a:lvl1pPr marL="0" indent="0" algn="l">
+              <a:buNone/>
+              <a:defRPr cap="all">
+                <a:solidFill>
+                  <a:schemeClr val="bg2">
+                    <a:lumMod val="40000"/>
+                    <a:lumOff val="60000"/>
+                  </a:schemeClr>
+                </a:solidFill>
+              </a:defRPr>
             </a:lvl1pPr>
             <a:lvl2pPr marL="457200" indent="0" algn="ctr">
               <a:buNone/>
-              <a:defRPr sz="2000"/>
+              <a:defRPr>
+                <a:solidFill>
+                  <a:schemeClr val="tx1">
+                    <a:tint val="75000"/>
+                  </a:schemeClr>
+                </a:solidFill>
+              </a:defRPr>
             </a:lvl2pPr>
             <a:lvl3pPr marL="914400" indent="0" algn="ctr">
               <a:buNone/>
-              <a:defRPr sz="1800"/>
+              <a:defRPr>
+                <a:solidFill>
+                  <a:schemeClr val="tx1">
+                    <a:tint val="75000"/>
+                  </a:schemeClr>
+                </a:solidFill>
+              </a:defRPr>
             </a:lvl3pPr>
             <a:lvl4pPr marL="1371600" indent="0" algn="ctr">
               <a:buNone/>
-              <a:defRPr sz="1600"/>
+              <a:defRPr>
+                <a:solidFill>
+                  <a:schemeClr val="tx1">
+                    <a:tint val="75000"/>
+                  </a:schemeClr>
+                </a:solidFill>
+              </a:defRPr>
             </a:lvl4pPr>
             <a:lvl5pPr marL="1828800" indent="0" algn="ctr">
               <a:buNone/>
-              <a:defRPr sz="1600"/>
+              <a:defRPr>
+                <a:solidFill>
+                  <a:schemeClr val="tx1">
+                    <a:tint val="75000"/>
+                  </a:schemeClr>
+                </a:solidFill>
+              </a:defRPr>
             </a:lvl5pPr>
             <a:lvl6pPr marL="2286000" indent="0" algn="ctr">
               <a:buNone/>
-              <a:defRPr sz="1600"/>
+              <a:defRPr>
+                <a:solidFill>
+                  <a:schemeClr val="tx1">
+                    <a:tint val="75000"/>
+                  </a:schemeClr>
+                </a:solidFill>
+              </a:defRPr>
             </a:lvl6pPr>
             <a:lvl7pPr marL="2743200" indent="0" algn="ctr">
               <a:buNone/>
-              <a:defRPr sz="1600"/>
+              <a:defRPr>
+                <a:solidFill>
+                  <a:schemeClr val="tx1">
+                    <a:tint val="75000"/>
+                  </a:schemeClr>
+                </a:solidFill>
+              </a:defRPr>
             </a:lvl7pPr>
             <a:lvl8pPr marL="3200400" indent="0" algn="ctr">
               <a:buNone/>
-              <a:defRPr sz="1600"/>
+              <a:defRPr>
+                <a:solidFill>
+                  <a:schemeClr val="tx1">
+                    <a:tint val="75000"/>
+                  </a:schemeClr>
+                </a:solidFill>
+              </a:defRPr>
             </a:lvl8pPr>
             <a:lvl9pPr marL="3657600" indent="0" algn="ctr">
               <a:buNone/>
-              <a:defRPr sz="1600"/>
+              <a:defRPr>
+                <a:solidFill>
+                  <a:schemeClr val="tx1">
+                    <a:tint val="75000"/>
+                  </a:schemeClr>
+                </a:solidFill>
+              </a:defRPr>
             </a:lvl9pPr>
           </a:lstStyle>
           <a:p>
@@ -221,7 +299,7 @@
               <a:rPr lang="en-US" smtClean="0"/>
               <a:t>Click to edit Master subtitle style</a:t>
             </a:r>
-            <a:endParaRPr lang="en-US"/>
+            <a:endParaRPr lang="en-US" dirty="0"/>
           </a:p>
         </p:txBody>
       </p:sp>
@@ -240,11 +318,12 @@
           <a:bodyPr/>
           <a:lstStyle/>
           <a:p>
-            <a:fld id="{A5199A45-4C08-4491-922E-BBC5EF1C7C0C}" type="datetimeFigureOut">
-              <a:rPr lang="en-US" smtClean="0"/>
-              <a:t>9/30/2025</a:t>
+            <a:fld id="{E9462EF3-3C4F-43EE-ACEE-D4B806740EA3}" type="datetimeFigureOut">
+              <a:rPr lang="en-US" smtClean="0"/>
+              <a:pPr/>
+              <a:t>10/6/2025</a:t>
             </a:fld>
-            <a:endParaRPr lang="en-US"/>
+            <a:endParaRPr lang="en-US" dirty="0"/>
           </a:p>
         </p:txBody>
       </p:sp>
@@ -263,7 +342,7 @@
           <a:bodyPr/>
           <a:lstStyle/>
           <a:p>
-            <a:endParaRPr lang="en-US"/>
+            <a:endParaRPr lang="en-US" dirty="0"/>
           </a:p>
         </p:txBody>
       </p:sp>
@@ -282,18 +361,19 @@
           <a:bodyPr/>
           <a:lstStyle/>
           <a:p>
-            <a:fld id="{4D64E8D7-F159-4D3C-8CE0-75BDEEB2B4E8}" type="slidenum">
-              <a:rPr lang="en-US" smtClean="0"/>
+            <a:fld id="{D57F1E4F-1CFF-5643-939E-217C01CDF565}" type="slidenum">
+              <a:rPr lang="en-US" smtClean="0"/>
+              <a:pPr/>
               <a:t>‹#›</a:t>
             </a:fld>
-            <a:endParaRPr lang="en-US"/>
+            <a:endParaRPr lang="en-US" dirty="0"/>
           </a:p>
         </p:txBody>
       </p:sp>
     </p:spTree>
     <p:extLst>
       <p:ext uri="{BB962C8B-B14F-4D97-AF65-F5344CB8AC3E}">
-        <p14:creationId xmlns:p14="http://schemas.microsoft.com/office/powerpoint/2010/main" val="1346630793"/>
+        <p14:creationId xmlns:p14="http://schemas.microsoft.com/office/powerpoint/2010/main" val="3120949193"/>
       </p:ext>
     </p:extLst>
   </p:cSld>
@@ -304,6 +384,2578 @@
 </file>
 
 <file path=ppt/slideLayouts/slideLayout10.xml><?xml version="1.0" encoding="utf-8"?>
+<p:sldLayout xmlns:a="http://schemas.openxmlformats.org/drawingml/2006/main" xmlns:r="http://schemas.openxmlformats.org/officeDocument/2006/relationships" xmlns:p="http://schemas.openxmlformats.org/presentationml/2006/main" preserve="1">
+  <p:cSld name="Panoramic Picture with Caption">
+    <p:spTree>
+      <p:nvGrpSpPr>
+        <p:cNvPr id="1" name=""/>
+        <p:cNvGrpSpPr/>
+        <p:nvPr/>
+      </p:nvGrpSpPr>
+      <p:grpSpPr>
+        <a:xfrm>
+          <a:off x="0" y="0"/>
+          <a:ext cx="0" cy="0"/>
+          <a:chOff x="0" y="0"/>
+          <a:chExt cx="0" cy="0"/>
+        </a:xfrm>
+      </p:grpSpPr>
+      <p:sp>
+        <p:nvSpPr>
+          <p:cNvPr id="2" name="Title 1"/>
+          <p:cNvSpPr>
+            <a:spLocks noGrp="1"/>
+          </p:cNvSpPr>
+          <p:nvPr>
+            <p:ph type="title"/>
+          </p:nvPr>
+        </p:nvSpPr>
+        <p:spPr>
+          <a:xfrm>
+            <a:off x="1154956" y="4800587"/>
+            <a:ext cx="8825657" cy="566738"/>
+          </a:xfrm>
+        </p:spPr>
+        <p:txBody>
+          <a:bodyPr anchor="b">
+            <a:normAutofit/>
+          </a:bodyPr>
+          <a:lstStyle>
+            <a:lvl1pPr algn="l">
+              <a:defRPr sz="2400" b="0"/>
+            </a:lvl1pPr>
+          </a:lstStyle>
+          <a:p>
+            <a:r>
+              <a:rPr lang="en-US" smtClean="0"/>
+              <a:t>Click to edit Master title style</a:t>
+            </a:r>
+            <a:endParaRPr lang="en-US" dirty="0"/>
+          </a:p>
+        </p:txBody>
+      </p:sp>
+      <p:sp>
+        <p:nvSpPr>
+          <p:cNvPr id="3" name="Picture Placeholder 2"/>
+          <p:cNvSpPr>
+            <a:spLocks noGrp="1" noChangeAspect="1"/>
+          </p:cNvSpPr>
+          <p:nvPr>
+            <p:ph type="pic" idx="1"/>
+          </p:nvPr>
+        </p:nvSpPr>
+        <p:spPr>
+          <a:xfrm>
+            <a:off x="1154955" y="685800"/>
+            <a:ext cx="8825658" cy="3640666"/>
+          </a:xfrm>
+          <a:prstGeom prst="roundRect">
+            <a:avLst>
+              <a:gd name="adj" fmla="val 1858"/>
+            </a:avLst>
+          </a:prstGeom>
+          <a:effectLst>
+            <a:outerShdw blurRad="50800" dist="50800" dir="5400000" algn="tl" rotWithShape="0">
+              <a:srgbClr val="000000">
+                <a:alpha val="43000"/>
+              </a:srgbClr>
+            </a:outerShdw>
+          </a:effectLst>
+        </p:spPr>
+        <p:txBody>
+          <a:bodyPr anchor="t">
+            <a:normAutofit/>
+          </a:bodyPr>
+          <a:lstStyle>
+            <a:lvl1pPr marL="0" indent="0" algn="ctr">
+              <a:buNone/>
+              <a:defRPr sz="1600"/>
+            </a:lvl1pPr>
+            <a:lvl2pPr marL="457200" indent="0">
+              <a:buNone/>
+              <a:defRPr sz="1600"/>
+            </a:lvl2pPr>
+            <a:lvl3pPr marL="914400" indent="0">
+              <a:buNone/>
+              <a:defRPr sz="1600"/>
+            </a:lvl3pPr>
+            <a:lvl4pPr marL="1371600" indent="0">
+              <a:buNone/>
+              <a:defRPr sz="1600"/>
+            </a:lvl4pPr>
+            <a:lvl5pPr marL="1828800" indent="0">
+              <a:buNone/>
+              <a:defRPr sz="1600"/>
+            </a:lvl5pPr>
+            <a:lvl6pPr marL="2286000" indent="0">
+              <a:buNone/>
+              <a:defRPr sz="1600"/>
+            </a:lvl6pPr>
+            <a:lvl7pPr marL="2743200" indent="0">
+              <a:buNone/>
+              <a:defRPr sz="1600"/>
+            </a:lvl7pPr>
+            <a:lvl8pPr marL="3200400" indent="0">
+              <a:buNone/>
+              <a:defRPr sz="1600"/>
+            </a:lvl8pPr>
+            <a:lvl9pPr marL="3657600" indent="0">
+              <a:buNone/>
+              <a:defRPr sz="1600"/>
+            </a:lvl9pPr>
+          </a:lstStyle>
+          <a:p>
+            <a:r>
+              <a:rPr lang="en-US" smtClean="0"/>
+              <a:t>Click icon to add picture</a:t>
+            </a:r>
+            <a:endParaRPr lang="en-US" dirty="0"/>
+          </a:p>
+        </p:txBody>
+      </p:sp>
+      <p:sp>
+        <p:nvSpPr>
+          <p:cNvPr id="4" name="Text Placeholder 3"/>
+          <p:cNvSpPr>
+            <a:spLocks noGrp="1"/>
+          </p:cNvSpPr>
+          <p:nvPr>
+            <p:ph type="body" sz="half" idx="2"/>
+          </p:nvPr>
+        </p:nvSpPr>
+        <p:spPr>
+          <a:xfrm>
+            <a:off x="1154956" y="5367325"/>
+            <a:ext cx="8825656" cy="493712"/>
+          </a:xfrm>
+        </p:spPr>
+        <p:txBody>
+          <a:bodyPr>
+            <a:normAutofit/>
+          </a:bodyPr>
+          <a:lstStyle>
+            <a:lvl1pPr marL="0" indent="0">
+              <a:buNone/>
+              <a:defRPr sz="1200"/>
+            </a:lvl1pPr>
+            <a:lvl2pPr marL="457200" indent="0">
+              <a:buNone/>
+              <a:defRPr sz="1200"/>
+            </a:lvl2pPr>
+            <a:lvl3pPr marL="914400" indent="0">
+              <a:buNone/>
+              <a:defRPr sz="1000"/>
+            </a:lvl3pPr>
+            <a:lvl4pPr marL="1371600" indent="0">
+              <a:buNone/>
+              <a:defRPr sz="900"/>
+            </a:lvl4pPr>
+            <a:lvl5pPr marL="1828800" indent="0">
+              <a:buNone/>
+              <a:defRPr sz="900"/>
+            </a:lvl5pPr>
+            <a:lvl6pPr marL="2286000" indent="0">
+              <a:buNone/>
+              <a:defRPr sz="900"/>
+            </a:lvl6pPr>
+            <a:lvl7pPr marL="2743200" indent="0">
+              <a:buNone/>
+              <a:defRPr sz="900"/>
+            </a:lvl7pPr>
+            <a:lvl8pPr marL="3200400" indent="0">
+              <a:buNone/>
+              <a:defRPr sz="900"/>
+            </a:lvl8pPr>
+            <a:lvl9pPr marL="3657600" indent="0">
+              <a:buNone/>
+              <a:defRPr sz="900"/>
+            </a:lvl9pPr>
+          </a:lstStyle>
+          <a:p>
+            <a:pPr lvl="0"/>
+            <a:r>
+              <a:rPr lang="en-US" smtClean="0"/>
+              <a:t>Edit Master text styles</a:t>
+            </a:r>
+          </a:p>
+        </p:txBody>
+      </p:sp>
+      <p:sp>
+        <p:nvSpPr>
+          <p:cNvPr id="5" name="Date Placeholder 4"/>
+          <p:cNvSpPr>
+            <a:spLocks noGrp="1"/>
+          </p:cNvSpPr>
+          <p:nvPr>
+            <p:ph type="dt" sz="half" idx="10"/>
+          </p:nvPr>
+        </p:nvSpPr>
+        <p:spPr/>
+        <p:txBody>
+          <a:bodyPr/>
+          <a:lstStyle/>
+          <a:p>
+            <a:fld id="{36343B39-165A-4B68-AA5C-581F5336313C}" type="datetimeFigureOut">
+              <a:rPr lang="en-US" smtClean="0"/>
+              <a:t>10/6/2025</a:t>
+            </a:fld>
+            <a:endParaRPr lang="en-US" dirty="0"/>
+          </a:p>
+        </p:txBody>
+      </p:sp>
+      <p:sp>
+        <p:nvSpPr>
+          <p:cNvPr id="6" name="Footer Placeholder 5"/>
+          <p:cNvSpPr>
+            <a:spLocks noGrp="1"/>
+          </p:cNvSpPr>
+          <p:nvPr>
+            <p:ph type="ftr" sz="quarter" idx="11"/>
+          </p:nvPr>
+        </p:nvSpPr>
+        <p:spPr/>
+        <p:txBody>
+          <a:bodyPr/>
+          <a:lstStyle/>
+          <a:p>
+            <a:endParaRPr lang="en-US" dirty="0"/>
+          </a:p>
+        </p:txBody>
+      </p:sp>
+      <p:sp>
+        <p:nvSpPr>
+          <p:cNvPr id="7" name="Slide Number Placeholder 6"/>
+          <p:cNvSpPr>
+            <a:spLocks noGrp="1"/>
+          </p:cNvSpPr>
+          <p:nvPr>
+            <p:ph type="sldNum" sz="quarter" idx="12"/>
+          </p:nvPr>
+        </p:nvSpPr>
+        <p:spPr/>
+        <p:txBody>
+          <a:bodyPr/>
+          <a:lstStyle/>
+          <a:p>
+            <a:fld id="{D57F1E4F-1CFF-5643-939E-217C01CDF565}" type="slidenum">
+              <a:rPr lang="en-US" smtClean="0"/>
+              <a:pPr/>
+              <a:t>‹#›</a:t>
+            </a:fld>
+            <a:endParaRPr lang="en-US" dirty="0"/>
+          </a:p>
+        </p:txBody>
+      </p:sp>
+    </p:spTree>
+    <p:extLst>
+      <p:ext uri="{BB962C8B-B14F-4D97-AF65-F5344CB8AC3E}">
+        <p14:creationId xmlns:p14="http://schemas.microsoft.com/office/powerpoint/2010/main" val="497649673"/>
+      </p:ext>
+    </p:extLst>
+  </p:cSld>
+  <p:clrMapOvr>
+    <a:masterClrMapping/>
+  </p:clrMapOvr>
+</p:sldLayout>
+</file>
+
+<file path=ppt/slideLayouts/slideLayout11.xml><?xml version="1.0" encoding="utf-8"?>
+<p:sldLayout xmlns:a="http://schemas.openxmlformats.org/drawingml/2006/main" xmlns:r="http://schemas.openxmlformats.org/officeDocument/2006/relationships" xmlns:p="http://schemas.openxmlformats.org/presentationml/2006/main" preserve="1">
+  <p:cSld name="Title and Caption">
+    <p:spTree>
+      <p:nvGrpSpPr>
+        <p:cNvPr id="1" name=""/>
+        <p:cNvGrpSpPr/>
+        <p:nvPr/>
+      </p:nvGrpSpPr>
+      <p:grpSpPr>
+        <a:xfrm>
+          <a:off x="0" y="0"/>
+          <a:ext cx="0" cy="0"/>
+          <a:chOff x="0" y="0"/>
+          <a:chExt cx="0" cy="0"/>
+        </a:xfrm>
+      </p:grpSpPr>
+      <p:sp>
+        <p:nvSpPr>
+          <p:cNvPr id="2" name="Title 1"/>
+          <p:cNvSpPr>
+            <a:spLocks noGrp="1"/>
+          </p:cNvSpPr>
+          <p:nvPr>
+            <p:ph type="title"/>
+          </p:nvPr>
+        </p:nvSpPr>
+        <p:spPr>
+          <a:xfrm>
+            <a:off x="1154954" y="1447800"/>
+            <a:ext cx="8825659" cy="1981200"/>
+          </a:xfrm>
+        </p:spPr>
+        <p:txBody>
+          <a:bodyPr/>
+          <a:lstStyle>
+            <a:lvl1pPr>
+              <a:defRPr sz="4800"/>
+            </a:lvl1pPr>
+          </a:lstStyle>
+          <a:p>
+            <a:r>
+              <a:rPr lang="en-US" smtClean="0"/>
+              <a:t>Click to edit Master title style</a:t>
+            </a:r>
+            <a:endParaRPr lang="en-US" dirty="0"/>
+          </a:p>
+        </p:txBody>
+      </p:sp>
+      <p:sp>
+        <p:nvSpPr>
+          <p:cNvPr id="8" name="Text Placeholder 3"/>
+          <p:cNvSpPr>
+            <a:spLocks noGrp="1"/>
+          </p:cNvSpPr>
+          <p:nvPr>
+            <p:ph type="body" sz="half" idx="2"/>
+          </p:nvPr>
+        </p:nvSpPr>
+        <p:spPr>
+          <a:xfrm>
+            <a:off x="1154954" y="3657600"/>
+            <a:ext cx="8825659" cy="2362200"/>
+          </a:xfrm>
+        </p:spPr>
+        <p:txBody>
+          <a:bodyPr anchor="ctr">
+            <a:normAutofit/>
+          </a:bodyPr>
+          <a:lstStyle>
+            <a:lvl1pPr marL="0" indent="0">
+              <a:buNone/>
+              <a:defRPr sz="1800"/>
+            </a:lvl1pPr>
+            <a:lvl2pPr marL="457200" indent="0">
+              <a:buNone/>
+              <a:defRPr sz="1200"/>
+            </a:lvl2pPr>
+            <a:lvl3pPr marL="914400" indent="0">
+              <a:buNone/>
+              <a:defRPr sz="1000"/>
+            </a:lvl3pPr>
+            <a:lvl4pPr marL="1371600" indent="0">
+              <a:buNone/>
+              <a:defRPr sz="900"/>
+            </a:lvl4pPr>
+            <a:lvl5pPr marL="1828800" indent="0">
+              <a:buNone/>
+              <a:defRPr sz="900"/>
+            </a:lvl5pPr>
+            <a:lvl6pPr marL="2286000" indent="0">
+              <a:buNone/>
+              <a:defRPr sz="900"/>
+            </a:lvl6pPr>
+            <a:lvl7pPr marL="2743200" indent="0">
+              <a:buNone/>
+              <a:defRPr sz="900"/>
+            </a:lvl7pPr>
+            <a:lvl8pPr marL="3200400" indent="0">
+              <a:buNone/>
+              <a:defRPr sz="900"/>
+            </a:lvl8pPr>
+            <a:lvl9pPr marL="3657600" indent="0">
+              <a:buNone/>
+              <a:defRPr sz="900"/>
+            </a:lvl9pPr>
+          </a:lstStyle>
+          <a:p>
+            <a:pPr lvl="0"/>
+            <a:r>
+              <a:rPr lang="en-US" smtClean="0"/>
+              <a:t>Edit Master text styles</a:t>
+            </a:r>
+          </a:p>
+        </p:txBody>
+      </p:sp>
+      <p:sp>
+        <p:nvSpPr>
+          <p:cNvPr id="4" name="Date Placeholder 3"/>
+          <p:cNvSpPr>
+            <a:spLocks noGrp="1"/>
+          </p:cNvSpPr>
+          <p:nvPr>
+            <p:ph type="dt" sz="half" idx="10"/>
+          </p:nvPr>
+        </p:nvSpPr>
+        <p:spPr/>
+        <p:txBody>
+          <a:bodyPr/>
+          <a:lstStyle/>
+          <a:p>
+            <a:fld id="{942C8C57-33F9-4259-AC4F-0E3F5BEC9B94}" type="datetimeFigureOut">
+              <a:rPr lang="en-US" smtClean="0"/>
+              <a:t>10/6/2025</a:t>
+            </a:fld>
+            <a:endParaRPr lang="en-US" dirty="0"/>
+          </a:p>
+        </p:txBody>
+      </p:sp>
+      <p:sp>
+        <p:nvSpPr>
+          <p:cNvPr id="5" name="Footer Placeholder 4"/>
+          <p:cNvSpPr>
+            <a:spLocks noGrp="1"/>
+          </p:cNvSpPr>
+          <p:nvPr>
+            <p:ph type="ftr" sz="quarter" idx="11"/>
+          </p:nvPr>
+        </p:nvSpPr>
+        <p:spPr/>
+        <p:txBody>
+          <a:bodyPr/>
+          <a:lstStyle/>
+          <a:p>
+            <a:endParaRPr lang="en-US" dirty="0"/>
+          </a:p>
+        </p:txBody>
+      </p:sp>
+      <p:sp>
+        <p:nvSpPr>
+          <p:cNvPr id="6" name="Slide Number Placeholder 5"/>
+          <p:cNvSpPr>
+            <a:spLocks noGrp="1"/>
+          </p:cNvSpPr>
+          <p:nvPr>
+            <p:ph type="sldNum" sz="quarter" idx="12"/>
+          </p:nvPr>
+        </p:nvSpPr>
+        <p:spPr/>
+        <p:txBody>
+          <a:bodyPr/>
+          <a:lstStyle/>
+          <a:p>
+            <a:fld id="{D57F1E4F-1CFF-5643-939E-217C01CDF565}" type="slidenum">
+              <a:rPr lang="en-US" smtClean="0"/>
+              <a:pPr/>
+              <a:t>‹#›</a:t>
+            </a:fld>
+            <a:endParaRPr lang="en-US" dirty="0"/>
+          </a:p>
+        </p:txBody>
+      </p:sp>
+    </p:spTree>
+    <p:extLst>
+      <p:ext uri="{BB962C8B-B14F-4D97-AF65-F5344CB8AC3E}">
+        <p14:creationId xmlns:p14="http://schemas.microsoft.com/office/powerpoint/2010/main" val="3059274597"/>
+      </p:ext>
+    </p:extLst>
+  </p:cSld>
+  <p:clrMapOvr>
+    <a:masterClrMapping/>
+  </p:clrMapOvr>
+</p:sldLayout>
+</file>
+
+<file path=ppt/slideLayouts/slideLayout12.xml><?xml version="1.0" encoding="utf-8"?>
+<p:sldLayout xmlns:a="http://schemas.openxmlformats.org/drawingml/2006/main" xmlns:r="http://schemas.openxmlformats.org/officeDocument/2006/relationships" xmlns:p="http://schemas.openxmlformats.org/presentationml/2006/main" preserve="1">
+  <p:cSld name="Quote with Caption">
+    <p:spTree>
+      <p:nvGrpSpPr>
+        <p:cNvPr id="1" name=""/>
+        <p:cNvGrpSpPr/>
+        <p:nvPr/>
+      </p:nvGrpSpPr>
+      <p:grpSpPr>
+        <a:xfrm>
+          <a:off x="0" y="0"/>
+          <a:ext cx="0" cy="0"/>
+          <a:chOff x="0" y="0"/>
+          <a:chExt cx="0" cy="0"/>
+        </a:xfrm>
+      </p:grpSpPr>
+      <p:sp>
+        <p:nvSpPr>
+          <p:cNvPr id="2" name="Title 1"/>
+          <p:cNvSpPr>
+            <a:spLocks noGrp="1"/>
+          </p:cNvSpPr>
+          <p:nvPr>
+            <p:ph type="title"/>
+          </p:nvPr>
+        </p:nvSpPr>
+        <p:spPr>
+          <a:xfrm>
+            <a:off x="1574801" y="1447800"/>
+            <a:ext cx="7999315" cy="2323374"/>
+          </a:xfrm>
+        </p:spPr>
+        <p:txBody>
+          <a:bodyPr/>
+          <a:lstStyle>
+            <a:lvl1pPr>
+              <a:defRPr sz="4800"/>
+            </a:lvl1pPr>
+          </a:lstStyle>
+          <a:p>
+            <a:r>
+              <a:rPr lang="en-US" smtClean="0"/>
+              <a:t>Click to edit Master title style</a:t>
+            </a:r>
+            <a:endParaRPr lang="en-US" dirty="0"/>
+          </a:p>
+        </p:txBody>
+      </p:sp>
+      <p:sp>
+        <p:nvSpPr>
+          <p:cNvPr id="11" name="Text Placeholder 3"/>
+          <p:cNvSpPr>
+            <a:spLocks noGrp="1"/>
+          </p:cNvSpPr>
+          <p:nvPr>
+            <p:ph type="body" sz="half" idx="14"/>
+          </p:nvPr>
+        </p:nvSpPr>
+        <p:spPr>
+          <a:xfrm>
+            <a:off x="1930400" y="3771174"/>
+            <a:ext cx="7279649" cy="342174"/>
+          </a:xfrm>
+        </p:spPr>
+        <p:txBody>
+          <a:bodyPr vert="horz" lIns="91440" tIns="45720" rIns="91440" bIns="45720" rtlCol="0" anchor="t">
+            <a:normAutofit/>
+          </a:bodyPr>
+          <a:lstStyle>
+            <a:lvl1pPr marL="0" indent="0">
+              <a:buNone/>
+              <a:defRPr lang="en-US" sz="1400" b="0" i="0" kern="1200" cap="small" dirty="0">
+                <a:solidFill>
+                  <a:schemeClr val="bg2">
+                    <a:lumMod val="40000"/>
+                    <a:lumOff val="60000"/>
+                  </a:schemeClr>
+                </a:solidFill>
+                <a:latin typeface="+mj-lt"/>
+                <a:ea typeface="+mj-ea"/>
+                <a:cs typeface="+mj-cs"/>
+              </a:defRPr>
+            </a:lvl1pPr>
+            <a:lvl2pPr marL="457200" indent="0">
+              <a:buNone/>
+              <a:defRPr sz="1200"/>
+            </a:lvl2pPr>
+            <a:lvl3pPr marL="914400" indent="0">
+              <a:buNone/>
+              <a:defRPr sz="1000"/>
+            </a:lvl3pPr>
+            <a:lvl4pPr marL="1371600" indent="0">
+              <a:buNone/>
+              <a:defRPr sz="900"/>
+            </a:lvl4pPr>
+            <a:lvl5pPr marL="1828800" indent="0">
+              <a:buNone/>
+              <a:defRPr sz="900"/>
+            </a:lvl5pPr>
+            <a:lvl6pPr marL="2286000" indent="0">
+              <a:buNone/>
+              <a:defRPr sz="900"/>
+            </a:lvl6pPr>
+            <a:lvl7pPr marL="2743200" indent="0">
+              <a:buNone/>
+              <a:defRPr sz="900"/>
+            </a:lvl7pPr>
+            <a:lvl8pPr marL="3200400" indent="0">
+              <a:buNone/>
+              <a:defRPr sz="900"/>
+            </a:lvl8pPr>
+            <a:lvl9pPr marL="3657600" indent="0">
+              <a:buNone/>
+              <a:defRPr sz="900"/>
+            </a:lvl9pPr>
+          </a:lstStyle>
+          <a:p>
+            <a:pPr marL="0" lvl="0" indent="0">
+              <a:buNone/>
+            </a:pPr>
+            <a:r>
+              <a:rPr lang="en-US" smtClean="0"/>
+              <a:t>Edit Master text styles</a:t>
+            </a:r>
+          </a:p>
+        </p:txBody>
+      </p:sp>
+      <p:sp>
+        <p:nvSpPr>
+          <p:cNvPr id="10" name="Text Placeholder 3"/>
+          <p:cNvSpPr>
+            <a:spLocks noGrp="1"/>
+          </p:cNvSpPr>
+          <p:nvPr>
+            <p:ph type="body" sz="half" idx="2"/>
+          </p:nvPr>
+        </p:nvSpPr>
+        <p:spPr>
+          <a:xfrm>
+            <a:off x="1154954" y="4350657"/>
+            <a:ext cx="8825659" cy="1676400"/>
+          </a:xfrm>
+        </p:spPr>
+        <p:txBody>
+          <a:bodyPr anchor="ctr">
+            <a:normAutofit/>
+          </a:bodyPr>
+          <a:lstStyle>
+            <a:lvl1pPr marL="0" indent="0">
+              <a:buNone/>
+              <a:defRPr sz="1800"/>
+            </a:lvl1pPr>
+            <a:lvl2pPr marL="457200" indent="0">
+              <a:buNone/>
+              <a:defRPr sz="1200"/>
+            </a:lvl2pPr>
+            <a:lvl3pPr marL="914400" indent="0">
+              <a:buNone/>
+              <a:defRPr sz="1000"/>
+            </a:lvl3pPr>
+            <a:lvl4pPr marL="1371600" indent="0">
+              <a:buNone/>
+              <a:defRPr sz="900"/>
+            </a:lvl4pPr>
+            <a:lvl5pPr marL="1828800" indent="0">
+              <a:buNone/>
+              <a:defRPr sz="900"/>
+            </a:lvl5pPr>
+            <a:lvl6pPr marL="2286000" indent="0">
+              <a:buNone/>
+              <a:defRPr sz="900"/>
+            </a:lvl6pPr>
+            <a:lvl7pPr marL="2743200" indent="0">
+              <a:buNone/>
+              <a:defRPr sz="900"/>
+            </a:lvl7pPr>
+            <a:lvl8pPr marL="3200400" indent="0">
+              <a:buNone/>
+              <a:defRPr sz="900"/>
+            </a:lvl8pPr>
+            <a:lvl9pPr marL="3657600" indent="0">
+              <a:buNone/>
+              <a:defRPr sz="900"/>
+            </a:lvl9pPr>
+          </a:lstStyle>
+          <a:p>
+            <a:pPr lvl="0"/>
+            <a:r>
+              <a:rPr lang="en-US" smtClean="0"/>
+              <a:t>Edit Master text styles</a:t>
+            </a:r>
+          </a:p>
+        </p:txBody>
+      </p:sp>
+      <p:sp>
+        <p:nvSpPr>
+          <p:cNvPr id="4" name="Date Placeholder 3"/>
+          <p:cNvSpPr>
+            <a:spLocks noGrp="1"/>
+          </p:cNvSpPr>
+          <p:nvPr>
+            <p:ph type="dt" sz="half" idx="10"/>
+          </p:nvPr>
+        </p:nvSpPr>
+        <p:spPr/>
+        <p:txBody>
+          <a:bodyPr/>
+          <a:lstStyle/>
+          <a:p>
+            <a:fld id="{8748772B-8FA2-401F-A0A1-A59855EDBC3E}" type="datetimeFigureOut">
+              <a:rPr lang="en-US" smtClean="0"/>
+              <a:t>10/6/2025</a:t>
+            </a:fld>
+            <a:endParaRPr lang="en-US" dirty="0"/>
+          </a:p>
+        </p:txBody>
+      </p:sp>
+      <p:sp>
+        <p:nvSpPr>
+          <p:cNvPr id="5" name="Footer Placeholder 4"/>
+          <p:cNvSpPr>
+            <a:spLocks noGrp="1"/>
+          </p:cNvSpPr>
+          <p:nvPr>
+            <p:ph type="ftr" sz="quarter" idx="11"/>
+          </p:nvPr>
+        </p:nvSpPr>
+        <p:spPr/>
+        <p:txBody>
+          <a:bodyPr/>
+          <a:lstStyle/>
+          <a:p>
+            <a:endParaRPr lang="en-US" dirty="0"/>
+          </a:p>
+        </p:txBody>
+      </p:sp>
+      <p:sp>
+        <p:nvSpPr>
+          <p:cNvPr id="6" name="Slide Number Placeholder 5"/>
+          <p:cNvSpPr>
+            <a:spLocks noGrp="1"/>
+          </p:cNvSpPr>
+          <p:nvPr>
+            <p:ph type="sldNum" sz="quarter" idx="12"/>
+          </p:nvPr>
+        </p:nvSpPr>
+        <p:spPr/>
+        <p:txBody>
+          <a:bodyPr/>
+          <a:lstStyle/>
+          <a:p>
+            <a:fld id="{D57F1E4F-1CFF-5643-939E-217C01CDF565}" type="slidenum">
+              <a:rPr lang="en-US" smtClean="0"/>
+              <a:pPr/>
+              <a:t>‹#›</a:t>
+            </a:fld>
+            <a:endParaRPr lang="en-US" dirty="0"/>
+          </a:p>
+        </p:txBody>
+      </p:sp>
+      <p:sp>
+        <p:nvSpPr>
+          <p:cNvPr id="12" name="TextBox 11"/>
+          <p:cNvSpPr txBox="1"/>
+          <p:nvPr/>
+        </p:nvSpPr>
+        <p:spPr>
+          <a:xfrm>
+            <a:off x="898295" y="971253"/>
+            <a:ext cx="801912" cy="1969770"/>
+          </a:xfrm>
+          <a:prstGeom prst="rect">
+            <a:avLst/>
+          </a:prstGeom>
+          <a:noFill/>
+        </p:spPr>
+        <p:txBody>
+          <a:bodyPr wrap="square" rtlCol="0">
+            <a:spAutoFit/>
+          </a:bodyPr>
+          <a:lstStyle>
+            <a:defPPr>
+              <a:defRPr lang="en-US"/>
+            </a:defPPr>
+            <a:lvl1pPr algn="r">
+              <a:defRPr sz="12200" b="0" i="0">
+                <a:solidFill>
+                  <a:schemeClr val="bg2">
+                    <a:lumMod val="40000"/>
+                    <a:lumOff val="60000"/>
+                  </a:schemeClr>
+                </a:solidFill>
+                <a:latin typeface="Arial"/>
+                <a:ea typeface="+mj-ea"/>
+                <a:cs typeface="+mj-cs"/>
+              </a:defRPr>
+            </a:lvl1pPr>
+          </a:lstStyle>
+          <a:p>
+            <a:pPr lvl="0"/>
+            <a:r>
+              <a:rPr lang="en-US" dirty="0"/>
+              <a:t>“</a:t>
+            </a:r>
+          </a:p>
+        </p:txBody>
+      </p:sp>
+      <p:sp>
+        <p:nvSpPr>
+          <p:cNvPr id="15" name="TextBox 14"/>
+          <p:cNvSpPr txBox="1"/>
+          <p:nvPr/>
+        </p:nvSpPr>
+        <p:spPr>
+          <a:xfrm>
+            <a:off x="9330490" y="2613787"/>
+            <a:ext cx="801912" cy="1969770"/>
+          </a:xfrm>
+          <a:prstGeom prst="rect">
+            <a:avLst/>
+          </a:prstGeom>
+          <a:noFill/>
+        </p:spPr>
+        <p:txBody>
+          <a:bodyPr wrap="square" rtlCol="0">
+            <a:spAutoFit/>
+          </a:bodyPr>
+          <a:lstStyle>
+            <a:defPPr>
+              <a:defRPr lang="en-US"/>
+            </a:defPPr>
+            <a:lvl1pPr algn="r">
+              <a:defRPr sz="12200" b="0" i="0">
+                <a:solidFill>
+                  <a:schemeClr val="bg2">
+                    <a:lumMod val="40000"/>
+                    <a:lumOff val="60000"/>
+                  </a:schemeClr>
+                </a:solidFill>
+                <a:latin typeface="Arial"/>
+                <a:ea typeface="+mj-ea"/>
+                <a:cs typeface="+mj-cs"/>
+              </a:defRPr>
+            </a:lvl1pPr>
+          </a:lstStyle>
+          <a:p>
+            <a:pPr lvl="0"/>
+            <a:r>
+              <a:rPr lang="en-US" dirty="0"/>
+              <a:t>”</a:t>
+            </a:r>
+          </a:p>
+        </p:txBody>
+      </p:sp>
+    </p:spTree>
+    <p:extLst>
+      <p:ext uri="{BB962C8B-B14F-4D97-AF65-F5344CB8AC3E}">
+        <p14:creationId xmlns:p14="http://schemas.microsoft.com/office/powerpoint/2010/main" val="3971525188"/>
+      </p:ext>
+    </p:extLst>
+  </p:cSld>
+  <p:clrMapOvr>
+    <a:masterClrMapping/>
+  </p:clrMapOvr>
+</p:sldLayout>
+</file>
+
+<file path=ppt/slideLayouts/slideLayout13.xml><?xml version="1.0" encoding="utf-8"?>
+<p:sldLayout xmlns:a="http://schemas.openxmlformats.org/drawingml/2006/main" xmlns:r="http://schemas.openxmlformats.org/officeDocument/2006/relationships" xmlns:p="http://schemas.openxmlformats.org/presentationml/2006/main" preserve="1">
+  <p:cSld name="Name Card">
+    <p:spTree>
+      <p:nvGrpSpPr>
+        <p:cNvPr id="1" name=""/>
+        <p:cNvGrpSpPr/>
+        <p:nvPr/>
+      </p:nvGrpSpPr>
+      <p:grpSpPr>
+        <a:xfrm>
+          <a:off x="0" y="0"/>
+          <a:ext cx="0" cy="0"/>
+          <a:chOff x="0" y="0"/>
+          <a:chExt cx="0" cy="0"/>
+        </a:xfrm>
+      </p:grpSpPr>
+      <p:sp>
+        <p:nvSpPr>
+          <p:cNvPr id="2" name="Title 1"/>
+          <p:cNvSpPr>
+            <a:spLocks noGrp="1"/>
+          </p:cNvSpPr>
+          <p:nvPr>
+            <p:ph type="title"/>
+          </p:nvPr>
+        </p:nvSpPr>
+        <p:spPr>
+          <a:xfrm>
+            <a:off x="1154954" y="3124201"/>
+            <a:ext cx="8825660" cy="1653180"/>
+          </a:xfrm>
+        </p:spPr>
+        <p:txBody>
+          <a:bodyPr anchor="b"/>
+          <a:lstStyle>
+            <a:lvl1pPr algn="l">
+              <a:defRPr sz="4000" b="0" cap="none"/>
+            </a:lvl1pPr>
+          </a:lstStyle>
+          <a:p>
+            <a:r>
+              <a:rPr lang="en-US" smtClean="0"/>
+              <a:t>Click to edit Master title style</a:t>
+            </a:r>
+            <a:endParaRPr lang="en-US" dirty="0"/>
+          </a:p>
+        </p:txBody>
+      </p:sp>
+      <p:sp>
+        <p:nvSpPr>
+          <p:cNvPr id="3" name="Text Placeholder 2"/>
+          <p:cNvSpPr>
+            <a:spLocks noGrp="1"/>
+          </p:cNvSpPr>
+          <p:nvPr>
+            <p:ph type="body" idx="1"/>
+          </p:nvPr>
+        </p:nvSpPr>
+        <p:spPr>
+          <a:xfrm>
+            <a:off x="1154954" y="4777381"/>
+            <a:ext cx="8825659" cy="860400"/>
+          </a:xfrm>
+        </p:spPr>
+        <p:txBody>
+          <a:bodyPr anchor="t"/>
+          <a:lstStyle>
+            <a:lvl1pPr marL="0" indent="0" algn="l">
+              <a:buNone/>
+              <a:defRPr sz="2000" cap="none">
+                <a:solidFill>
+                  <a:schemeClr val="bg2">
+                    <a:lumMod val="40000"/>
+                    <a:lumOff val="60000"/>
+                  </a:schemeClr>
+                </a:solidFill>
+              </a:defRPr>
+            </a:lvl1pPr>
+            <a:lvl2pPr marL="457200" indent="0">
+              <a:buNone/>
+              <a:defRPr sz="1800">
+                <a:solidFill>
+                  <a:schemeClr val="tx1">
+                    <a:tint val="75000"/>
+                  </a:schemeClr>
+                </a:solidFill>
+              </a:defRPr>
+            </a:lvl2pPr>
+            <a:lvl3pPr marL="914400" indent="0">
+              <a:buNone/>
+              <a:defRPr sz="1600">
+                <a:solidFill>
+                  <a:schemeClr val="tx1">
+                    <a:tint val="75000"/>
+                  </a:schemeClr>
+                </a:solidFill>
+              </a:defRPr>
+            </a:lvl3pPr>
+            <a:lvl4pPr marL="1371600" indent="0">
+              <a:buNone/>
+              <a:defRPr sz="1400">
+                <a:solidFill>
+                  <a:schemeClr val="tx1">
+                    <a:tint val="75000"/>
+                  </a:schemeClr>
+                </a:solidFill>
+              </a:defRPr>
+            </a:lvl4pPr>
+            <a:lvl5pPr marL="1828800" indent="0">
+              <a:buNone/>
+              <a:defRPr sz="1400">
+                <a:solidFill>
+                  <a:schemeClr val="tx1">
+                    <a:tint val="75000"/>
+                  </a:schemeClr>
+                </a:solidFill>
+              </a:defRPr>
+            </a:lvl5pPr>
+            <a:lvl6pPr marL="2286000" indent="0">
+              <a:buNone/>
+              <a:defRPr sz="1400">
+                <a:solidFill>
+                  <a:schemeClr val="tx1">
+                    <a:tint val="75000"/>
+                  </a:schemeClr>
+                </a:solidFill>
+              </a:defRPr>
+            </a:lvl6pPr>
+            <a:lvl7pPr marL="2743200" indent="0">
+              <a:buNone/>
+              <a:defRPr sz="1400">
+                <a:solidFill>
+                  <a:schemeClr val="tx1">
+                    <a:tint val="75000"/>
+                  </a:schemeClr>
+                </a:solidFill>
+              </a:defRPr>
+            </a:lvl7pPr>
+            <a:lvl8pPr marL="3200400" indent="0">
+              <a:buNone/>
+              <a:defRPr sz="1400">
+                <a:solidFill>
+                  <a:schemeClr val="tx1">
+                    <a:tint val="75000"/>
+                  </a:schemeClr>
+                </a:solidFill>
+              </a:defRPr>
+            </a:lvl8pPr>
+            <a:lvl9pPr marL="3657600" indent="0">
+              <a:buNone/>
+              <a:defRPr sz="1400">
+                <a:solidFill>
+                  <a:schemeClr val="tx1">
+                    <a:tint val="75000"/>
+                  </a:schemeClr>
+                </a:solidFill>
+              </a:defRPr>
+            </a:lvl9pPr>
+          </a:lstStyle>
+          <a:p>
+            <a:pPr lvl="0"/>
+            <a:r>
+              <a:rPr lang="en-US" smtClean="0"/>
+              <a:t>Edit Master text styles</a:t>
+            </a:r>
+          </a:p>
+        </p:txBody>
+      </p:sp>
+      <p:sp>
+        <p:nvSpPr>
+          <p:cNvPr id="4" name="Date Placeholder 3"/>
+          <p:cNvSpPr>
+            <a:spLocks noGrp="1"/>
+          </p:cNvSpPr>
+          <p:nvPr>
+            <p:ph type="dt" sz="half" idx="10"/>
+          </p:nvPr>
+        </p:nvSpPr>
+        <p:spPr/>
+        <p:txBody>
+          <a:bodyPr/>
+          <a:lstStyle/>
+          <a:p>
+            <a:fld id="{D3DD5BDE-5A90-4611-82E9-0FC5746D30C5}" type="datetimeFigureOut">
+              <a:rPr lang="en-US" smtClean="0"/>
+              <a:t>10/6/2025</a:t>
+            </a:fld>
+            <a:endParaRPr lang="en-US" dirty="0"/>
+          </a:p>
+        </p:txBody>
+      </p:sp>
+      <p:sp>
+        <p:nvSpPr>
+          <p:cNvPr id="5" name="Footer Placeholder 4"/>
+          <p:cNvSpPr>
+            <a:spLocks noGrp="1"/>
+          </p:cNvSpPr>
+          <p:nvPr>
+            <p:ph type="ftr" sz="quarter" idx="11"/>
+          </p:nvPr>
+        </p:nvSpPr>
+        <p:spPr/>
+        <p:txBody>
+          <a:bodyPr/>
+          <a:lstStyle/>
+          <a:p>
+            <a:endParaRPr lang="en-US" dirty="0"/>
+          </a:p>
+        </p:txBody>
+      </p:sp>
+      <p:sp>
+        <p:nvSpPr>
+          <p:cNvPr id="6" name="Slide Number Placeholder 5"/>
+          <p:cNvSpPr>
+            <a:spLocks noGrp="1"/>
+          </p:cNvSpPr>
+          <p:nvPr>
+            <p:ph type="sldNum" sz="quarter" idx="12"/>
+          </p:nvPr>
+        </p:nvSpPr>
+        <p:spPr/>
+        <p:txBody>
+          <a:bodyPr/>
+          <a:lstStyle/>
+          <a:p>
+            <a:fld id="{D57F1E4F-1CFF-5643-939E-217C01CDF565}" type="slidenum">
+              <a:rPr lang="en-US" smtClean="0"/>
+              <a:pPr/>
+              <a:t>‹#›</a:t>
+            </a:fld>
+            <a:endParaRPr lang="en-US" dirty="0"/>
+          </a:p>
+        </p:txBody>
+      </p:sp>
+    </p:spTree>
+    <p:extLst>
+      <p:ext uri="{BB962C8B-B14F-4D97-AF65-F5344CB8AC3E}">
+        <p14:creationId xmlns:p14="http://schemas.microsoft.com/office/powerpoint/2010/main" val="3429131950"/>
+      </p:ext>
+    </p:extLst>
+  </p:cSld>
+  <p:clrMapOvr>
+    <a:masterClrMapping/>
+  </p:clrMapOvr>
+</p:sldLayout>
+</file>
+
+<file path=ppt/slideLayouts/slideLayout14.xml><?xml version="1.0" encoding="utf-8"?>
+<p:sldLayout xmlns:a="http://schemas.openxmlformats.org/drawingml/2006/main" xmlns:r="http://schemas.openxmlformats.org/officeDocument/2006/relationships" xmlns:p="http://schemas.openxmlformats.org/presentationml/2006/main" preserve="1">
+  <p:cSld name="3 Column">
+    <p:spTree>
+      <p:nvGrpSpPr>
+        <p:cNvPr id="1" name=""/>
+        <p:cNvGrpSpPr/>
+        <p:nvPr/>
+      </p:nvGrpSpPr>
+      <p:grpSpPr>
+        <a:xfrm>
+          <a:off x="0" y="0"/>
+          <a:ext cx="0" cy="0"/>
+          <a:chOff x="0" y="0"/>
+          <a:chExt cx="0" cy="0"/>
+        </a:xfrm>
+      </p:grpSpPr>
+      <p:sp>
+        <p:nvSpPr>
+          <p:cNvPr id="2" name="Title 1"/>
+          <p:cNvSpPr>
+            <a:spLocks noGrp="1"/>
+          </p:cNvSpPr>
+          <p:nvPr>
+            <p:ph type="title"/>
+          </p:nvPr>
+        </p:nvSpPr>
+        <p:spPr/>
+        <p:txBody>
+          <a:bodyPr/>
+          <a:lstStyle>
+            <a:lvl1pPr>
+              <a:defRPr sz="4200"/>
+            </a:lvl1pPr>
+          </a:lstStyle>
+          <a:p>
+            <a:r>
+              <a:rPr lang="en-US" smtClean="0"/>
+              <a:t>Click to edit Master title style</a:t>
+            </a:r>
+            <a:endParaRPr lang="en-US" dirty="0"/>
+          </a:p>
+        </p:txBody>
+      </p:sp>
+      <p:sp>
+        <p:nvSpPr>
+          <p:cNvPr id="3" name="Text Placeholder 2"/>
+          <p:cNvSpPr>
+            <a:spLocks noGrp="1"/>
+          </p:cNvSpPr>
+          <p:nvPr>
+            <p:ph type="body" idx="1"/>
+          </p:nvPr>
+        </p:nvSpPr>
+        <p:spPr>
+          <a:xfrm>
+            <a:off x="632947" y="1981200"/>
+            <a:ext cx="2946866" cy="576262"/>
+          </a:xfrm>
+        </p:spPr>
+        <p:txBody>
+          <a:bodyPr anchor="b">
+            <a:noAutofit/>
+          </a:bodyPr>
+          <a:lstStyle>
+            <a:lvl1pPr marL="0" indent="0">
+              <a:buNone/>
+              <a:defRPr sz="2400" b="0">
+                <a:solidFill>
+                  <a:schemeClr val="bg2">
+                    <a:lumMod val="40000"/>
+                    <a:lumOff val="60000"/>
+                  </a:schemeClr>
+                </a:solidFill>
+              </a:defRPr>
+            </a:lvl1pPr>
+            <a:lvl2pPr marL="457200" indent="0">
+              <a:buNone/>
+              <a:defRPr sz="2000" b="1"/>
+            </a:lvl2pPr>
+            <a:lvl3pPr marL="914400" indent="0">
+              <a:buNone/>
+              <a:defRPr sz="1800" b="1"/>
+            </a:lvl3pPr>
+            <a:lvl4pPr marL="1371600" indent="0">
+              <a:buNone/>
+              <a:defRPr sz="1600" b="1"/>
+            </a:lvl4pPr>
+            <a:lvl5pPr marL="1828800" indent="0">
+              <a:buNone/>
+              <a:defRPr sz="1600" b="1"/>
+            </a:lvl5pPr>
+            <a:lvl6pPr marL="2286000" indent="0">
+              <a:buNone/>
+              <a:defRPr sz="1600" b="1"/>
+            </a:lvl6pPr>
+            <a:lvl7pPr marL="2743200" indent="0">
+              <a:buNone/>
+              <a:defRPr sz="1600" b="1"/>
+            </a:lvl7pPr>
+            <a:lvl8pPr marL="3200400" indent="0">
+              <a:buNone/>
+              <a:defRPr sz="1600" b="1"/>
+            </a:lvl8pPr>
+            <a:lvl9pPr marL="3657600" indent="0">
+              <a:buNone/>
+              <a:defRPr sz="1600" b="1"/>
+            </a:lvl9pPr>
+          </a:lstStyle>
+          <a:p>
+            <a:pPr lvl="0"/>
+            <a:r>
+              <a:rPr lang="en-US" smtClean="0"/>
+              <a:t>Edit Master text styles</a:t>
+            </a:r>
+          </a:p>
+        </p:txBody>
+      </p:sp>
+      <p:sp>
+        <p:nvSpPr>
+          <p:cNvPr id="16" name="Text Placeholder 3"/>
+          <p:cNvSpPr>
+            <a:spLocks noGrp="1"/>
+          </p:cNvSpPr>
+          <p:nvPr>
+            <p:ph type="body" sz="half" idx="15"/>
+          </p:nvPr>
+        </p:nvSpPr>
+        <p:spPr>
+          <a:xfrm>
+            <a:off x="652463" y="2667000"/>
+            <a:ext cx="2927350" cy="3589338"/>
+          </a:xfrm>
+        </p:spPr>
+        <p:txBody>
+          <a:bodyPr anchor="t">
+            <a:normAutofit/>
+          </a:bodyPr>
+          <a:lstStyle>
+            <a:lvl1pPr marL="0" indent="0">
+              <a:buNone/>
+              <a:defRPr sz="1400"/>
+            </a:lvl1pPr>
+            <a:lvl2pPr marL="457200" indent="0">
+              <a:buNone/>
+              <a:defRPr sz="1200"/>
+            </a:lvl2pPr>
+            <a:lvl3pPr marL="914400" indent="0">
+              <a:buNone/>
+              <a:defRPr sz="1000"/>
+            </a:lvl3pPr>
+            <a:lvl4pPr marL="1371600" indent="0">
+              <a:buNone/>
+              <a:defRPr sz="900"/>
+            </a:lvl4pPr>
+            <a:lvl5pPr marL="1828800" indent="0">
+              <a:buNone/>
+              <a:defRPr sz="900"/>
+            </a:lvl5pPr>
+            <a:lvl6pPr marL="2286000" indent="0">
+              <a:buNone/>
+              <a:defRPr sz="900"/>
+            </a:lvl6pPr>
+            <a:lvl7pPr marL="2743200" indent="0">
+              <a:buNone/>
+              <a:defRPr sz="900"/>
+            </a:lvl7pPr>
+            <a:lvl8pPr marL="3200400" indent="0">
+              <a:buNone/>
+              <a:defRPr sz="900"/>
+            </a:lvl8pPr>
+            <a:lvl9pPr marL="3657600" indent="0">
+              <a:buNone/>
+              <a:defRPr sz="900"/>
+            </a:lvl9pPr>
+          </a:lstStyle>
+          <a:p>
+            <a:pPr lvl="0"/>
+            <a:r>
+              <a:rPr lang="en-US" smtClean="0"/>
+              <a:t>Edit Master text styles</a:t>
+            </a:r>
+          </a:p>
+        </p:txBody>
+      </p:sp>
+      <p:sp>
+        <p:nvSpPr>
+          <p:cNvPr id="5" name="Text Placeholder 4"/>
+          <p:cNvSpPr>
+            <a:spLocks noGrp="1"/>
+          </p:cNvSpPr>
+          <p:nvPr>
+            <p:ph type="body" sz="quarter" idx="3"/>
+          </p:nvPr>
+        </p:nvSpPr>
+        <p:spPr>
+          <a:xfrm>
+            <a:off x="3883659" y="1981200"/>
+            <a:ext cx="2936241" cy="576262"/>
+          </a:xfrm>
+        </p:spPr>
+        <p:txBody>
+          <a:bodyPr anchor="b">
+            <a:noAutofit/>
+          </a:bodyPr>
+          <a:lstStyle>
+            <a:lvl1pPr marL="0" indent="0">
+              <a:buNone/>
+              <a:defRPr sz="2400" b="0">
+                <a:solidFill>
+                  <a:schemeClr val="bg2">
+                    <a:lumMod val="40000"/>
+                    <a:lumOff val="60000"/>
+                  </a:schemeClr>
+                </a:solidFill>
+              </a:defRPr>
+            </a:lvl1pPr>
+            <a:lvl2pPr marL="457200" indent="0">
+              <a:buNone/>
+              <a:defRPr sz="2000" b="1"/>
+            </a:lvl2pPr>
+            <a:lvl3pPr marL="914400" indent="0">
+              <a:buNone/>
+              <a:defRPr sz="1800" b="1"/>
+            </a:lvl3pPr>
+            <a:lvl4pPr marL="1371600" indent="0">
+              <a:buNone/>
+              <a:defRPr sz="1600" b="1"/>
+            </a:lvl4pPr>
+            <a:lvl5pPr marL="1828800" indent="0">
+              <a:buNone/>
+              <a:defRPr sz="1600" b="1"/>
+            </a:lvl5pPr>
+            <a:lvl6pPr marL="2286000" indent="0">
+              <a:buNone/>
+              <a:defRPr sz="1600" b="1"/>
+            </a:lvl6pPr>
+            <a:lvl7pPr marL="2743200" indent="0">
+              <a:buNone/>
+              <a:defRPr sz="1600" b="1"/>
+            </a:lvl7pPr>
+            <a:lvl8pPr marL="3200400" indent="0">
+              <a:buNone/>
+              <a:defRPr sz="1600" b="1"/>
+            </a:lvl8pPr>
+            <a:lvl9pPr marL="3657600" indent="0">
+              <a:buNone/>
+              <a:defRPr sz="1600" b="1"/>
+            </a:lvl9pPr>
+          </a:lstStyle>
+          <a:p>
+            <a:pPr lvl="0"/>
+            <a:r>
+              <a:rPr lang="en-US" smtClean="0"/>
+              <a:t>Edit Master text styles</a:t>
+            </a:r>
+          </a:p>
+        </p:txBody>
+      </p:sp>
+      <p:sp>
+        <p:nvSpPr>
+          <p:cNvPr id="19" name="Text Placeholder 3"/>
+          <p:cNvSpPr>
+            <a:spLocks noGrp="1"/>
+          </p:cNvSpPr>
+          <p:nvPr>
+            <p:ph type="body" sz="half" idx="16"/>
+          </p:nvPr>
+        </p:nvSpPr>
+        <p:spPr>
+          <a:xfrm>
+            <a:off x="3873106" y="2667000"/>
+            <a:ext cx="2946794" cy="3589338"/>
+          </a:xfrm>
+        </p:spPr>
+        <p:txBody>
+          <a:bodyPr anchor="t">
+            <a:normAutofit/>
+          </a:bodyPr>
+          <a:lstStyle>
+            <a:lvl1pPr marL="0" indent="0">
+              <a:buNone/>
+              <a:defRPr sz="1400"/>
+            </a:lvl1pPr>
+            <a:lvl2pPr marL="457200" indent="0">
+              <a:buNone/>
+              <a:defRPr sz="1200"/>
+            </a:lvl2pPr>
+            <a:lvl3pPr marL="914400" indent="0">
+              <a:buNone/>
+              <a:defRPr sz="1000"/>
+            </a:lvl3pPr>
+            <a:lvl4pPr marL="1371600" indent="0">
+              <a:buNone/>
+              <a:defRPr sz="900"/>
+            </a:lvl4pPr>
+            <a:lvl5pPr marL="1828800" indent="0">
+              <a:buNone/>
+              <a:defRPr sz="900"/>
+            </a:lvl5pPr>
+            <a:lvl6pPr marL="2286000" indent="0">
+              <a:buNone/>
+              <a:defRPr sz="900"/>
+            </a:lvl6pPr>
+            <a:lvl7pPr marL="2743200" indent="0">
+              <a:buNone/>
+              <a:defRPr sz="900"/>
+            </a:lvl7pPr>
+            <a:lvl8pPr marL="3200400" indent="0">
+              <a:buNone/>
+              <a:defRPr sz="900"/>
+            </a:lvl8pPr>
+            <a:lvl9pPr marL="3657600" indent="0">
+              <a:buNone/>
+              <a:defRPr sz="900"/>
+            </a:lvl9pPr>
+          </a:lstStyle>
+          <a:p>
+            <a:pPr lvl="0"/>
+            <a:r>
+              <a:rPr lang="en-US" smtClean="0"/>
+              <a:t>Edit Master text styles</a:t>
+            </a:r>
+          </a:p>
+        </p:txBody>
+      </p:sp>
+      <p:sp>
+        <p:nvSpPr>
+          <p:cNvPr id="14" name="Text Placeholder 4"/>
+          <p:cNvSpPr>
+            <a:spLocks noGrp="1"/>
+          </p:cNvSpPr>
+          <p:nvPr>
+            <p:ph type="body" sz="quarter" idx="13"/>
+          </p:nvPr>
+        </p:nvSpPr>
+        <p:spPr>
+          <a:xfrm>
+            <a:off x="7124700" y="1981200"/>
+            <a:ext cx="2932113" cy="576262"/>
+          </a:xfrm>
+        </p:spPr>
+        <p:txBody>
+          <a:bodyPr anchor="b">
+            <a:noAutofit/>
+          </a:bodyPr>
+          <a:lstStyle>
+            <a:lvl1pPr marL="0" indent="0">
+              <a:buNone/>
+              <a:defRPr sz="2400" b="0">
+                <a:solidFill>
+                  <a:schemeClr val="bg2">
+                    <a:lumMod val="40000"/>
+                    <a:lumOff val="60000"/>
+                  </a:schemeClr>
+                </a:solidFill>
+              </a:defRPr>
+            </a:lvl1pPr>
+            <a:lvl2pPr marL="457200" indent="0">
+              <a:buNone/>
+              <a:defRPr sz="2000" b="1"/>
+            </a:lvl2pPr>
+            <a:lvl3pPr marL="914400" indent="0">
+              <a:buNone/>
+              <a:defRPr sz="1800" b="1"/>
+            </a:lvl3pPr>
+            <a:lvl4pPr marL="1371600" indent="0">
+              <a:buNone/>
+              <a:defRPr sz="1600" b="1"/>
+            </a:lvl4pPr>
+            <a:lvl5pPr marL="1828800" indent="0">
+              <a:buNone/>
+              <a:defRPr sz="1600" b="1"/>
+            </a:lvl5pPr>
+            <a:lvl6pPr marL="2286000" indent="0">
+              <a:buNone/>
+              <a:defRPr sz="1600" b="1"/>
+            </a:lvl6pPr>
+            <a:lvl7pPr marL="2743200" indent="0">
+              <a:buNone/>
+              <a:defRPr sz="1600" b="1"/>
+            </a:lvl7pPr>
+            <a:lvl8pPr marL="3200400" indent="0">
+              <a:buNone/>
+              <a:defRPr sz="1600" b="1"/>
+            </a:lvl8pPr>
+            <a:lvl9pPr marL="3657600" indent="0">
+              <a:buNone/>
+              <a:defRPr sz="1600" b="1"/>
+            </a:lvl9pPr>
+          </a:lstStyle>
+          <a:p>
+            <a:pPr lvl="0"/>
+            <a:r>
+              <a:rPr lang="en-US" smtClean="0"/>
+              <a:t>Edit Master text styles</a:t>
+            </a:r>
+          </a:p>
+        </p:txBody>
+      </p:sp>
+      <p:sp>
+        <p:nvSpPr>
+          <p:cNvPr id="20" name="Text Placeholder 3"/>
+          <p:cNvSpPr>
+            <a:spLocks noGrp="1"/>
+          </p:cNvSpPr>
+          <p:nvPr>
+            <p:ph type="body" sz="half" idx="17"/>
+          </p:nvPr>
+        </p:nvSpPr>
+        <p:spPr>
+          <a:xfrm>
+            <a:off x="7124700" y="2667000"/>
+            <a:ext cx="2932113" cy="3589338"/>
+          </a:xfrm>
+        </p:spPr>
+        <p:txBody>
+          <a:bodyPr anchor="t">
+            <a:normAutofit/>
+          </a:bodyPr>
+          <a:lstStyle>
+            <a:lvl1pPr marL="0" indent="0">
+              <a:buNone/>
+              <a:defRPr sz="1400"/>
+            </a:lvl1pPr>
+            <a:lvl2pPr marL="457200" indent="0">
+              <a:buNone/>
+              <a:defRPr sz="1200"/>
+            </a:lvl2pPr>
+            <a:lvl3pPr marL="914400" indent="0">
+              <a:buNone/>
+              <a:defRPr sz="1000"/>
+            </a:lvl3pPr>
+            <a:lvl4pPr marL="1371600" indent="0">
+              <a:buNone/>
+              <a:defRPr sz="900"/>
+            </a:lvl4pPr>
+            <a:lvl5pPr marL="1828800" indent="0">
+              <a:buNone/>
+              <a:defRPr sz="900"/>
+            </a:lvl5pPr>
+            <a:lvl6pPr marL="2286000" indent="0">
+              <a:buNone/>
+              <a:defRPr sz="900"/>
+            </a:lvl6pPr>
+            <a:lvl7pPr marL="2743200" indent="0">
+              <a:buNone/>
+              <a:defRPr sz="900"/>
+            </a:lvl7pPr>
+            <a:lvl8pPr marL="3200400" indent="0">
+              <a:buNone/>
+              <a:defRPr sz="900"/>
+            </a:lvl8pPr>
+            <a:lvl9pPr marL="3657600" indent="0">
+              <a:buNone/>
+              <a:defRPr sz="900"/>
+            </a:lvl9pPr>
+          </a:lstStyle>
+          <a:p>
+            <a:pPr lvl="0"/>
+            <a:r>
+              <a:rPr lang="en-US" smtClean="0"/>
+              <a:t>Edit Master text styles</a:t>
+            </a:r>
+          </a:p>
+        </p:txBody>
+      </p:sp>
+      <p:cxnSp>
+        <p:nvCxnSpPr>
+          <p:cNvPr id="17" name="Straight Connector 16"/>
+          <p:cNvCxnSpPr/>
+          <p:nvPr/>
+        </p:nvCxnSpPr>
+        <p:spPr>
+          <a:xfrm>
+            <a:off x="3726142" y="2133600"/>
+            <a:ext cx="0" cy="3962400"/>
+          </a:xfrm>
+          <a:prstGeom prst="line">
+            <a:avLst/>
+          </a:prstGeom>
+          <a:ln w="12700" cmpd="sng">
+            <a:solidFill>
+              <a:schemeClr val="bg2">
+                <a:lumMod val="40000"/>
+                <a:lumOff val="60000"/>
+                <a:alpha val="40000"/>
+              </a:schemeClr>
+            </a:solidFill>
+          </a:ln>
+        </p:spPr>
+        <p:style>
+          <a:lnRef idx="2">
+            <a:schemeClr val="accent1"/>
+          </a:lnRef>
+          <a:fillRef idx="0">
+            <a:schemeClr val="accent1"/>
+          </a:fillRef>
+          <a:effectRef idx="1">
+            <a:schemeClr val="accent1"/>
+          </a:effectRef>
+          <a:fontRef idx="minor">
+            <a:schemeClr val="tx1"/>
+          </a:fontRef>
+        </p:style>
+      </p:cxnSp>
+      <p:cxnSp>
+        <p:nvCxnSpPr>
+          <p:cNvPr id="18" name="Straight Connector 17"/>
+          <p:cNvCxnSpPr/>
+          <p:nvPr/>
+        </p:nvCxnSpPr>
+        <p:spPr>
+          <a:xfrm>
+            <a:off x="6962227" y="2133600"/>
+            <a:ext cx="0" cy="3966882"/>
+          </a:xfrm>
+          <a:prstGeom prst="line">
+            <a:avLst/>
+          </a:prstGeom>
+          <a:ln w="12700" cmpd="sng">
+            <a:solidFill>
+              <a:schemeClr val="bg2">
+                <a:lumMod val="40000"/>
+                <a:lumOff val="60000"/>
+                <a:alpha val="40000"/>
+              </a:schemeClr>
+            </a:solidFill>
+          </a:ln>
+        </p:spPr>
+        <p:style>
+          <a:lnRef idx="2">
+            <a:schemeClr val="accent1"/>
+          </a:lnRef>
+          <a:fillRef idx="0">
+            <a:schemeClr val="accent1"/>
+          </a:fillRef>
+          <a:effectRef idx="1">
+            <a:schemeClr val="accent1"/>
+          </a:effectRef>
+          <a:fontRef idx="minor">
+            <a:schemeClr val="tx1"/>
+          </a:fontRef>
+        </p:style>
+      </p:cxnSp>
+      <p:sp>
+        <p:nvSpPr>
+          <p:cNvPr id="7" name="Date Placeholder 3"/>
+          <p:cNvSpPr>
+            <a:spLocks noGrp="1"/>
+          </p:cNvSpPr>
+          <p:nvPr>
+            <p:ph type="dt" sz="half" idx="10"/>
+          </p:nvPr>
+        </p:nvSpPr>
+        <p:spPr/>
+        <p:txBody>
+          <a:bodyPr/>
+          <a:lstStyle/>
+          <a:p>
+            <a:fld id="{1ADDA17D-0BEA-4E76-A7FC-F7C188BC48D1}" type="datetimeFigureOut">
+              <a:rPr lang="en-US" smtClean="0"/>
+              <a:t>10/6/2025</a:t>
+            </a:fld>
+            <a:endParaRPr lang="en-US" dirty="0"/>
+          </a:p>
+        </p:txBody>
+      </p:sp>
+      <p:sp>
+        <p:nvSpPr>
+          <p:cNvPr id="4" name="Footer Placeholder 4"/>
+          <p:cNvSpPr>
+            <a:spLocks noGrp="1"/>
+          </p:cNvSpPr>
+          <p:nvPr>
+            <p:ph type="ftr" sz="quarter" idx="11"/>
+          </p:nvPr>
+        </p:nvSpPr>
+        <p:spPr/>
+        <p:txBody>
+          <a:bodyPr/>
+          <a:lstStyle/>
+          <a:p>
+            <a:endParaRPr lang="en-US" dirty="0"/>
+          </a:p>
+        </p:txBody>
+      </p:sp>
+      <p:sp>
+        <p:nvSpPr>
+          <p:cNvPr id="6" name="Slide Number Placeholder 5"/>
+          <p:cNvSpPr>
+            <a:spLocks noGrp="1"/>
+          </p:cNvSpPr>
+          <p:nvPr>
+            <p:ph type="sldNum" sz="quarter" idx="12"/>
+          </p:nvPr>
+        </p:nvSpPr>
+        <p:spPr/>
+        <p:txBody>
+          <a:bodyPr/>
+          <a:lstStyle/>
+          <a:p>
+            <a:fld id="{D57F1E4F-1CFF-5643-939E-217C01CDF565}" type="slidenum">
+              <a:rPr lang="en-US" smtClean="0"/>
+              <a:pPr/>
+              <a:t>‹#›</a:t>
+            </a:fld>
+            <a:endParaRPr lang="en-US" dirty="0"/>
+          </a:p>
+        </p:txBody>
+      </p:sp>
+    </p:spTree>
+    <p:extLst>
+      <p:ext uri="{BB962C8B-B14F-4D97-AF65-F5344CB8AC3E}">
+        <p14:creationId xmlns:p14="http://schemas.microsoft.com/office/powerpoint/2010/main" val="4135921108"/>
+      </p:ext>
+    </p:extLst>
+  </p:cSld>
+  <p:clrMapOvr>
+    <a:masterClrMapping/>
+  </p:clrMapOvr>
+</p:sldLayout>
+</file>
+
+<file path=ppt/slideLayouts/slideLayout15.xml><?xml version="1.0" encoding="utf-8"?>
+<p:sldLayout xmlns:a="http://schemas.openxmlformats.org/drawingml/2006/main" xmlns:r="http://schemas.openxmlformats.org/officeDocument/2006/relationships" xmlns:p="http://schemas.openxmlformats.org/presentationml/2006/main" preserve="1">
+  <p:cSld name="3 Picture Column">
+    <p:spTree>
+      <p:nvGrpSpPr>
+        <p:cNvPr id="1" name=""/>
+        <p:cNvGrpSpPr/>
+        <p:nvPr/>
+      </p:nvGrpSpPr>
+      <p:grpSpPr>
+        <a:xfrm>
+          <a:off x="0" y="0"/>
+          <a:ext cx="0" cy="0"/>
+          <a:chOff x="0" y="0"/>
+          <a:chExt cx="0" cy="0"/>
+        </a:xfrm>
+      </p:grpSpPr>
+      <p:sp>
+        <p:nvSpPr>
+          <p:cNvPr id="2" name="Title 1"/>
+          <p:cNvSpPr>
+            <a:spLocks noGrp="1"/>
+          </p:cNvSpPr>
+          <p:nvPr>
+            <p:ph type="title"/>
+          </p:nvPr>
+        </p:nvSpPr>
+        <p:spPr/>
+        <p:txBody>
+          <a:bodyPr/>
+          <a:lstStyle>
+            <a:lvl1pPr>
+              <a:defRPr sz="4200"/>
+            </a:lvl1pPr>
+          </a:lstStyle>
+          <a:p>
+            <a:r>
+              <a:rPr lang="en-US" smtClean="0"/>
+              <a:t>Click to edit Master title style</a:t>
+            </a:r>
+            <a:endParaRPr lang="en-US" dirty="0"/>
+          </a:p>
+        </p:txBody>
+      </p:sp>
+      <p:sp>
+        <p:nvSpPr>
+          <p:cNvPr id="3" name="Text Placeholder 2"/>
+          <p:cNvSpPr>
+            <a:spLocks noGrp="1"/>
+          </p:cNvSpPr>
+          <p:nvPr>
+            <p:ph type="body" idx="1"/>
+          </p:nvPr>
+        </p:nvSpPr>
+        <p:spPr>
+          <a:xfrm>
+            <a:off x="652463" y="4250949"/>
+            <a:ext cx="2940050" cy="576262"/>
+          </a:xfrm>
+        </p:spPr>
+        <p:txBody>
+          <a:bodyPr anchor="b">
+            <a:noAutofit/>
+          </a:bodyPr>
+          <a:lstStyle>
+            <a:lvl1pPr marL="0" indent="0">
+              <a:buNone/>
+              <a:defRPr sz="2400" b="0">
+                <a:solidFill>
+                  <a:schemeClr val="bg2">
+                    <a:lumMod val="40000"/>
+                    <a:lumOff val="60000"/>
+                  </a:schemeClr>
+                </a:solidFill>
+              </a:defRPr>
+            </a:lvl1pPr>
+            <a:lvl2pPr marL="457200" indent="0">
+              <a:buNone/>
+              <a:defRPr sz="2000" b="1"/>
+            </a:lvl2pPr>
+            <a:lvl3pPr marL="914400" indent="0">
+              <a:buNone/>
+              <a:defRPr sz="1800" b="1"/>
+            </a:lvl3pPr>
+            <a:lvl4pPr marL="1371600" indent="0">
+              <a:buNone/>
+              <a:defRPr sz="1600" b="1"/>
+            </a:lvl4pPr>
+            <a:lvl5pPr marL="1828800" indent="0">
+              <a:buNone/>
+              <a:defRPr sz="1600" b="1"/>
+            </a:lvl5pPr>
+            <a:lvl6pPr marL="2286000" indent="0">
+              <a:buNone/>
+              <a:defRPr sz="1600" b="1"/>
+            </a:lvl6pPr>
+            <a:lvl7pPr marL="2743200" indent="0">
+              <a:buNone/>
+              <a:defRPr sz="1600" b="1"/>
+            </a:lvl7pPr>
+            <a:lvl8pPr marL="3200400" indent="0">
+              <a:buNone/>
+              <a:defRPr sz="1600" b="1"/>
+            </a:lvl8pPr>
+            <a:lvl9pPr marL="3657600" indent="0">
+              <a:buNone/>
+              <a:defRPr sz="1600" b="1"/>
+            </a:lvl9pPr>
+          </a:lstStyle>
+          <a:p>
+            <a:pPr lvl="0"/>
+            <a:r>
+              <a:rPr lang="en-US" smtClean="0"/>
+              <a:t>Edit Master text styles</a:t>
+            </a:r>
+          </a:p>
+        </p:txBody>
+      </p:sp>
+      <p:sp>
+        <p:nvSpPr>
+          <p:cNvPr id="29" name="Picture Placeholder 2"/>
+          <p:cNvSpPr>
+            <a:spLocks noGrp="1" noChangeAspect="1"/>
+          </p:cNvSpPr>
+          <p:nvPr>
+            <p:ph type="pic" idx="15"/>
+          </p:nvPr>
+        </p:nvSpPr>
+        <p:spPr>
+          <a:xfrm>
+            <a:off x="652463" y="2209800"/>
+            <a:ext cx="2940050" cy="1524000"/>
+          </a:xfrm>
+          <a:prstGeom prst="roundRect">
+            <a:avLst>
+              <a:gd name="adj" fmla="val 1858"/>
+            </a:avLst>
+          </a:prstGeom>
+          <a:effectLst>
+            <a:outerShdw blurRad="50800" dist="50800" dir="5400000" algn="tl" rotWithShape="0">
+              <a:srgbClr val="000000">
+                <a:alpha val="43000"/>
+              </a:srgbClr>
+            </a:outerShdw>
+          </a:effectLst>
+        </p:spPr>
+        <p:txBody>
+          <a:bodyPr anchor="t">
+            <a:normAutofit/>
+          </a:bodyPr>
+          <a:lstStyle>
+            <a:lvl1pPr marL="0" indent="0" algn="ctr">
+              <a:buNone/>
+              <a:defRPr sz="1600"/>
+            </a:lvl1pPr>
+            <a:lvl2pPr marL="457200" indent="0">
+              <a:buNone/>
+              <a:defRPr sz="1600"/>
+            </a:lvl2pPr>
+            <a:lvl3pPr marL="914400" indent="0">
+              <a:buNone/>
+              <a:defRPr sz="1600"/>
+            </a:lvl3pPr>
+            <a:lvl4pPr marL="1371600" indent="0">
+              <a:buNone/>
+              <a:defRPr sz="1600"/>
+            </a:lvl4pPr>
+            <a:lvl5pPr marL="1828800" indent="0">
+              <a:buNone/>
+              <a:defRPr sz="1600"/>
+            </a:lvl5pPr>
+            <a:lvl6pPr marL="2286000" indent="0">
+              <a:buNone/>
+              <a:defRPr sz="1600"/>
+            </a:lvl6pPr>
+            <a:lvl7pPr marL="2743200" indent="0">
+              <a:buNone/>
+              <a:defRPr sz="1600"/>
+            </a:lvl7pPr>
+            <a:lvl8pPr marL="3200400" indent="0">
+              <a:buNone/>
+              <a:defRPr sz="1600"/>
+            </a:lvl8pPr>
+            <a:lvl9pPr marL="3657600" indent="0">
+              <a:buNone/>
+              <a:defRPr sz="1600"/>
+            </a:lvl9pPr>
+          </a:lstStyle>
+          <a:p>
+            <a:r>
+              <a:rPr lang="en-US" smtClean="0"/>
+              <a:t>Click icon to add picture</a:t>
+            </a:r>
+            <a:endParaRPr lang="en-US" dirty="0"/>
+          </a:p>
+        </p:txBody>
+      </p:sp>
+      <p:sp>
+        <p:nvSpPr>
+          <p:cNvPr id="22" name="Text Placeholder 3"/>
+          <p:cNvSpPr>
+            <a:spLocks noGrp="1"/>
+          </p:cNvSpPr>
+          <p:nvPr>
+            <p:ph type="body" sz="half" idx="18"/>
+          </p:nvPr>
+        </p:nvSpPr>
+        <p:spPr>
+          <a:xfrm>
+            <a:off x="652463" y="4827211"/>
+            <a:ext cx="2940050" cy="659189"/>
+          </a:xfrm>
+        </p:spPr>
+        <p:txBody>
+          <a:bodyPr anchor="t">
+            <a:normAutofit/>
+          </a:bodyPr>
+          <a:lstStyle>
+            <a:lvl1pPr marL="0" indent="0">
+              <a:buNone/>
+              <a:defRPr sz="1400"/>
+            </a:lvl1pPr>
+            <a:lvl2pPr marL="457200" indent="0">
+              <a:buNone/>
+              <a:defRPr sz="1200"/>
+            </a:lvl2pPr>
+            <a:lvl3pPr marL="914400" indent="0">
+              <a:buNone/>
+              <a:defRPr sz="1000"/>
+            </a:lvl3pPr>
+            <a:lvl4pPr marL="1371600" indent="0">
+              <a:buNone/>
+              <a:defRPr sz="900"/>
+            </a:lvl4pPr>
+            <a:lvl5pPr marL="1828800" indent="0">
+              <a:buNone/>
+              <a:defRPr sz="900"/>
+            </a:lvl5pPr>
+            <a:lvl6pPr marL="2286000" indent="0">
+              <a:buNone/>
+              <a:defRPr sz="900"/>
+            </a:lvl6pPr>
+            <a:lvl7pPr marL="2743200" indent="0">
+              <a:buNone/>
+              <a:defRPr sz="900"/>
+            </a:lvl7pPr>
+            <a:lvl8pPr marL="3200400" indent="0">
+              <a:buNone/>
+              <a:defRPr sz="900"/>
+            </a:lvl8pPr>
+            <a:lvl9pPr marL="3657600" indent="0">
+              <a:buNone/>
+              <a:defRPr sz="900"/>
+            </a:lvl9pPr>
+          </a:lstStyle>
+          <a:p>
+            <a:pPr lvl="0"/>
+            <a:r>
+              <a:rPr lang="en-US" smtClean="0"/>
+              <a:t>Edit Master text styles</a:t>
+            </a:r>
+          </a:p>
+        </p:txBody>
+      </p:sp>
+      <p:sp>
+        <p:nvSpPr>
+          <p:cNvPr id="5" name="Text Placeholder 4"/>
+          <p:cNvSpPr>
+            <a:spLocks noGrp="1"/>
+          </p:cNvSpPr>
+          <p:nvPr>
+            <p:ph type="body" sz="quarter" idx="3"/>
+          </p:nvPr>
+        </p:nvSpPr>
+        <p:spPr>
+          <a:xfrm>
+            <a:off x="3889375" y="4250949"/>
+            <a:ext cx="2930525" cy="576262"/>
+          </a:xfrm>
+        </p:spPr>
+        <p:txBody>
+          <a:bodyPr anchor="b">
+            <a:noAutofit/>
+          </a:bodyPr>
+          <a:lstStyle>
+            <a:lvl1pPr marL="0" indent="0">
+              <a:buNone/>
+              <a:defRPr sz="2400" b="0">
+                <a:solidFill>
+                  <a:schemeClr val="bg2">
+                    <a:lumMod val="40000"/>
+                    <a:lumOff val="60000"/>
+                  </a:schemeClr>
+                </a:solidFill>
+              </a:defRPr>
+            </a:lvl1pPr>
+            <a:lvl2pPr marL="457200" indent="0">
+              <a:buNone/>
+              <a:defRPr sz="2000" b="1"/>
+            </a:lvl2pPr>
+            <a:lvl3pPr marL="914400" indent="0">
+              <a:buNone/>
+              <a:defRPr sz="1800" b="1"/>
+            </a:lvl3pPr>
+            <a:lvl4pPr marL="1371600" indent="0">
+              <a:buNone/>
+              <a:defRPr sz="1600" b="1"/>
+            </a:lvl4pPr>
+            <a:lvl5pPr marL="1828800" indent="0">
+              <a:buNone/>
+              <a:defRPr sz="1600" b="1"/>
+            </a:lvl5pPr>
+            <a:lvl6pPr marL="2286000" indent="0">
+              <a:buNone/>
+              <a:defRPr sz="1600" b="1"/>
+            </a:lvl6pPr>
+            <a:lvl7pPr marL="2743200" indent="0">
+              <a:buNone/>
+              <a:defRPr sz="1600" b="1"/>
+            </a:lvl7pPr>
+            <a:lvl8pPr marL="3200400" indent="0">
+              <a:buNone/>
+              <a:defRPr sz="1600" b="1"/>
+            </a:lvl8pPr>
+            <a:lvl9pPr marL="3657600" indent="0">
+              <a:buNone/>
+              <a:defRPr sz="1600" b="1"/>
+            </a:lvl9pPr>
+          </a:lstStyle>
+          <a:p>
+            <a:pPr lvl="0"/>
+            <a:r>
+              <a:rPr lang="en-US" smtClean="0"/>
+              <a:t>Edit Master text styles</a:t>
+            </a:r>
+          </a:p>
+        </p:txBody>
+      </p:sp>
+      <p:sp>
+        <p:nvSpPr>
+          <p:cNvPr id="30" name="Picture Placeholder 2"/>
+          <p:cNvSpPr>
+            <a:spLocks noGrp="1" noChangeAspect="1"/>
+          </p:cNvSpPr>
+          <p:nvPr>
+            <p:ph type="pic" idx="21"/>
+          </p:nvPr>
+        </p:nvSpPr>
+        <p:spPr>
+          <a:xfrm>
+            <a:off x="3889374" y="2209800"/>
+            <a:ext cx="2930525" cy="1524000"/>
+          </a:xfrm>
+          <a:prstGeom prst="roundRect">
+            <a:avLst>
+              <a:gd name="adj" fmla="val 1858"/>
+            </a:avLst>
+          </a:prstGeom>
+          <a:effectLst>
+            <a:outerShdw blurRad="50800" dist="50800" dir="5400000" algn="tl" rotWithShape="0">
+              <a:srgbClr val="000000">
+                <a:alpha val="43000"/>
+              </a:srgbClr>
+            </a:outerShdw>
+          </a:effectLst>
+        </p:spPr>
+        <p:txBody>
+          <a:bodyPr anchor="t">
+            <a:normAutofit/>
+          </a:bodyPr>
+          <a:lstStyle>
+            <a:lvl1pPr marL="0" indent="0" algn="ctr">
+              <a:buNone/>
+              <a:defRPr sz="1600"/>
+            </a:lvl1pPr>
+            <a:lvl2pPr marL="457200" indent="0">
+              <a:buNone/>
+              <a:defRPr sz="1600"/>
+            </a:lvl2pPr>
+            <a:lvl3pPr marL="914400" indent="0">
+              <a:buNone/>
+              <a:defRPr sz="1600"/>
+            </a:lvl3pPr>
+            <a:lvl4pPr marL="1371600" indent="0">
+              <a:buNone/>
+              <a:defRPr sz="1600"/>
+            </a:lvl4pPr>
+            <a:lvl5pPr marL="1828800" indent="0">
+              <a:buNone/>
+              <a:defRPr sz="1600"/>
+            </a:lvl5pPr>
+            <a:lvl6pPr marL="2286000" indent="0">
+              <a:buNone/>
+              <a:defRPr sz="1600"/>
+            </a:lvl6pPr>
+            <a:lvl7pPr marL="2743200" indent="0">
+              <a:buNone/>
+              <a:defRPr sz="1600"/>
+            </a:lvl7pPr>
+            <a:lvl8pPr marL="3200400" indent="0">
+              <a:buNone/>
+              <a:defRPr sz="1600"/>
+            </a:lvl8pPr>
+            <a:lvl9pPr marL="3657600" indent="0">
+              <a:buNone/>
+              <a:defRPr sz="1600"/>
+            </a:lvl9pPr>
+          </a:lstStyle>
+          <a:p>
+            <a:r>
+              <a:rPr lang="en-US" smtClean="0"/>
+              <a:t>Click icon to add picture</a:t>
+            </a:r>
+            <a:endParaRPr lang="en-US" dirty="0"/>
+          </a:p>
+        </p:txBody>
+      </p:sp>
+      <p:sp>
+        <p:nvSpPr>
+          <p:cNvPr id="23" name="Text Placeholder 3"/>
+          <p:cNvSpPr>
+            <a:spLocks noGrp="1"/>
+          </p:cNvSpPr>
+          <p:nvPr>
+            <p:ph type="body" sz="half" idx="19"/>
+          </p:nvPr>
+        </p:nvSpPr>
+        <p:spPr>
+          <a:xfrm>
+            <a:off x="3888022" y="4827210"/>
+            <a:ext cx="2934406" cy="659189"/>
+          </a:xfrm>
+        </p:spPr>
+        <p:txBody>
+          <a:bodyPr anchor="t">
+            <a:normAutofit/>
+          </a:bodyPr>
+          <a:lstStyle>
+            <a:lvl1pPr marL="0" indent="0">
+              <a:buNone/>
+              <a:defRPr sz="1400"/>
+            </a:lvl1pPr>
+            <a:lvl2pPr marL="457200" indent="0">
+              <a:buNone/>
+              <a:defRPr sz="1200"/>
+            </a:lvl2pPr>
+            <a:lvl3pPr marL="914400" indent="0">
+              <a:buNone/>
+              <a:defRPr sz="1000"/>
+            </a:lvl3pPr>
+            <a:lvl4pPr marL="1371600" indent="0">
+              <a:buNone/>
+              <a:defRPr sz="900"/>
+            </a:lvl4pPr>
+            <a:lvl5pPr marL="1828800" indent="0">
+              <a:buNone/>
+              <a:defRPr sz="900"/>
+            </a:lvl5pPr>
+            <a:lvl6pPr marL="2286000" indent="0">
+              <a:buNone/>
+              <a:defRPr sz="900"/>
+            </a:lvl6pPr>
+            <a:lvl7pPr marL="2743200" indent="0">
+              <a:buNone/>
+              <a:defRPr sz="900"/>
+            </a:lvl7pPr>
+            <a:lvl8pPr marL="3200400" indent="0">
+              <a:buNone/>
+              <a:defRPr sz="900"/>
+            </a:lvl8pPr>
+            <a:lvl9pPr marL="3657600" indent="0">
+              <a:buNone/>
+              <a:defRPr sz="900"/>
+            </a:lvl9pPr>
+          </a:lstStyle>
+          <a:p>
+            <a:pPr lvl="0"/>
+            <a:r>
+              <a:rPr lang="en-US" smtClean="0"/>
+              <a:t>Edit Master text styles</a:t>
+            </a:r>
+          </a:p>
+        </p:txBody>
+      </p:sp>
+      <p:sp>
+        <p:nvSpPr>
+          <p:cNvPr id="14" name="Text Placeholder 4"/>
+          <p:cNvSpPr>
+            <a:spLocks noGrp="1"/>
+          </p:cNvSpPr>
+          <p:nvPr>
+            <p:ph type="body" sz="quarter" idx="13"/>
+          </p:nvPr>
+        </p:nvSpPr>
+        <p:spPr>
+          <a:xfrm>
+            <a:off x="7124700" y="4250949"/>
+            <a:ext cx="2932113" cy="576262"/>
+          </a:xfrm>
+        </p:spPr>
+        <p:txBody>
+          <a:bodyPr anchor="b">
+            <a:noAutofit/>
+          </a:bodyPr>
+          <a:lstStyle>
+            <a:lvl1pPr marL="0" indent="0">
+              <a:buNone/>
+              <a:defRPr sz="2400" b="0">
+                <a:solidFill>
+                  <a:schemeClr val="bg2">
+                    <a:lumMod val="40000"/>
+                    <a:lumOff val="60000"/>
+                  </a:schemeClr>
+                </a:solidFill>
+              </a:defRPr>
+            </a:lvl1pPr>
+            <a:lvl2pPr marL="457200" indent="0">
+              <a:buNone/>
+              <a:defRPr sz="2000" b="1"/>
+            </a:lvl2pPr>
+            <a:lvl3pPr marL="914400" indent="0">
+              <a:buNone/>
+              <a:defRPr sz="1800" b="1"/>
+            </a:lvl3pPr>
+            <a:lvl4pPr marL="1371600" indent="0">
+              <a:buNone/>
+              <a:defRPr sz="1600" b="1"/>
+            </a:lvl4pPr>
+            <a:lvl5pPr marL="1828800" indent="0">
+              <a:buNone/>
+              <a:defRPr sz="1600" b="1"/>
+            </a:lvl5pPr>
+            <a:lvl6pPr marL="2286000" indent="0">
+              <a:buNone/>
+              <a:defRPr sz="1600" b="1"/>
+            </a:lvl6pPr>
+            <a:lvl7pPr marL="2743200" indent="0">
+              <a:buNone/>
+              <a:defRPr sz="1600" b="1"/>
+            </a:lvl7pPr>
+            <a:lvl8pPr marL="3200400" indent="0">
+              <a:buNone/>
+              <a:defRPr sz="1600" b="1"/>
+            </a:lvl8pPr>
+            <a:lvl9pPr marL="3657600" indent="0">
+              <a:buNone/>
+              <a:defRPr sz="1600" b="1"/>
+            </a:lvl9pPr>
+          </a:lstStyle>
+          <a:p>
+            <a:pPr lvl="0"/>
+            <a:r>
+              <a:rPr lang="en-US" smtClean="0"/>
+              <a:t>Edit Master text styles</a:t>
+            </a:r>
+          </a:p>
+        </p:txBody>
+      </p:sp>
+      <p:sp>
+        <p:nvSpPr>
+          <p:cNvPr id="31" name="Picture Placeholder 2"/>
+          <p:cNvSpPr>
+            <a:spLocks noGrp="1" noChangeAspect="1"/>
+          </p:cNvSpPr>
+          <p:nvPr>
+            <p:ph type="pic" idx="22"/>
+          </p:nvPr>
+        </p:nvSpPr>
+        <p:spPr>
+          <a:xfrm>
+            <a:off x="7124699" y="2209800"/>
+            <a:ext cx="2932113" cy="1524000"/>
+          </a:xfrm>
+          <a:prstGeom prst="roundRect">
+            <a:avLst>
+              <a:gd name="adj" fmla="val 1858"/>
+            </a:avLst>
+          </a:prstGeom>
+          <a:effectLst>
+            <a:outerShdw blurRad="50800" dist="50800" dir="5400000" algn="tl" rotWithShape="0">
+              <a:srgbClr val="000000">
+                <a:alpha val="43000"/>
+              </a:srgbClr>
+            </a:outerShdw>
+          </a:effectLst>
+        </p:spPr>
+        <p:txBody>
+          <a:bodyPr anchor="t">
+            <a:normAutofit/>
+          </a:bodyPr>
+          <a:lstStyle>
+            <a:lvl1pPr marL="0" indent="0" algn="ctr">
+              <a:buNone/>
+              <a:defRPr sz="1600"/>
+            </a:lvl1pPr>
+            <a:lvl2pPr marL="457200" indent="0">
+              <a:buNone/>
+              <a:defRPr sz="1600"/>
+            </a:lvl2pPr>
+            <a:lvl3pPr marL="914400" indent="0">
+              <a:buNone/>
+              <a:defRPr sz="1600"/>
+            </a:lvl3pPr>
+            <a:lvl4pPr marL="1371600" indent="0">
+              <a:buNone/>
+              <a:defRPr sz="1600"/>
+            </a:lvl4pPr>
+            <a:lvl5pPr marL="1828800" indent="0">
+              <a:buNone/>
+              <a:defRPr sz="1600"/>
+            </a:lvl5pPr>
+            <a:lvl6pPr marL="2286000" indent="0">
+              <a:buNone/>
+              <a:defRPr sz="1600"/>
+            </a:lvl6pPr>
+            <a:lvl7pPr marL="2743200" indent="0">
+              <a:buNone/>
+              <a:defRPr sz="1600"/>
+            </a:lvl7pPr>
+            <a:lvl8pPr marL="3200400" indent="0">
+              <a:buNone/>
+              <a:defRPr sz="1600"/>
+            </a:lvl8pPr>
+            <a:lvl9pPr marL="3657600" indent="0">
+              <a:buNone/>
+              <a:defRPr sz="1600"/>
+            </a:lvl9pPr>
+          </a:lstStyle>
+          <a:p>
+            <a:r>
+              <a:rPr lang="en-US" smtClean="0"/>
+              <a:t>Click icon to add picture</a:t>
+            </a:r>
+            <a:endParaRPr lang="en-US" dirty="0"/>
+          </a:p>
+        </p:txBody>
+      </p:sp>
+      <p:sp>
+        <p:nvSpPr>
+          <p:cNvPr id="24" name="Text Placeholder 3"/>
+          <p:cNvSpPr>
+            <a:spLocks noGrp="1"/>
+          </p:cNvSpPr>
+          <p:nvPr>
+            <p:ph type="body" sz="half" idx="20"/>
+          </p:nvPr>
+        </p:nvSpPr>
+        <p:spPr>
+          <a:xfrm>
+            <a:off x="7124575" y="4827208"/>
+            <a:ext cx="2935997" cy="659189"/>
+          </a:xfrm>
+        </p:spPr>
+        <p:txBody>
+          <a:bodyPr anchor="t">
+            <a:normAutofit/>
+          </a:bodyPr>
+          <a:lstStyle>
+            <a:lvl1pPr marL="0" indent="0">
+              <a:buNone/>
+              <a:defRPr sz="1400"/>
+            </a:lvl1pPr>
+            <a:lvl2pPr marL="457200" indent="0">
+              <a:buNone/>
+              <a:defRPr sz="1200"/>
+            </a:lvl2pPr>
+            <a:lvl3pPr marL="914400" indent="0">
+              <a:buNone/>
+              <a:defRPr sz="1000"/>
+            </a:lvl3pPr>
+            <a:lvl4pPr marL="1371600" indent="0">
+              <a:buNone/>
+              <a:defRPr sz="900"/>
+            </a:lvl4pPr>
+            <a:lvl5pPr marL="1828800" indent="0">
+              <a:buNone/>
+              <a:defRPr sz="900"/>
+            </a:lvl5pPr>
+            <a:lvl6pPr marL="2286000" indent="0">
+              <a:buNone/>
+              <a:defRPr sz="900"/>
+            </a:lvl6pPr>
+            <a:lvl7pPr marL="2743200" indent="0">
+              <a:buNone/>
+              <a:defRPr sz="900"/>
+            </a:lvl7pPr>
+            <a:lvl8pPr marL="3200400" indent="0">
+              <a:buNone/>
+              <a:defRPr sz="900"/>
+            </a:lvl8pPr>
+            <a:lvl9pPr marL="3657600" indent="0">
+              <a:buNone/>
+              <a:defRPr sz="900"/>
+            </a:lvl9pPr>
+          </a:lstStyle>
+          <a:p>
+            <a:pPr lvl="0"/>
+            <a:r>
+              <a:rPr lang="en-US" smtClean="0"/>
+              <a:t>Edit Master text styles</a:t>
+            </a:r>
+          </a:p>
+        </p:txBody>
+      </p:sp>
+      <p:cxnSp>
+        <p:nvCxnSpPr>
+          <p:cNvPr id="19" name="Straight Connector 18"/>
+          <p:cNvCxnSpPr/>
+          <p:nvPr/>
+        </p:nvCxnSpPr>
+        <p:spPr>
+          <a:xfrm>
+            <a:off x="3726142" y="2133600"/>
+            <a:ext cx="0" cy="3962400"/>
+          </a:xfrm>
+          <a:prstGeom prst="line">
+            <a:avLst/>
+          </a:prstGeom>
+          <a:ln w="12700" cmpd="sng">
+            <a:solidFill>
+              <a:schemeClr val="bg2">
+                <a:lumMod val="40000"/>
+                <a:lumOff val="60000"/>
+                <a:alpha val="40000"/>
+              </a:schemeClr>
+            </a:solidFill>
+          </a:ln>
+        </p:spPr>
+        <p:style>
+          <a:lnRef idx="2">
+            <a:schemeClr val="accent1"/>
+          </a:lnRef>
+          <a:fillRef idx="0">
+            <a:schemeClr val="accent1"/>
+          </a:fillRef>
+          <a:effectRef idx="1">
+            <a:schemeClr val="accent1"/>
+          </a:effectRef>
+          <a:fontRef idx="minor">
+            <a:schemeClr val="tx1"/>
+          </a:fontRef>
+        </p:style>
+      </p:cxnSp>
+      <p:cxnSp>
+        <p:nvCxnSpPr>
+          <p:cNvPr id="20" name="Straight Connector 19"/>
+          <p:cNvCxnSpPr/>
+          <p:nvPr/>
+        </p:nvCxnSpPr>
+        <p:spPr>
+          <a:xfrm>
+            <a:off x="6962227" y="2133600"/>
+            <a:ext cx="0" cy="3966882"/>
+          </a:xfrm>
+          <a:prstGeom prst="line">
+            <a:avLst/>
+          </a:prstGeom>
+          <a:ln w="12700" cmpd="sng">
+            <a:solidFill>
+              <a:schemeClr val="bg2">
+                <a:lumMod val="40000"/>
+                <a:lumOff val="60000"/>
+                <a:alpha val="40000"/>
+              </a:schemeClr>
+            </a:solidFill>
+          </a:ln>
+        </p:spPr>
+        <p:style>
+          <a:lnRef idx="2">
+            <a:schemeClr val="accent1"/>
+          </a:lnRef>
+          <a:fillRef idx="0">
+            <a:schemeClr val="accent1"/>
+          </a:fillRef>
+          <a:effectRef idx="1">
+            <a:schemeClr val="accent1"/>
+          </a:effectRef>
+          <a:fontRef idx="minor">
+            <a:schemeClr val="tx1"/>
+          </a:fontRef>
+        </p:style>
+      </p:cxnSp>
+      <p:sp>
+        <p:nvSpPr>
+          <p:cNvPr id="7" name="Date Placeholder 3"/>
+          <p:cNvSpPr>
+            <a:spLocks noGrp="1"/>
+          </p:cNvSpPr>
+          <p:nvPr>
+            <p:ph type="dt" sz="half" idx="10"/>
+          </p:nvPr>
+        </p:nvSpPr>
+        <p:spPr/>
+        <p:txBody>
+          <a:bodyPr/>
+          <a:lstStyle/>
+          <a:p>
+            <a:fld id="{6909AC7D-18CA-4236-82B9-D75EB1D66EAE}" type="datetimeFigureOut">
+              <a:rPr lang="en-US" smtClean="0"/>
+              <a:t>10/6/2025</a:t>
+            </a:fld>
+            <a:endParaRPr lang="en-US" dirty="0"/>
+          </a:p>
+        </p:txBody>
+      </p:sp>
+      <p:sp>
+        <p:nvSpPr>
+          <p:cNvPr id="4" name="Footer Placeholder 4"/>
+          <p:cNvSpPr>
+            <a:spLocks noGrp="1"/>
+          </p:cNvSpPr>
+          <p:nvPr>
+            <p:ph type="ftr" sz="quarter" idx="11"/>
+          </p:nvPr>
+        </p:nvSpPr>
+        <p:spPr/>
+        <p:txBody>
+          <a:bodyPr/>
+          <a:lstStyle/>
+          <a:p>
+            <a:endParaRPr lang="en-US" dirty="0"/>
+          </a:p>
+        </p:txBody>
+      </p:sp>
+      <p:sp>
+        <p:nvSpPr>
+          <p:cNvPr id="6" name="Slide Number Placeholder 5"/>
+          <p:cNvSpPr>
+            <a:spLocks noGrp="1"/>
+          </p:cNvSpPr>
+          <p:nvPr>
+            <p:ph type="sldNum" sz="quarter" idx="12"/>
+          </p:nvPr>
+        </p:nvSpPr>
+        <p:spPr/>
+        <p:txBody>
+          <a:bodyPr/>
+          <a:lstStyle/>
+          <a:p>
+            <a:fld id="{D57F1E4F-1CFF-5643-939E-217C01CDF565}" type="slidenum">
+              <a:rPr lang="en-US" smtClean="0"/>
+              <a:pPr/>
+              <a:t>‹#›</a:t>
+            </a:fld>
+            <a:endParaRPr lang="en-US" dirty="0"/>
+          </a:p>
+        </p:txBody>
+      </p:sp>
+    </p:spTree>
+    <p:extLst>
+      <p:ext uri="{BB962C8B-B14F-4D97-AF65-F5344CB8AC3E}">
+        <p14:creationId xmlns:p14="http://schemas.microsoft.com/office/powerpoint/2010/main" val="1720938148"/>
+      </p:ext>
+    </p:extLst>
+  </p:cSld>
+  <p:clrMapOvr>
+    <a:masterClrMapping/>
+  </p:clrMapOvr>
+</p:sldLayout>
+</file>
+
+<file path=ppt/slideLayouts/slideLayout16.xml><?xml version="1.0" encoding="utf-8"?>
 <p:sldLayout xmlns:a="http://schemas.openxmlformats.org/drawingml/2006/main" xmlns:r="http://schemas.openxmlformats.org/officeDocument/2006/relationships" xmlns:p="http://schemas.openxmlformats.org/presentationml/2006/main" type="vertTx" preserve="1">
   <p:cSld name="Title and Vertical Text">
     <p:spTree>
@@ -339,7 +2991,7 @@
               <a:rPr lang="en-US" smtClean="0"/>
               <a:t>Click to edit Master title style</a:t>
             </a:r>
-            <a:endParaRPr lang="en-US"/>
+            <a:endParaRPr lang="en-US" dirty="0"/>
           </a:p>
         </p:txBody>
       </p:sp>
@@ -355,7 +3007,7 @@
         </p:nvSpPr>
         <p:spPr/>
         <p:txBody>
-          <a:bodyPr vert="eaVert"/>
+          <a:bodyPr vert="eaVert" anchor="t" anchorCtr="0"/>
           <a:lstStyle/>
           <a:p>
             <a:pPr lvl="0"/>
@@ -391,7 +3043,7 @@
               <a:rPr lang="en-US" smtClean="0"/>
               <a:t>Fifth level</a:t>
             </a:r>
-            <a:endParaRPr lang="en-US"/>
+            <a:endParaRPr lang="en-US" dirty="0"/>
           </a:p>
         </p:txBody>
       </p:sp>
@@ -410,11 +3062,11 @@
           <a:bodyPr/>
           <a:lstStyle/>
           <a:p>
-            <a:fld id="{A5199A45-4C08-4491-922E-BBC5EF1C7C0C}" type="datetimeFigureOut">
-              <a:rPr lang="en-US" smtClean="0"/>
-              <a:t>9/30/2025</a:t>
+            <a:fld id="{5568300E-C023-45CD-A0BE-EDB7A8C6EA8B}" type="datetimeFigureOut">
+              <a:rPr lang="en-US" smtClean="0"/>
+              <a:t>10/6/2025</a:t>
             </a:fld>
-            <a:endParaRPr lang="en-US"/>
+            <a:endParaRPr lang="en-US" dirty="0"/>
           </a:p>
         </p:txBody>
       </p:sp>
@@ -433,7 +3085,7 @@
           <a:bodyPr/>
           <a:lstStyle/>
           <a:p>
-            <a:endParaRPr lang="en-US"/>
+            <a:endParaRPr lang="en-US" dirty="0"/>
           </a:p>
         </p:txBody>
       </p:sp>
@@ -452,18 +3104,19 @@
           <a:bodyPr/>
           <a:lstStyle/>
           <a:p>
-            <a:fld id="{4D64E8D7-F159-4D3C-8CE0-75BDEEB2B4E8}" type="slidenum">
-              <a:rPr lang="en-US" smtClean="0"/>
+            <a:fld id="{D57F1E4F-1CFF-5643-939E-217C01CDF565}" type="slidenum">
+              <a:rPr lang="en-US" smtClean="0"/>
+              <a:pPr/>
               <a:t>‹#›</a:t>
             </a:fld>
-            <a:endParaRPr lang="en-US"/>
+            <a:endParaRPr lang="en-US" dirty="0"/>
           </a:p>
         </p:txBody>
       </p:sp>
     </p:spTree>
     <p:extLst>
       <p:ext uri="{BB962C8B-B14F-4D97-AF65-F5344CB8AC3E}">
-        <p14:creationId xmlns:p14="http://schemas.microsoft.com/office/powerpoint/2010/main" val="3587279370"/>
+        <p14:creationId xmlns:p14="http://schemas.microsoft.com/office/powerpoint/2010/main" val="153641995"/>
       </p:ext>
     </p:extLst>
   </p:cSld>
@@ -473,7 +3126,7 @@
 </p:sldLayout>
 </file>
 
-<file path=ppt/slideLayouts/slideLayout11.xml><?xml version="1.0" encoding="utf-8"?>
+<file path=ppt/slideLayouts/slideLayout17.xml><?xml version="1.0" encoding="utf-8"?>
 <p:sldLayout xmlns:a="http://schemas.openxmlformats.org/drawingml/2006/main" xmlns:r="http://schemas.openxmlformats.org/officeDocument/2006/relationships" xmlns:p="http://schemas.openxmlformats.org/presentationml/2006/main" type="vertTitleAndTx" preserve="1">
   <p:cSld name="Vertical Title and Text">
     <p:spTree>
@@ -502,19 +3155,19 @@
         </p:nvSpPr>
         <p:spPr>
           <a:xfrm>
-            <a:off x="8724900" y="365125"/>
-            <a:ext cx="2628900" cy="5811838"/>
-          </a:xfrm>
-        </p:spPr>
-        <p:txBody>
-          <a:bodyPr vert="eaVert"/>
+            <a:off x="8304212" y="430213"/>
+            <a:ext cx="1752601" cy="5826125"/>
+          </a:xfrm>
+        </p:spPr>
+        <p:txBody>
+          <a:bodyPr vert="eaVert" anchor="b" anchorCtr="0"/>
           <a:lstStyle/>
           <a:p>
             <a:r>
               <a:rPr lang="en-US" smtClean="0"/>
               <a:t>Click to edit Master title style</a:t>
             </a:r>
-            <a:endParaRPr lang="en-US"/>
+            <a:endParaRPr lang="en-US" dirty="0"/>
           </a:p>
         </p:txBody>
       </p:sp>
@@ -530,8 +3183,8 @@
         </p:nvSpPr>
         <p:spPr>
           <a:xfrm>
-            <a:off x="838200" y="365125"/>
-            <a:ext cx="7734300" cy="5811838"/>
+            <a:off x="652463" y="887414"/>
+            <a:ext cx="7423149" cy="5368924"/>
           </a:xfrm>
         </p:spPr>
         <p:txBody>
@@ -571,7 +3224,7 @@
               <a:rPr lang="en-US" smtClean="0"/>
               <a:t>Fifth level</a:t>
             </a:r>
-            <a:endParaRPr lang="en-US"/>
+            <a:endParaRPr lang="en-US" dirty="0"/>
           </a:p>
         </p:txBody>
       </p:sp>
@@ -590,11 +3243,11 @@
           <a:bodyPr/>
           <a:lstStyle/>
           <a:p>
-            <a:fld id="{A5199A45-4C08-4491-922E-BBC5EF1C7C0C}" type="datetimeFigureOut">
-              <a:rPr lang="en-US" smtClean="0"/>
-              <a:t>9/30/2025</a:t>
+            <a:fld id="{3B620EAD-E369-4933-8469-ED7764B56A1B}" type="datetimeFigureOut">
+              <a:rPr lang="en-US" smtClean="0"/>
+              <a:t>10/6/2025</a:t>
             </a:fld>
-            <a:endParaRPr lang="en-US"/>
+            <a:endParaRPr lang="en-US" dirty="0"/>
           </a:p>
         </p:txBody>
       </p:sp>
@@ -613,7 +3266,7 @@
           <a:bodyPr/>
           <a:lstStyle/>
           <a:p>
-            <a:endParaRPr lang="en-US"/>
+            <a:endParaRPr lang="en-US" dirty="0"/>
           </a:p>
         </p:txBody>
       </p:sp>
@@ -632,18 +3285,19 @@
           <a:bodyPr/>
           <a:lstStyle/>
           <a:p>
-            <a:fld id="{4D64E8D7-F159-4D3C-8CE0-75BDEEB2B4E8}" type="slidenum">
-              <a:rPr lang="en-US" smtClean="0"/>
+            <a:fld id="{D57F1E4F-1CFF-5643-939E-217C01CDF565}" type="slidenum">
+              <a:rPr lang="en-US" smtClean="0"/>
+              <a:pPr/>
               <a:t>‹#›</a:t>
             </a:fld>
-            <a:endParaRPr lang="en-US"/>
+            <a:endParaRPr lang="en-US" dirty="0"/>
           </a:p>
         </p:txBody>
       </p:sp>
     </p:spTree>
     <p:extLst>
       <p:ext uri="{BB962C8B-B14F-4D97-AF65-F5344CB8AC3E}">
-        <p14:creationId xmlns:p14="http://schemas.microsoft.com/office/powerpoint/2010/main" val="1480371344"/>
+        <p14:creationId xmlns:p14="http://schemas.microsoft.com/office/powerpoint/2010/main" val="4160152157"/>
       </p:ext>
     </p:extLst>
   </p:cSld>
@@ -689,7 +3343,7 @@
               <a:rPr lang="en-US" smtClean="0"/>
               <a:t>Click to edit Master title style</a:t>
             </a:r>
-            <a:endParaRPr lang="en-US"/>
+            <a:endParaRPr lang="en-US" dirty="0"/>
           </a:p>
         </p:txBody>
       </p:sp>
@@ -741,13 +3395,13 @@
               <a:rPr lang="en-US" smtClean="0"/>
               <a:t>Fifth level</a:t>
             </a:r>
-            <a:endParaRPr lang="en-US"/>
-          </a:p>
-        </p:txBody>
-      </p:sp>
-      <p:sp>
-        <p:nvSpPr>
-          <p:cNvPr id="4" name="Date Placeholder 3"/>
+            <a:endParaRPr lang="en-US" dirty="0"/>
+          </a:p>
+        </p:txBody>
+      </p:sp>
+      <p:sp>
+        <p:nvSpPr>
+          <p:cNvPr id="7" name="Date Placeholder 3"/>
           <p:cNvSpPr>
             <a:spLocks noGrp="1"/>
           </p:cNvSpPr>
@@ -760,11 +3414,11 @@
           <a:bodyPr/>
           <a:lstStyle/>
           <a:p>
-            <a:fld id="{A5199A45-4C08-4491-922E-BBC5EF1C7C0C}" type="datetimeFigureOut">
-              <a:rPr lang="en-US" smtClean="0"/>
-              <a:t>9/30/2025</a:t>
+            <a:fld id="{076C0EF2-9919-473B-8215-8616BAF10692}" type="datetimeFigureOut">
+              <a:rPr lang="en-US" smtClean="0"/>
+              <a:t>10/6/2025</a:t>
             </a:fld>
-            <a:endParaRPr lang="en-US"/>
+            <a:endParaRPr lang="en-US" dirty="0"/>
           </a:p>
         </p:txBody>
       </p:sp>
@@ -783,7 +3437,7 @@
           <a:bodyPr/>
           <a:lstStyle/>
           <a:p>
-            <a:endParaRPr lang="en-US"/>
+            <a:endParaRPr lang="en-US" dirty="0"/>
           </a:p>
         </p:txBody>
       </p:sp>
@@ -802,18 +3456,19 @@
           <a:bodyPr/>
           <a:lstStyle/>
           <a:p>
-            <a:fld id="{4D64E8D7-F159-4D3C-8CE0-75BDEEB2B4E8}" type="slidenum">
-              <a:rPr lang="en-US" smtClean="0"/>
+            <a:fld id="{D57F1E4F-1CFF-5643-939E-217C01CDF565}" type="slidenum">
+              <a:rPr lang="en-US" smtClean="0"/>
+              <a:pPr/>
               <a:t>‹#›</a:t>
             </a:fld>
-            <a:endParaRPr lang="en-US"/>
+            <a:endParaRPr lang="en-US" dirty="0"/>
           </a:p>
         </p:txBody>
       </p:sp>
     </p:spTree>
     <p:extLst>
       <p:ext uri="{BB962C8B-B14F-4D97-AF65-F5344CB8AC3E}">
-        <p14:creationId xmlns:p14="http://schemas.microsoft.com/office/powerpoint/2010/main" val="2120535937"/>
+        <p14:creationId xmlns:p14="http://schemas.microsoft.com/office/powerpoint/2010/main" val="1102708904"/>
       </p:ext>
     </p:extLst>
   </p:cSld>
@@ -852,15 +3507,15 @@
         </p:nvSpPr>
         <p:spPr>
           <a:xfrm>
-            <a:off x="831850" y="1709738"/>
-            <a:ext cx="10515600" cy="2852737"/>
+            <a:off x="1154956" y="2861733"/>
+            <a:ext cx="8825657" cy="1915647"/>
           </a:xfrm>
         </p:spPr>
         <p:txBody>
           <a:bodyPr anchor="b"/>
           <a:lstStyle>
-            <a:lvl1pPr>
-              <a:defRPr sz="6000"/>
+            <a:lvl1pPr algn="l">
+              <a:defRPr sz="4000" b="0" cap="none"/>
             </a:lvl1pPr>
           </a:lstStyle>
           <a:p>
@@ -868,7 +3523,7 @@
               <a:rPr lang="en-US" smtClean="0"/>
               <a:t>Click to edit Master title style</a:t>
             </a:r>
-            <a:endParaRPr lang="en-US"/>
+            <a:endParaRPr lang="en-US" dirty="0"/>
           </a:p>
         </p:txBody>
       </p:sp>
@@ -884,26 +3539,27 @@
         </p:nvSpPr>
         <p:spPr>
           <a:xfrm>
-            <a:off x="831850" y="4589463"/>
-            <a:ext cx="10515600" cy="1500187"/>
-          </a:xfrm>
-        </p:spPr>
-        <p:txBody>
-          <a:bodyPr/>
+            <a:off x="1154955" y="4777381"/>
+            <a:ext cx="8825658" cy="860400"/>
+          </a:xfrm>
+        </p:spPr>
+        <p:txBody>
+          <a:bodyPr anchor="t"/>
           <a:lstStyle>
-            <a:lvl1pPr marL="0" indent="0">
-              <a:buNone/>
-              <a:defRPr sz="2400">
+            <a:lvl1pPr marL="0" indent="0" algn="l">
+              <a:buNone/>
+              <a:defRPr sz="2000" cap="all">
                 <a:solidFill>
-                  <a:schemeClr val="tx1">
-                    <a:tint val="75000"/>
+                  <a:schemeClr val="bg2">
+                    <a:lumMod val="40000"/>
+                    <a:lumOff val="60000"/>
                   </a:schemeClr>
                 </a:solidFill>
               </a:defRPr>
             </a:lvl1pPr>
             <a:lvl2pPr marL="457200" indent="0">
               <a:buNone/>
-              <a:defRPr sz="2000">
+              <a:defRPr sz="1800">
                 <a:solidFill>
                   <a:schemeClr val="tx1">
                     <a:tint val="75000"/>
@@ -913,7 +3569,7 @@
             </a:lvl2pPr>
             <a:lvl3pPr marL="914400" indent="0">
               <a:buNone/>
-              <a:defRPr sz="1800">
+              <a:defRPr sz="1600">
                 <a:solidFill>
                   <a:schemeClr val="tx1">
                     <a:tint val="75000"/>
@@ -923,7 +3579,7 @@
             </a:lvl3pPr>
             <a:lvl4pPr marL="1371600" indent="0">
               <a:buNone/>
-              <a:defRPr sz="1600">
+              <a:defRPr sz="1400">
                 <a:solidFill>
                   <a:schemeClr val="tx1">
                     <a:tint val="75000"/>
@@ -933,7 +3589,7 @@
             </a:lvl4pPr>
             <a:lvl5pPr marL="1828800" indent="0">
               <a:buNone/>
-              <a:defRPr sz="1600">
+              <a:defRPr sz="1400">
                 <a:solidFill>
                   <a:schemeClr val="tx1">
                     <a:tint val="75000"/>
@@ -943,7 +3599,7 @@
             </a:lvl5pPr>
             <a:lvl6pPr marL="2286000" indent="0">
               <a:buNone/>
-              <a:defRPr sz="1600">
+              <a:defRPr sz="1400">
                 <a:solidFill>
                   <a:schemeClr val="tx1">
                     <a:tint val="75000"/>
@@ -953,7 +3609,7 @@
             </a:lvl6pPr>
             <a:lvl7pPr marL="2743200" indent="0">
               <a:buNone/>
-              <a:defRPr sz="1600">
+              <a:defRPr sz="1400">
                 <a:solidFill>
                   <a:schemeClr val="tx1">
                     <a:tint val="75000"/>
@@ -963,7 +3619,7 @@
             </a:lvl7pPr>
             <a:lvl8pPr marL="3200400" indent="0">
               <a:buNone/>
-              <a:defRPr sz="1600">
+              <a:defRPr sz="1400">
                 <a:solidFill>
                   <a:schemeClr val="tx1">
                     <a:tint val="75000"/>
@@ -973,7 +3629,7 @@
             </a:lvl8pPr>
             <a:lvl9pPr marL="3657600" indent="0">
               <a:buNone/>
-              <a:defRPr sz="1600">
+              <a:defRPr sz="1400">
                 <a:solidFill>
                   <a:schemeClr val="tx1">
                     <a:tint val="75000"/>
@@ -1006,11 +3662,11 @@
           <a:bodyPr/>
           <a:lstStyle/>
           <a:p>
-            <a:fld id="{A5199A45-4C08-4491-922E-BBC5EF1C7C0C}" type="datetimeFigureOut">
-              <a:rPr lang="en-US" smtClean="0"/>
-              <a:t>9/30/2025</a:t>
+            <a:fld id="{A09472EB-AC54-4713-BFC2-BEB621108C63}" type="datetimeFigureOut">
+              <a:rPr lang="en-US" smtClean="0"/>
+              <a:t>10/6/2025</a:t>
             </a:fld>
-            <a:endParaRPr lang="en-US"/>
+            <a:endParaRPr lang="en-US" dirty="0"/>
           </a:p>
         </p:txBody>
       </p:sp>
@@ -1029,7 +3685,7 @@
           <a:bodyPr/>
           <a:lstStyle/>
           <a:p>
-            <a:endParaRPr lang="en-US"/>
+            <a:endParaRPr lang="en-US" dirty="0"/>
           </a:p>
         </p:txBody>
       </p:sp>
@@ -1048,18 +3704,19 @@
           <a:bodyPr/>
           <a:lstStyle/>
           <a:p>
-            <a:fld id="{4D64E8D7-F159-4D3C-8CE0-75BDEEB2B4E8}" type="slidenum">
-              <a:rPr lang="en-US" smtClean="0"/>
+            <a:fld id="{D57F1E4F-1CFF-5643-939E-217C01CDF565}" type="slidenum">
+              <a:rPr lang="en-US" smtClean="0"/>
+              <a:pPr/>
               <a:t>‹#›</a:t>
             </a:fld>
-            <a:endParaRPr lang="en-US"/>
+            <a:endParaRPr lang="en-US" dirty="0"/>
           </a:p>
         </p:txBody>
       </p:sp>
     </p:spTree>
     <p:extLst>
       <p:ext uri="{BB962C8B-B14F-4D97-AF65-F5344CB8AC3E}">
-        <p14:creationId xmlns:p14="http://schemas.microsoft.com/office/powerpoint/2010/main" val="1407971739"/>
+        <p14:creationId xmlns:p14="http://schemas.microsoft.com/office/powerpoint/2010/main" val="1383566307"/>
       </p:ext>
     </p:extLst>
   </p:cSld>
@@ -1105,7 +3762,7 @@
               <a:rPr lang="en-US" smtClean="0"/>
               <a:t>Click to edit Master title style</a:t>
             </a:r>
-            <a:endParaRPr lang="en-US"/>
+            <a:endParaRPr lang="en-US" dirty="0"/>
           </a:p>
         </p:txBody>
       </p:sp>
@@ -1121,13 +3778,43 @@
         </p:nvSpPr>
         <p:spPr>
           <a:xfrm>
-            <a:off x="838200" y="1825625"/>
-            <a:ext cx="5181600" cy="4351338"/>
-          </a:xfrm>
-        </p:spPr>
-        <p:txBody>
-          <a:bodyPr/>
-          <a:lstStyle/>
+            <a:off x="1103312" y="2060575"/>
+            <a:ext cx="4396339" cy="4195763"/>
+          </a:xfrm>
+        </p:spPr>
+        <p:txBody>
+          <a:bodyPr>
+            <a:normAutofit/>
+          </a:bodyPr>
+          <a:lstStyle>
+            <a:lvl1pPr>
+              <a:defRPr sz="1800"/>
+            </a:lvl1pPr>
+            <a:lvl2pPr>
+              <a:defRPr sz="1600"/>
+            </a:lvl2pPr>
+            <a:lvl3pPr>
+              <a:defRPr sz="1400"/>
+            </a:lvl3pPr>
+            <a:lvl4pPr>
+              <a:defRPr sz="1200"/>
+            </a:lvl4pPr>
+            <a:lvl5pPr>
+              <a:defRPr sz="1200"/>
+            </a:lvl5pPr>
+            <a:lvl6pPr>
+              <a:defRPr sz="1200"/>
+            </a:lvl6pPr>
+            <a:lvl7pPr>
+              <a:defRPr sz="1200"/>
+            </a:lvl7pPr>
+            <a:lvl8pPr>
+              <a:defRPr sz="1200"/>
+            </a:lvl8pPr>
+            <a:lvl9pPr>
+              <a:defRPr sz="1200"/>
+            </a:lvl9pPr>
+          </a:lstStyle>
           <a:p>
             <a:pPr lvl="0"/>
             <a:r>
@@ -1162,7 +3849,7 @@
               <a:rPr lang="en-US" smtClean="0"/>
               <a:t>Fifth level</a:t>
             </a:r>
-            <a:endParaRPr lang="en-US"/>
+            <a:endParaRPr lang="en-US" dirty="0"/>
           </a:p>
         </p:txBody>
       </p:sp>
@@ -1178,13 +3865,43 @@
         </p:nvSpPr>
         <p:spPr>
           <a:xfrm>
-            <a:off x="6172200" y="1825625"/>
-            <a:ext cx="5181600" cy="4351338"/>
-          </a:xfrm>
-        </p:spPr>
-        <p:txBody>
-          <a:bodyPr/>
-          <a:lstStyle/>
+            <a:off x="5654493" y="2056092"/>
+            <a:ext cx="4396341" cy="4200245"/>
+          </a:xfrm>
+        </p:spPr>
+        <p:txBody>
+          <a:bodyPr>
+            <a:normAutofit/>
+          </a:bodyPr>
+          <a:lstStyle>
+            <a:lvl1pPr>
+              <a:defRPr sz="1800"/>
+            </a:lvl1pPr>
+            <a:lvl2pPr>
+              <a:defRPr sz="1600"/>
+            </a:lvl2pPr>
+            <a:lvl3pPr>
+              <a:defRPr sz="1400"/>
+            </a:lvl3pPr>
+            <a:lvl4pPr>
+              <a:defRPr sz="1200"/>
+            </a:lvl4pPr>
+            <a:lvl5pPr>
+              <a:defRPr sz="1200"/>
+            </a:lvl5pPr>
+            <a:lvl6pPr>
+              <a:defRPr sz="1200"/>
+            </a:lvl6pPr>
+            <a:lvl7pPr>
+              <a:defRPr sz="1200"/>
+            </a:lvl7pPr>
+            <a:lvl8pPr>
+              <a:defRPr sz="1200"/>
+            </a:lvl8pPr>
+            <a:lvl9pPr>
+              <a:defRPr sz="1200"/>
+            </a:lvl9pPr>
+          </a:lstStyle>
           <a:p>
             <a:pPr lvl="0"/>
             <a:r>
@@ -1219,7 +3936,7 @@
               <a:rPr lang="en-US" smtClean="0"/>
               <a:t>Fifth level</a:t>
             </a:r>
-            <a:endParaRPr lang="en-US"/>
+            <a:endParaRPr lang="en-US" dirty="0"/>
           </a:p>
         </p:txBody>
       </p:sp>
@@ -1238,11 +3955,11 @@
           <a:bodyPr/>
           <a:lstStyle/>
           <a:p>
-            <a:fld id="{A5199A45-4C08-4491-922E-BBC5EF1C7C0C}" type="datetimeFigureOut">
-              <a:rPr lang="en-US" smtClean="0"/>
-              <a:t>9/30/2025</a:t>
+            <a:fld id="{99455A0C-791E-4545-B787-F98AD45CD761}" type="datetimeFigureOut">
+              <a:rPr lang="en-US" smtClean="0"/>
+              <a:t>10/6/2025</a:t>
             </a:fld>
-            <a:endParaRPr lang="en-US"/>
+            <a:endParaRPr lang="en-US" dirty="0"/>
           </a:p>
         </p:txBody>
       </p:sp>
@@ -1261,7 +3978,7 @@
           <a:bodyPr/>
           <a:lstStyle/>
           <a:p>
-            <a:endParaRPr lang="en-US"/>
+            <a:endParaRPr lang="en-US" dirty="0"/>
           </a:p>
         </p:txBody>
       </p:sp>
@@ -1280,18 +3997,19 @@
           <a:bodyPr/>
           <a:lstStyle/>
           <a:p>
-            <a:fld id="{4D64E8D7-F159-4D3C-8CE0-75BDEEB2B4E8}" type="slidenum">
-              <a:rPr lang="en-US" smtClean="0"/>
+            <a:fld id="{D57F1E4F-1CFF-5643-939E-217C01CDF565}" type="slidenum">
+              <a:rPr lang="en-US" smtClean="0"/>
+              <a:pPr/>
               <a:t>‹#›</a:t>
             </a:fld>
-            <a:endParaRPr lang="en-US"/>
+            <a:endParaRPr lang="en-US" dirty="0"/>
           </a:p>
         </p:txBody>
       </p:sp>
     </p:spTree>
     <p:extLst>
       <p:ext uri="{BB962C8B-B14F-4D97-AF65-F5344CB8AC3E}">
-        <p14:creationId xmlns:p14="http://schemas.microsoft.com/office/powerpoint/2010/main" val="3267110714"/>
+        <p14:creationId xmlns:p14="http://schemas.microsoft.com/office/powerpoint/2010/main" val="3270337581"/>
       </p:ext>
     </p:extLst>
   </p:cSld>
@@ -1328,46 +4046,54 @@
             <p:ph type="title"/>
           </p:nvPr>
         </p:nvSpPr>
+        <p:spPr/>
+        <p:txBody>
+          <a:bodyPr/>
+          <a:lstStyle>
+            <a:lvl1pPr>
+              <a:defRPr/>
+            </a:lvl1pPr>
+          </a:lstStyle>
+          <a:p>
+            <a:r>
+              <a:rPr lang="en-US" smtClean="0"/>
+              <a:t>Click to edit Master title style</a:t>
+            </a:r>
+            <a:endParaRPr lang="en-US" dirty="0"/>
+          </a:p>
+        </p:txBody>
+      </p:sp>
+      <p:sp>
+        <p:nvSpPr>
+          <p:cNvPr id="3" name="Text Placeholder 2"/>
+          <p:cNvSpPr>
+            <a:spLocks noGrp="1"/>
+          </p:cNvSpPr>
+          <p:nvPr>
+            <p:ph type="body" idx="1"/>
+          </p:nvPr>
+        </p:nvSpPr>
         <p:spPr>
           <a:xfrm>
-            <a:off x="839788" y="365125"/>
-            <a:ext cx="10515600" cy="1325563"/>
-          </a:xfrm>
-        </p:spPr>
-        <p:txBody>
-          <a:bodyPr/>
-          <a:lstStyle/>
-          <a:p>
-            <a:r>
-              <a:rPr lang="en-US" smtClean="0"/>
-              <a:t>Click to edit Master title style</a:t>
-            </a:r>
-            <a:endParaRPr lang="en-US"/>
-          </a:p>
-        </p:txBody>
-      </p:sp>
-      <p:sp>
-        <p:nvSpPr>
-          <p:cNvPr id="3" name="Text Placeholder 2"/>
-          <p:cNvSpPr>
-            <a:spLocks noGrp="1"/>
-          </p:cNvSpPr>
-          <p:nvPr>
-            <p:ph type="body" idx="1"/>
-          </p:nvPr>
-        </p:nvSpPr>
-        <p:spPr>
-          <a:xfrm>
-            <a:off x="839788" y="1681163"/>
-            <a:ext cx="5157787" cy="823912"/>
-          </a:xfrm>
-        </p:spPr>
-        <p:txBody>
-          <a:bodyPr anchor="b"/>
+            <a:off x="1103313" y="1905000"/>
+            <a:ext cx="4396338" cy="576262"/>
+          </a:xfrm>
+        </p:spPr>
+        <p:txBody>
+          <a:bodyPr anchor="b">
+            <a:noAutofit/>
+          </a:bodyPr>
           <a:lstStyle>
             <a:lvl1pPr marL="0" indent="0">
               <a:buNone/>
-              <a:defRPr sz="2400" b="1"/>
+              <a:defRPr sz="2400" b="0">
+                <a:solidFill>
+                  <a:schemeClr val="bg2">
+                    <a:lumMod val="40000"/>
+                    <a:lumOff val="60000"/>
+                  </a:schemeClr>
+                </a:solidFill>
+              </a:defRPr>
             </a:lvl1pPr>
             <a:lvl2pPr marL="457200" indent="0">
               <a:buNone/>
@@ -1423,13 +4149,43 @@
         </p:nvSpPr>
         <p:spPr>
           <a:xfrm>
-            <a:off x="839788" y="2505075"/>
-            <a:ext cx="5157787" cy="3684588"/>
-          </a:xfrm>
-        </p:spPr>
-        <p:txBody>
-          <a:bodyPr/>
-          <a:lstStyle/>
+            <a:off x="1103312" y="2514600"/>
+            <a:ext cx="4396339" cy="3741738"/>
+          </a:xfrm>
+        </p:spPr>
+        <p:txBody>
+          <a:bodyPr>
+            <a:normAutofit/>
+          </a:bodyPr>
+          <a:lstStyle>
+            <a:lvl1pPr>
+              <a:defRPr sz="1800"/>
+            </a:lvl1pPr>
+            <a:lvl2pPr>
+              <a:defRPr sz="1600"/>
+            </a:lvl2pPr>
+            <a:lvl3pPr>
+              <a:defRPr sz="1400"/>
+            </a:lvl3pPr>
+            <a:lvl4pPr>
+              <a:defRPr sz="1200"/>
+            </a:lvl4pPr>
+            <a:lvl5pPr>
+              <a:defRPr sz="1200"/>
+            </a:lvl5pPr>
+            <a:lvl6pPr>
+              <a:defRPr sz="1200"/>
+            </a:lvl6pPr>
+            <a:lvl7pPr>
+              <a:defRPr sz="1200"/>
+            </a:lvl7pPr>
+            <a:lvl8pPr>
+              <a:defRPr sz="1200"/>
+            </a:lvl8pPr>
+            <a:lvl9pPr>
+              <a:defRPr sz="1200"/>
+            </a:lvl9pPr>
+          </a:lstStyle>
           <a:p>
             <a:pPr lvl="0"/>
             <a:r>
@@ -1464,7 +4220,7 @@
               <a:rPr lang="en-US" smtClean="0"/>
               <a:t>Fifth level</a:t>
             </a:r>
-            <a:endParaRPr lang="en-US"/>
+            <a:endParaRPr lang="en-US" dirty="0"/>
           </a:p>
         </p:txBody>
       </p:sp>
@@ -1480,16 +4236,25 @@
         </p:nvSpPr>
         <p:spPr>
           <a:xfrm>
-            <a:off x="6172200" y="1681163"/>
-            <a:ext cx="5183188" cy="823912"/>
-          </a:xfrm>
-        </p:spPr>
-        <p:txBody>
-          <a:bodyPr anchor="b"/>
+            <a:off x="5654495" y="1905000"/>
+            <a:ext cx="4396339" cy="576262"/>
+          </a:xfrm>
+        </p:spPr>
+        <p:txBody>
+          <a:bodyPr anchor="b">
+            <a:noAutofit/>
+          </a:bodyPr>
           <a:lstStyle>
             <a:lvl1pPr marL="0" indent="0">
               <a:buNone/>
-              <a:defRPr sz="2400" b="1"/>
+              <a:defRPr sz="2400" b="0">
+                <a:solidFill>
+                  <a:schemeClr val="bg2">
+                    <a:lumMod val="40000"/>
+                    <a:lumOff val="60000"/>
+                  </a:schemeClr>
+                </a:solidFill>
+              </a:defRPr>
             </a:lvl1pPr>
             <a:lvl2pPr marL="457200" indent="0">
               <a:buNone/>
@@ -1545,13 +4310,43 @@
         </p:nvSpPr>
         <p:spPr>
           <a:xfrm>
-            <a:off x="6172200" y="2505075"/>
-            <a:ext cx="5183188" cy="3684588"/>
-          </a:xfrm>
-        </p:spPr>
-        <p:txBody>
-          <a:bodyPr/>
-          <a:lstStyle/>
+            <a:off x="5654495" y="2514600"/>
+            <a:ext cx="4396339" cy="3741738"/>
+          </a:xfrm>
+        </p:spPr>
+        <p:txBody>
+          <a:bodyPr>
+            <a:normAutofit/>
+          </a:bodyPr>
+          <a:lstStyle>
+            <a:lvl1pPr>
+              <a:defRPr sz="1800"/>
+            </a:lvl1pPr>
+            <a:lvl2pPr>
+              <a:defRPr sz="1600"/>
+            </a:lvl2pPr>
+            <a:lvl3pPr>
+              <a:defRPr sz="1400"/>
+            </a:lvl3pPr>
+            <a:lvl4pPr>
+              <a:defRPr sz="1200"/>
+            </a:lvl4pPr>
+            <a:lvl5pPr>
+              <a:defRPr sz="1200"/>
+            </a:lvl5pPr>
+            <a:lvl6pPr>
+              <a:defRPr sz="1200"/>
+            </a:lvl6pPr>
+            <a:lvl7pPr>
+              <a:defRPr sz="1200"/>
+            </a:lvl7pPr>
+            <a:lvl8pPr>
+              <a:defRPr sz="1200"/>
+            </a:lvl8pPr>
+            <a:lvl9pPr>
+              <a:defRPr sz="1200"/>
+            </a:lvl9pPr>
+          </a:lstStyle>
           <a:p>
             <a:pPr lvl="0"/>
             <a:r>
@@ -1586,7 +4381,7 @@
               <a:rPr lang="en-US" smtClean="0"/>
               <a:t>Fifth level</a:t>
             </a:r>
-            <a:endParaRPr lang="en-US"/>
+            <a:endParaRPr lang="en-US" dirty="0"/>
           </a:p>
         </p:txBody>
       </p:sp>
@@ -1605,11 +4400,11 @@
           <a:bodyPr/>
           <a:lstStyle/>
           <a:p>
-            <a:fld id="{A5199A45-4C08-4491-922E-BBC5EF1C7C0C}" type="datetimeFigureOut">
-              <a:rPr lang="en-US" smtClean="0"/>
-              <a:t>9/30/2025</a:t>
+            <a:fld id="{42536B77-F4F4-4427-AC4F-9A623798AD82}" type="datetimeFigureOut">
+              <a:rPr lang="en-US" smtClean="0"/>
+              <a:t>10/6/2025</a:t>
             </a:fld>
-            <a:endParaRPr lang="en-US"/>
+            <a:endParaRPr lang="en-US" dirty="0"/>
           </a:p>
         </p:txBody>
       </p:sp>
@@ -1628,7 +4423,7 @@
           <a:bodyPr/>
           <a:lstStyle/>
           <a:p>
-            <a:endParaRPr lang="en-US"/>
+            <a:endParaRPr lang="en-US" dirty="0"/>
           </a:p>
         </p:txBody>
       </p:sp>
@@ -1647,18 +4442,19 @@
           <a:bodyPr/>
           <a:lstStyle/>
           <a:p>
-            <a:fld id="{4D64E8D7-F159-4D3C-8CE0-75BDEEB2B4E8}" type="slidenum">
-              <a:rPr lang="en-US" smtClean="0"/>
+            <a:fld id="{D57F1E4F-1CFF-5643-939E-217C01CDF565}" type="slidenum">
+              <a:rPr lang="en-US" smtClean="0"/>
+              <a:pPr/>
               <a:t>‹#›</a:t>
             </a:fld>
-            <a:endParaRPr lang="en-US"/>
+            <a:endParaRPr lang="en-US" dirty="0"/>
           </a:p>
         </p:txBody>
       </p:sp>
     </p:spTree>
     <p:extLst>
       <p:ext uri="{BB962C8B-B14F-4D97-AF65-F5344CB8AC3E}">
-        <p14:creationId xmlns:p14="http://schemas.microsoft.com/office/powerpoint/2010/main" val="3653533532"/>
+        <p14:creationId xmlns:p14="http://schemas.microsoft.com/office/powerpoint/2010/main" val="1480840441"/>
       </p:ext>
     </p:extLst>
   </p:cSld>
@@ -1704,13 +4500,13 @@
               <a:rPr lang="en-US" smtClean="0"/>
               <a:t>Click to edit Master title style</a:t>
             </a:r>
-            <a:endParaRPr lang="en-US"/>
-          </a:p>
-        </p:txBody>
-      </p:sp>
-      <p:sp>
-        <p:nvSpPr>
-          <p:cNvPr id="3" name="Date Placeholder 2"/>
+            <a:endParaRPr lang="en-US" dirty="0"/>
+          </a:p>
+        </p:txBody>
+      </p:sp>
+      <p:sp>
+        <p:nvSpPr>
+          <p:cNvPr id="7" name="Date Placeholder 2"/>
           <p:cNvSpPr>
             <a:spLocks noGrp="1"/>
           </p:cNvSpPr>
@@ -1723,17 +4519,17 @@
           <a:bodyPr/>
           <a:lstStyle/>
           <a:p>
-            <a:fld id="{A5199A45-4C08-4491-922E-BBC5EF1C7C0C}" type="datetimeFigureOut">
-              <a:rPr lang="en-US" smtClean="0"/>
-              <a:t>9/30/2025</a:t>
+            <a:fld id="{D8BE790C-34EB-4565-8437-CACF4CDB7822}" type="datetimeFigureOut">
+              <a:rPr lang="en-US" smtClean="0"/>
+              <a:t>10/6/2025</a:t>
             </a:fld>
-            <a:endParaRPr lang="en-US"/>
-          </a:p>
-        </p:txBody>
-      </p:sp>
-      <p:sp>
-        <p:nvSpPr>
-          <p:cNvPr id="4" name="Footer Placeholder 3"/>
+            <a:endParaRPr lang="en-US" dirty="0"/>
+          </a:p>
+        </p:txBody>
+      </p:sp>
+      <p:sp>
+        <p:nvSpPr>
+          <p:cNvPr id="5" name="Footer Placeholder 3"/>
           <p:cNvSpPr>
             <a:spLocks noGrp="1"/>
           </p:cNvSpPr>
@@ -1746,13 +4542,13 @@
           <a:bodyPr/>
           <a:lstStyle/>
           <a:p>
-            <a:endParaRPr lang="en-US"/>
-          </a:p>
-        </p:txBody>
-      </p:sp>
-      <p:sp>
-        <p:nvSpPr>
-          <p:cNvPr id="5" name="Slide Number Placeholder 4"/>
+            <a:endParaRPr lang="en-US" dirty="0"/>
+          </a:p>
+        </p:txBody>
+      </p:sp>
+      <p:sp>
+        <p:nvSpPr>
+          <p:cNvPr id="6" name="Slide Number Placeholder 4"/>
           <p:cNvSpPr>
             <a:spLocks noGrp="1"/>
           </p:cNvSpPr>
@@ -1765,18 +4561,19 @@
           <a:bodyPr/>
           <a:lstStyle/>
           <a:p>
-            <a:fld id="{4D64E8D7-F159-4D3C-8CE0-75BDEEB2B4E8}" type="slidenum">
-              <a:rPr lang="en-US" smtClean="0"/>
+            <a:fld id="{D57F1E4F-1CFF-5643-939E-217C01CDF565}" type="slidenum">
+              <a:rPr lang="en-US" smtClean="0"/>
+              <a:pPr/>
               <a:t>‹#›</a:t>
             </a:fld>
-            <a:endParaRPr lang="en-US"/>
+            <a:endParaRPr lang="en-US" dirty="0"/>
           </a:p>
         </p:txBody>
       </p:sp>
     </p:spTree>
     <p:extLst>
       <p:ext uri="{BB962C8B-B14F-4D97-AF65-F5344CB8AC3E}">
-        <p14:creationId xmlns:p14="http://schemas.microsoft.com/office/powerpoint/2010/main" val="2804555366"/>
+        <p14:creationId xmlns:p14="http://schemas.microsoft.com/office/powerpoint/2010/main" val="2451276375"/>
       </p:ext>
     </p:extLst>
   </p:cSld>
@@ -1805,7 +4602,7 @@
       </p:grpSpPr>
       <p:sp>
         <p:nvSpPr>
-          <p:cNvPr id="2" name="Date Placeholder 1"/>
+          <p:cNvPr id="7" name="Date Placeholder 1"/>
           <p:cNvSpPr>
             <a:spLocks noGrp="1"/>
           </p:cNvSpPr>
@@ -1818,17 +4615,17 @@
           <a:bodyPr/>
           <a:lstStyle/>
           <a:p>
-            <a:fld id="{A5199A45-4C08-4491-922E-BBC5EF1C7C0C}" type="datetimeFigureOut">
-              <a:rPr lang="en-US" smtClean="0"/>
-              <a:t>9/30/2025</a:t>
+            <a:fld id="{F84A4C11-22B8-4A4E-8126-B3AF6B948A8E}" type="datetimeFigureOut">
+              <a:rPr lang="en-US" smtClean="0"/>
+              <a:t>10/6/2025</a:t>
             </a:fld>
-            <a:endParaRPr lang="en-US"/>
-          </a:p>
-        </p:txBody>
-      </p:sp>
-      <p:sp>
-        <p:nvSpPr>
-          <p:cNvPr id="3" name="Footer Placeholder 2"/>
+            <a:endParaRPr lang="en-US" dirty="0"/>
+          </a:p>
+        </p:txBody>
+      </p:sp>
+      <p:sp>
+        <p:nvSpPr>
+          <p:cNvPr id="5" name="Footer Placeholder 2"/>
           <p:cNvSpPr>
             <a:spLocks noGrp="1"/>
           </p:cNvSpPr>
@@ -1841,13 +4638,13 @@
           <a:bodyPr/>
           <a:lstStyle/>
           <a:p>
-            <a:endParaRPr lang="en-US"/>
-          </a:p>
-        </p:txBody>
-      </p:sp>
-      <p:sp>
-        <p:nvSpPr>
-          <p:cNvPr id="4" name="Slide Number Placeholder 3"/>
+            <a:endParaRPr lang="en-US" dirty="0"/>
+          </a:p>
+        </p:txBody>
+      </p:sp>
+      <p:sp>
+        <p:nvSpPr>
+          <p:cNvPr id="6" name="Slide Number Placeholder 3"/>
           <p:cNvSpPr>
             <a:spLocks noGrp="1"/>
           </p:cNvSpPr>
@@ -1860,18 +4657,19 @@
           <a:bodyPr/>
           <a:lstStyle/>
           <a:p>
-            <a:fld id="{4D64E8D7-F159-4D3C-8CE0-75BDEEB2B4E8}" type="slidenum">
-              <a:rPr lang="en-US" smtClean="0"/>
+            <a:fld id="{D57F1E4F-1CFF-5643-939E-217C01CDF565}" type="slidenum">
+              <a:rPr lang="en-US" smtClean="0"/>
+              <a:pPr/>
               <a:t>‹#›</a:t>
             </a:fld>
-            <a:endParaRPr lang="en-US"/>
+            <a:endParaRPr lang="en-US" dirty="0"/>
           </a:p>
         </p:txBody>
       </p:sp>
     </p:spTree>
     <p:extLst>
       <p:ext uri="{BB962C8B-B14F-4D97-AF65-F5344CB8AC3E}">
-        <p14:creationId xmlns:p14="http://schemas.microsoft.com/office/powerpoint/2010/main" val="415970396"/>
+        <p14:creationId xmlns:p14="http://schemas.microsoft.com/office/powerpoint/2010/main" val="3406966639"/>
       </p:ext>
     </p:extLst>
   </p:cSld>
@@ -1910,15 +4708,15 @@
         </p:nvSpPr>
         <p:spPr>
           <a:xfrm>
-            <a:off x="839788" y="457200"/>
-            <a:ext cx="3932237" cy="1600200"/>
+            <a:off x="1154953" y="1447800"/>
+            <a:ext cx="3401064" cy="1447800"/>
           </a:xfrm>
         </p:spPr>
         <p:txBody>
           <a:bodyPr anchor="b"/>
           <a:lstStyle>
-            <a:lvl1pPr>
-              <a:defRPr sz="3200"/>
+            <a:lvl1pPr algn="l">
+              <a:defRPr sz="2400" b="0"/>
             </a:lvl1pPr>
           </a:lstStyle>
           <a:p>
@@ -1926,7 +4724,7 @@
               <a:rPr lang="en-US" smtClean="0"/>
               <a:t>Click to edit Master title style</a:t>
             </a:r>
-            <a:endParaRPr lang="en-US"/>
+            <a:endParaRPr lang="en-US" dirty="0"/>
           </a:p>
         </p:txBody>
       </p:sp>
@@ -1942,39 +4740,41 @@
         </p:nvSpPr>
         <p:spPr>
           <a:xfrm>
-            <a:off x="5183188" y="987425"/>
-            <a:ext cx="6172200" cy="4873625"/>
-          </a:xfrm>
-        </p:spPr>
-        <p:txBody>
-          <a:bodyPr/>
+            <a:off x="4784616" y="1447800"/>
+            <a:ext cx="5195997" cy="4572000"/>
+          </a:xfrm>
+        </p:spPr>
+        <p:txBody>
+          <a:bodyPr anchor="ctr">
+            <a:normAutofit/>
+          </a:bodyPr>
           <a:lstStyle>
             <a:lvl1pPr>
-              <a:defRPr sz="3200"/>
+              <a:defRPr sz="2000"/>
             </a:lvl1pPr>
             <a:lvl2pPr>
-              <a:defRPr sz="2800"/>
+              <a:defRPr sz="1800"/>
             </a:lvl2pPr>
             <a:lvl3pPr>
-              <a:defRPr sz="2400"/>
+              <a:defRPr sz="1600"/>
             </a:lvl3pPr>
             <a:lvl4pPr>
-              <a:defRPr sz="2000"/>
+              <a:defRPr sz="1400"/>
             </a:lvl4pPr>
             <a:lvl5pPr>
-              <a:defRPr sz="2000"/>
+              <a:defRPr sz="1400"/>
             </a:lvl5pPr>
             <a:lvl6pPr>
-              <a:defRPr sz="2000"/>
+              <a:defRPr sz="1400"/>
             </a:lvl6pPr>
             <a:lvl7pPr>
-              <a:defRPr sz="2000"/>
+              <a:defRPr sz="1400"/>
             </a:lvl7pPr>
             <a:lvl8pPr>
-              <a:defRPr sz="2000"/>
+              <a:defRPr sz="1400"/>
             </a:lvl8pPr>
             <a:lvl9pPr>
-              <a:defRPr sz="2000"/>
+              <a:defRPr sz="1400"/>
             </a:lvl9pPr>
           </a:lstStyle>
           <a:p>
@@ -2011,7 +4811,7 @@
               <a:rPr lang="en-US" smtClean="0"/>
               <a:t>Fifth level</a:t>
             </a:r>
-            <a:endParaRPr lang="en-US"/>
+            <a:endParaRPr lang="en-US" dirty="0"/>
           </a:p>
         </p:txBody>
       </p:sp>
@@ -2027,8 +4827,8 @@
         </p:nvSpPr>
         <p:spPr>
           <a:xfrm>
-            <a:off x="839788" y="2057400"/>
-            <a:ext cx="3932237" cy="3811588"/>
+            <a:off x="1154953" y="3129280"/>
+            <a:ext cx="3401063" cy="2895599"/>
           </a:xfrm>
         </p:spPr>
         <p:txBody>
@@ -2036,39 +4836,39 @@
           <a:lstStyle>
             <a:lvl1pPr marL="0" indent="0">
               <a:buNone/>
-              <a:defRPr sz="1600"/>
+              <a:defRPr sz="1400"/>
             </a:lvl1pPr>
             <a:lvl2pPr marL="457200" indent="0">
               <a:buNone/>
-              <a:defRPr sz="1400"/>
+              <a:defRPr sz="1200"/>
             </a:lvl2pPr>
             <a:lvl3pPr marL="914400" indent="0">
               <a:buNone/>
-              <a:defRPr sz="1200"/>
+              <a:defRPr sz="1000"/>
             </a:lvl3pPr>
             <a:lvl4pPr marL="1371600" indent="0">
               <a:buNone/>
-              <a:defRPr sz="1000"/>
+              <a:defRPr sz="900"/>
             </a:lvl4pPr>
             <a:lvl5pPr marL="1828800" indent="0">
               <a:buNone/>
-              <a:defRPr sz="1000"/>
+              <a:defRPr sz="900"/>
             </a:lvl5pPr>
             <a:lvl6pPr marL="2286000" indent="0">
               <a:buNone/>
-              <a:defRPr sz="1000"/>
+              <a:defRPr sz="900"/>
             </a:lvl6pPr>
             <a:lvl7pPr marL="2743200" indent="0">
               <a:buNone/>
-              <a:defRPr sz="1000"/>
+              <a:defRPr sz="900"/>
             </a:lvl7pPr>
             <a:lvl8pPr marL="3200400" indent="0">
               <a:buNone/>
-              <a:defRPr sz="1000"/>
+              <a:defRPr sz="900"/>
             </a:lvl8pPr>
             <a:lvl9pPr marL="3657600" indent="0">
               <a:buNone/>
-              <a:defRPr sz="1000"/>
+              <a:defRPr sz="900"/>
             </a:lvl9pPr>
           </a:lstStyle>
           <a:p>
@@ -2082,7 +4882,7 @@
       </p:sp>
       <p:sp>
         <p:nvSpPr>
-          <p:cNvPr id="5" name="Date Placeholder 4"/>
+          <p:cNvPr id="7" name="Date Placeholder 4"/>
           <p:cNvSpPr>
             <a:spLocks noGrp="1"/>
           </p:cNvSpPr>
@@ -2095,17 +4895,17 @@
           <a:bodyPr/>
           <a:lstStyle/>
           <a:p>
-            <a:fld id="{A5199A45-4C08-4491-922E-BBC5EF1C7C0C}" type="datetimeFigureOut">
-              <a:rPr lang="en-US" smtClean="0"/>
-              <a:t>9/30/2025</a:t>
+            <a:fld id="{16ED06B6-C816-4861-964D-15A98395707D}" type="datetimeFigureOut">
+              <a:rPr lang="en-US" smtClean="0"/>
+              <a:t>10/6/2025</a:t>
             </a:fld>
-            <a:endParaRPr lang="en-US"/>
-          </a:p>
-        </p:txBody>
-      </p:sp>
-      <p:sp>
-        <p:nvSpPr>
-          <p:cNvPr id="6" name="Footer Placeholder 5"/>
+            <a:endParaRPr lang="en-US" dirty="0"/>
+          </a:p>
+        </p:txBody>
+      </p:sp>
+      <p:sp>
+        <p:nvSpPr>
+          <p:cNvPr id="5" name="Footer Placeholder 5"/>
           <p:cNvSpPr>
             <a:spLocks noGrp="1"/>
           </p:cNvSpPr>
@@ -2118,13 +4918,13 @@
           <a:bodyPr/>
           <a:lstStyle/>
           <a:p>
-            <a:endParaRPr lang="en-US"/>
-          </a:p>
-        </p:txBody>
-      </p:sp>
-      <p:sp>
-        <p:nvSpPr>
-          <p:cNvPr id="7" name="Slide Number Placeholder 6"/>
+            <a:endParaRPr lang="en-US" dirty="0"/>
+          </a:p>
+        </p:txBody>
+      </p:sp>
+      <p:sp>
+        <p:nvSpPr>
+          <p:cNvPr id="6" name="Slide Number Placeholder 6"/>
           <p:cNvSpPr>
             <a:spLocks noGrp="1"/>
           </p:cNvSpPr>
@@ -2137,18 +4937,19 @@
           <a:bodyPr/>
           <a:lstStyle/>
           <a:p>
-            <a:fld id="{4D64E8D7-F159-4D3C-8CE0-75BDEEB2B4E8}" type="slidenum">
-              <a:rPr lang="en-US" smtClean="0"/>
+            <a:fld id="{D57F1E4F-1CFF-5643-939E-217C01CDF565}" type="slidenum">
+              <a:rPr lang="en-US" smtClean="0"/>
+              <a:pPr/>
               <a:t>‹#›</a:t>
             </a:fld>
-            <a:endParaRPr lang="en-US"/>
+            <a:endParaRPr lang="en-US" dirty="0"/>
           </a:p>
         </p:txBody>
       </p:sp>
     </p:spTree>
     <p:extLst>
       <p:ext uri="{BB962C8B-B14F-4D97-AF65-F5344CB8AC3E}">
-        <p14:creationId xmlns:p14="http://schemas.microsoft.com/office/powerpoint/2010/main" val="3106933467"/>
+        <p14:creationId xmlns:p14="http://schemas.microsoft.com/office/powerpoint/2010/main" val="3241745516"/>
       </p:ext>
     </p:extLst>
   </p:cSld>
@@ -2187,15 +4988,17 @@
         </p:nvSpPr>
         <p:spPr>
           <a:xfrm>
-            <a:off x="839788" y="457200"/>
-            <a:ext cx="3932237" cy="1600200"/>
-          </a:xfrm>
-        </p:spPr>
-        <p:txBody>
-          <a:bodyPr anchor="b"/>
+            <a:off x="1153907" y="1854192"/>
+            <a:ext cx="5092906" cy="1574808"/>
+          </a:xfrm>
+        </p:spPr>
+        <p:txBody>
+          <a:bodyPr anchor="b">
+            <a:normAutofit/>
+          </a:bodyPr>
           <a:lstStyle>
-            <a:lvl1pPr>
-              <a:defRPr sz="3200"/>
+            <a:lvl1pPr algn="l">
+              <a:defRPr sz="3600" b="0"/>
             </a:lvl1pPr>
           </a:lstStyle>
           <a:p>
@@ -2203,7 +5006,7 @@
               <a:rPr lang="en-US" smtClean="0"/>
               <a:t>Click to edit Master title style</a:t>
             </a:r>
-            <a:endParaRPr lang="en-US"/>
+            <a:endParaRPr lang="en-US" dirty="0"/>
           </a:p>
         </p:txBody>
       </p:sp>
@@ -2211,7 +5014,7 @@
         <p:nvSpPr>
           <p:cNvPr id="3" name="Picture Placeholder 2"/>
           <p:cNvSpPr>
-            <a:spLocks noGrp="1"/>
+            <a:spLocks noGrp="1" noChangeAspect="1"/>
           </p:cNvSpPr>
           <p:nvPr>
             <p:ph type="pic" idx="1"/>
@@ -2219,112 +5022,132 @@
         </p:nvSpPr>
         <p:spPr>
           <a:xfrm>
-            <a:off x="5183188" y="987425"/>
-            <a:ext cx="6172200" cy="4873625"/>
-          </a:xfrm>
-        </p:spPr>
-        <p:txBody>
-          <a:bodyPr/>
+            <a:off x="6949546" y="1143000"/>
+            <a:ext cx="3200400" cy="4572000"/>
+          </a:xfrm>
+          <a:prstGeom prst="roundRect">
+            <a:avLst>
+              <a:gd name="adj" fmla="val 1858"/>
+            </a:avLst>
+          </a:prstGeom>
+          <a:effectLst>
+            <a:outerShdw blurRad="50800" dist="50800" dir="5400000" algn="tl" rotWithShape="0">
+              <a:srgbClr val="000000">
+                <a:alpha val="43000"/>
+              </a:srgbClr>
+            </a:outerShdw>
+          </a:effectLst>
+        </p:spPr>
+        <p:txBody>
+          <a:bodyPr anchor="t">
+            <a:normAutofit/>
+          </a:bodyPr>
           <a:lstStyle>
-            <a:lvl1pPr marL="0" indent="0">
-              <a:buNone/>
-              <a:defRPr sz="3200"/>
-            </a:lvl1pPr>
-            <a:lvl2pPr marL="457200" indent="0">
-              <a:buNone/>
-              <a:defRPr sz="2800"/>
-            </a:lvl2pPr>
-            <a:lvl3pPr marL="914400" indent="0">
-              <a:buNone/>
-              <a:defRPr sz="2400"/>
-            </a:lvl3pPr>
-            <a:lvl4pPr marL="1371600" indent="0">
-              <a:buNone/>
-              <a:defRPr sz="2000"/>
-            </a:lvl4pPr>
-            <a:lvl5pPr marL="1828800" indent="0">
-              <a:buNone/>
-              <a:defRPr sz="2000"/>
-            </a:lvl5pPr>
-            <a:lvl6pPr marL="2286000" indent="0">
-              <a:buNone/>
-              <a:defRPr sz="2000"/>
-            </a:lvl6pPr>
-            <a:lvl7pPr marL="2743200" indent="0">
-              <a:buNone/>
-              <a:defRPr sz="2000"/>
-            </a:lvl7pPr>
-            <a:lvl8pPr marL="3200400" indent="0">
-              <a:buNone/>
-              <a:defRPr sz="2000"/>
-            </a:lvl8pPr>
-            <a:lvl9pPr marL="3657600" indent="0">
-              <a:buNone/>
-              <a:defRPr sz="2000"/>
-            </a:lvl9pPr>
-          </a:lstStyle>
-          <a:p>
-            <a:endParaRPr lang="en-US"/>
-          </a:p>
-        </p:txBody>
-      </p:sp>
-      <p:sp>
-        <p:nvSpPr>
-          <p:cNvPr id="4" name="Text Placeholder 3"/>
-          <p:cNvSpPr>
-            <a:spLocks noGrp="1"/>
-          </p:cNvSpPr>
-          <p:nvPr>
-            <p:ph type="body" sz="half" idx="2"/>
-          </p:nvPr>
-        </p:nvSpPr>
-        <p:spPr>
-          <a:xfrm>
-            <a:off x="839788" y="2057400"/>
-            <a:ext cx="3932237" cy="3811588"/>
-          </a:xfrm>
-        </p:spPr>
-        <p:txBody>
-          <a:bodyPr/>
-          <a:lstStyle>
-            <a:lvl1pPr marL="0" indent="0">
+            <a:lvl1pPr marL="0" indent="0" algn="ctr">
               <a:buNone/>
               <a:defRPr sz="1600"/>
             </a:lvl1pPr>
             <a:lvl2pPr marL="457200" indent="0">
               <a:buNone/>
-              <a:defRPr sz="1400"/>
+              <a:defRPr sz="1600"/>
             </a:lvl2pPr>
             <a:lvl3pPr marL="914400" indent="0">
               <a:buNone/>
-              <a:defRPr sz="1200"/>
+              <a:defRPr sz="1600"/>
             </a:lvl3pPr>
             <a:lvl4pPr marL="1371600" indent="0">
               <a:buNone/>
-              <a:defRPr sz="1000"/>
+              <a:defRPr sz="1600"/>
             </a:lvl4pPr>
             <a:lvl5pPr marL="1828800" indent="0">
               <a:buNone/>
-              <a:defRPr sz="1000"/>
+              <a:defRPr sz="1600"/>
             </a:lvl5pPr>
             <a:lvl6pPr marL="2286000" indent="0">
               <a:buNone/>
-              <a:defRPr sz="1000"/>
+              <a:defRPr sz="1600"/>
             </a:lvl6pPr>
             <a:lvl7pPr marL="2743200" indent="0">
               <a:buNone/>
-              <a:defRPr sz="1000"/>
+              <a:defRPr sz="1600"/>
             </a:lvl7pPr>
             <a:lvl8pPr marL="3200400" indent="0">
               <a:buNone/>
-              <a:defRPr sz="1000"/>
+              <a:defRPr sz="1600"/>
             </a:lvl8pPr>
             <a:lvl9pPr marL="3657600" indent="0">
               <a:buNone/>
-              <a:defRPr sz="1000"/>
+              <a:defRPr sz="1600"/>
             </a:lvl9pPr>
           </a:lstStyle>
           <a:p>
+            <a:r>
+              <a:rPr lang="en-US" smtClean="0"/>
+              <a:t>Click icon to add picture</a:t>
+            </a:r>
+            <a:endParaRPr lang="en-US" dirty="0"/>
+          </a:p>
+        </p:txBody>
+      </p:sp>
+      <p:sp>
+        <p:nvSpPr>
+          <p:cNvPr id="4" name="Text Placeholder 3"/>
+          <p:cNvSpPr>
+            <a:spLocks noGrp="1"/>
+          </p:cNvSpPr>
+          <p:nvPr>
+            <p:ph type="body" sz="half" idx="2"/>
+          </p:nvPr>
+        </p:nvSpPr>
+        <p:spPr>
+          <a:xfrm>
+            <a:off x="1154954" y="3657600"/>
+            <a:ext cx="5084979" cy="1371600"/>
+          </a:xfrm>
+        </p:spPr>
+        <p:txBody>
+          <a:bodyPr>
+            <a:normAutofit/>
+          </a:bodyPr>
+          <a:lstStyle>
+            <a:lvl1pPr marL="0" indent="0">
+              <a:buNone/>
+              <a:defRPr sz="1400"/>
+            </a:lvl1pPr>
+            <a:lvl2pPr marL="457200" indent="0">
+              <a:buNone/>
+              <a:defRPr sz="1200"/>
+            </a:lvl2pPr>
+            <a:lvl3pPr marL="914400" indent="0">
+              <a:buNone/>
+              <a:defRPr sz="1000"/>
+            </a:lvl3pPr>
+            <a:lvl4pPr marL="1371600" indent="0">
+              <a:buNone/>
+              <a:defRPr sz="900"/>
+            </a:lvl4pPr>
+            <a:lvl5pPr marL="1828800" indent="0">
+              <a:buNone/>
+              <a:defRPr sz="900"/>
+            </a:lvl5pPr>
+            <a:lvl6pPr marL="2286000" indent="0">
+              <a:buNone/>
+              <a:defRPr sz="900"/>
+            </a:lvl6pPr>
+            <a:lvl7pPr marL="2743200" indent="0">
+              <a:buNone/>
+              <a:defRPr sz="900"/>
+            </a:lvl7pPr>
+            <a:lvl8pPr marL="3200400" indent="0">
+              <a:buNone/>
+              <a:defRPr sz="900"/>
+            </a:lvl8pPr>
+            <a:lvl9pPr marL="3657600" indent="0">
+              <a:buNone/>
+              <a:defRPr sz="900"/>
+            </a:lvl9pPr>
+          </a:lstStyle>
+          <a:p>
             <a:pPr lvl="0"/>
             <a:r>
               <a:rPr lang="en-US" smtClean="0"/>
@@ -2348,11 +5171,11 @@
           <a:bodyPr/>
           <a:lstStyle/>
           <a:p>
-            <a:fld id="{A5199A45-4C08-4491-922E-BBC5EF1C7C0C}" type="datetimeFigureOut">
-              <a:rPr lang="en-US" smtClean="0"/>
-              <a:t>9/30/2025</a:t>
+            <a:fld id="{00B1A8AB-EA7C-4B1B-9D73-E2551851FABE}" type="datetimeFigureOut">
+              <a:rPr lang="en-US" smtClean="0"/>
+              <a:t>10/6/2025</a:t>
             </a:fld>
-            <a:endParaRPr lang="en-US"/>
+            <a:endParaRPr lang="en-US" dirty="0"/>
           </a:p>
         </p:txBody>
       </p:sp>
@@ -2371,7 +5194,7 @@
           <a:bodyPr/>
           <a:lstStyle/>
           <a:p>
-            <a:endParaRPr lang="en-US"/>
+            <a:endParaRPr lang="en-US" dirty="0"/>
           </a:p>
         </p:txBody>
       </p:sp>
@@ -2390,18 +5213,19 @@
           <a:bodyPr/>
           <a:lstStyle/>
           <a:p>
-            <a:fld id="{4D64E8D7-F159-4D3C-8CE0-75BDEEB2B4E8}" type="slidenum">
-              <a:rPr lang="en-US" smtClean="0"/>
+            <a:fld id="{D57F1E4F-1CFF-5643-939E-217C01CDF565}" type="slidenum">
+              <a:rPr lang="en-US" smtClean="0"/>
+              <a:pPr/>
               <a:t>‹#›</a:t>
             </a:fld>
-            <a:endParaRPr lang="en-US"/>
+            <a:endParaRPr lang="en-US" dirty="0"/>
           </a:p>
         </p:txBody>
       </p:sp>
     </p:spTree>
     <p:extLst>
       <p:ext uri="{BB962C8B-B14F-4D97-AF65-F5344CB8AC3E}">
-        <p14:creationId xmlns:p14="http://schemas.microsoft.com/office/powerpoint/2010/main" val="2196060054"/>
+        <p14:creationId xmlns:p14="http://schemas.microsoft.com/office/powerpoint/2010/main" val="1465948752"/>
       </p:ext>
     </p:extLst>
   </p:cSld>
@@ -2415,8 +5239,8 @@
 <p:sldMaster xmlns:a="http://schemas.openxmlformats.org/drawingml/2006/main" xmlns:r="http://schemas.openxmlformats.org/officeDocument/2006/relationships" xmlns:p="http://schemas.openxmlformats.org/presentationml/2006/main">
   <p:cSld>
     <p:bg>
-      <p:bgRef idx="1001">
-        <a:schemeClr val="bg1"/>
+      <p:bgRef idx="1003">
+        <a:schemeClr val="bg2"/>
       </p:bgRef>
     </p:bg>
     <p:spTree>
@@ -2433,58 +5257,273 @@
           <a:chExt cx="0" cy="0"/>
         </a:xfrm>
       </p:grpSpPr>
-      <p:sp>
-        <p:nvSpPr>
-          <p:cNvPr id="2" name="Title Placeholder 1"/>
-          <p:cNvSpPr>
-            <a:spLocks noGrp="1"/>
-          </p:cNvSpPr>
-          <p:nvPr>
-            <p:ph type="title"/>
-          </p:nvPr>
-        </p:nvSpPr>
+      <p:pic>
+        <p:nvPicPr>
+          <p:cNvPr id="8" name="Picture 7"/>
+          <p:cNvPicPr>
+            <a:picLocks noChangeAspect="1"/>
+          </p:cNvPicPr>
+          <p:nvPr/>
+        </p:nvPicPr>
+        <p:blipFill rotWithShape="1">
+          <a:blip r:embed="rId19">
+            <a:extLst>
+              <a:ext uri="{28A0092B-C50C-407E-A947-70E740481C1C}">
+                <a14:useLocalDpi xmlns:a14="http://schemas.microsoft.com/office/drawing/2010/main" val="0"/>
+              </a:ext>
+            </a:extLst>
+          </a:blip>
+          <a:srcRect l="3613"/>
+          <a:stretch/>
+        </p:blipFill>
         <p:spPr>
           <a:xfrm>
-            <a:off x="838200" y="365125"/>
-            <a:ext cx="10515600" cy="1325563"/>
+            <a:off x="0" y="2669685"/>
+            <a:ext cx="4037012" cy="4188315"/>
           </a:xfrm>
           <a:prstGeom prst="rect">
             <a:avLst/>
           </a:prstGeom>
         </p:spPr>
-        <p:txBody>
-          <a:bodyPr vert="horz" lIns="91440" tIns="45720" rIns="91440" bIns="45720" rtlCol="0" anchor="ctr">
-            <a:normAutofit/>
-          </a:bodyPr>
-          <a:lstStyle/>
-          <a:p>
-            <a:r>
-              <a:rPr lang="en-US" smtClean="0"/>
-              <a:t>Click to edit Master title style</a:t>
-            </a:r>
-            <a:endParaRPr lang="en-US"/>
-          </a:p>
-        </p:txBody>
-      </p:sp>
-      <p:sp>
-        <p:nvSpPr>
-          <p:cNvPr id="3" name="Text Placeholder 2"/>
-          <p:cNvSpPr>
-            <a:spLocks noGrp="1"/>
-          </p:cNvSpPr>
-          <p:nvPr>
-            <p:ph type="body" idx="1"/>
-          </p:nvPr>
-        </p:nvSpPr>
+      </p:pic>
+      <p:pic>
+        <p:nvPicPr>
+          <p:cNvPr id="7" name="Picture 6"/>
+          <p:cNvPicPr>
+            <a:picLocks noChangeAspect="1"/>
+          </p:cNvPicPr>
+          <p:nvPr/>
+        </p:nvPicPr>
+        <p:blipFill rotWithShape="1">
+          <a:blip r:embed="rId20">
+            <a:extLst>
+              <a:ext uri="{28A0092B-C50C-407E-A947-70E740481C1C}">
+                <a14:useLocalDpi xmlns:a14="http://schemas.microsoft.com/office/drawing/2010/main" val="0"/>
+              </a:ext>
+            </a:extLst>
+          </a:blip>
+          <a:srcRect l="35640"/>
+          <a:stretch/>
+        </p:blipFill>
         <p:spPr>
           <a:xfrm>
-            <a:off x="838200" y="1825625"/>
-            <a:ext cx="10515600" cy="4351338"/>
+            <a:off x="0" y="2892347"/>
+            <a:ext cx="1522412" cy="2365453"/>
           </a:xfrm>
           <a:prstGeom prst="rect">
             <a:avLst/>
           </a:prstGeom>
         </p:spPr>
+      </p:pic>
+      <p:sp>
+        <p:nvSpPr>
+          <p:cNvPr id="16" name="Oval 15"/>
+          <p:cNvSpPr/>
+          <p:nvPr/>
+        </p:nvSpPr>
+        <p:spPr>
+          <a:xfrm>
+            <a:off x="8609012" y="1676400"/>
+            <a:ext cx="2819400" cy="2819400"/>
+          </a:xfrm>
+          <a:prstGeom prst="ellipse">
+            <a:avLst/>
+          </a:prstGeom>
+          <a:gradFill flip="none" rotWithShape="1">
+            <a:gsLst>
+              <a:gs pos="0">
+                <a:schemeClr val="bg2">
+                  <a:lumMod val="60000"/>
+                  <a:lumOff val="40000"/>
+                  <a:alpha val="7000"/>
+                </a:schemeClr>
+              </a:gs>
+              <a:gs pos="69000">
+                <a:schemeClr val="bg2">
+                  <a:lumMod val="60000"/>
+                  <a:lumOff val="40000"/>
+                  <a:alpha val="0"/>
+                </a:schemeClr>
+              </a:gs>
+              <a:gs pos="36000">
+                <a:schemeClr val="bg2">
+                  <a:lumMod val="60000"/>
+                  <a:lumOff val="40000"/>
+                  <a:alpha val="6000"/>
+                </a:schemeClr>
+              </a:gs>
+            </a:gsLst>
+            <a:path path="circle">
+              <a:fillToRect l="50000" t="50000" r="50000" b="50000"/>
+            </a:path>
+            <a:tileRect/>
+          </a:gradFill>
+          <a:ln>
+            <a:noFill/>
+          </a:ln>
+          <a:effectLst/>
+        </p:spPr>
+        <p:style>
+          <a:lnRef idx="1">
+            <a:schemeClr val="accent1"/>
+          </a:lnRef>
+          <a:fillRef idx="3">
+            <a:schemeClr val="accent1"/>
+          </a:fillRef>
+          <a:effectRef idx="2">
+            <a:schemeClr val="accent1"/>
+          </a:effectRef>
+          <a:fontRef idx="minor">
+            <a:schemeClr val="lt1"/>
+          </a:fontRef>
+        </p:style>
+      </p:sp>
+      <p:pic>
+        <p:nvPicPr>
+          <p:cNvPr id="9" name="Picture 8"/>
+          <p:cNvPicPr>
+            <a:picLocks noChangeAspect="1"/>
+          </p:cNvPicPr>
+          <p:nvPr/>
+        </p:nvPicPr>
+        <p:blipFill rotWithShape="1">
+          <a:blip r:embed="rId21">
+            <a:extLst>
+              <a:ext uri="{28A0092B-C50C-407E-A947-70E740481C1C}">
+                <a14:useLocalDpi xmlns:a14="http://schemas.microsoft.com/office/drawing/2010/main" val="0"/>
+              </a:ext>
+            </a:extLst>
+          </a:blip>
+          <a:srcRect t="28813"/>
+          <a:stretch/>
+        </p:blipFill>
+        <p:spPr>
+          <a:xfrm>
+            <a:off x="7999412" y="0"/>
+            <a:ext cx="1603387" cy="1141407"/>
+          </a:xfrm>
+          <a:prstGeom prst="rect">
+            <a:avLst/>
+          </a:prstGeom>
+        </p:spPr>
+      </p:pic>
+      <p:pic>
+        <p:nvPicPr>
+          <p:cNvPr id="10" name="Picture 9"/>
+          <p:cNvPicPr>
+            <a:picLocks noChangeAspect="1"/>
+          </p:cNvPicPr>
+          <p:nvPr/>
+        </p:nvPicPr>
+        <p:blipFill rotWithShape="1">
+          <a:blip r:embed="rId22">
+            <a:extLst>
+              <a:ext uri="{28A0092B-C50C-407E-A947-70E740481C1C}">
+                <a14:useLocalDpi xmlns:a14="http://schemas.microsoft.com/office/drawing/2010/main" val="0"/>
+              </a:ext>
+            </a:extLst>
+          </a:blip>
+          <a:srcRect b="23320"/>
+          <a:stretch/>
+        </p:blipFill>
+        <p:spPr>
+          <a:xfrm>
+            <a:off x="8605878" y="6096000"/>
+            <a:ext cx="993734" cy="762000"/>
+          </a:xfrm>
+          <a:prstGeom prst="rect">
+            <a:avLst/>
+          </a:prstGeom>
+        </p:spPr>
+      </p:pic>
+      <p:sp>
+        <p:nvSpPr>
+          <p:cNvPr id="14" name="Rectangle 13"/>
+          <p:cNvSpPr/>
+          <p:nvPr/>
+        </p:nvSpPr>
+        <p:spPr>
+          <a:xfrm>
+            <a:off x="10437812" y="0"/>
+            <a:ext cx="685800" cy="1143000"/>
+          </a:xfrm>
+          <a:prstGeom prst="rect">
+            <a:avLst/>
+          </a:prstGeom>
+          <a:solidFill>
+            <a:schemeClr val="accent1"/>
+          </a:solidFill>
+          <a:ln>
+            <a:noFill/>
+          </a:ln>
+        </p:spPr>
+        <p:style>
+          <a:lnRef idx="1">
+            <a:schemeClr val="accent1"/>
+          </a:lnRef>
+          <a:fillRef idx="3">
+            <a:schemeClr val="accent1"/>
+          </a:fillRef>
+          <a:effectRef idx="2">
+            <a:schemeClr val="accent1"/>
+          </a:effectRef>
+          <a:fontRef idx="minor">
+            <a:schemeClr val="lt1"/>
+          </a:fontRef>
+        </p:style>
+      </p:sp>
+      <p:sp>
+        <p:nvSpPr>
+          <p:cNvPr id="2" name="Title Placeholder 1"/>
+          <p:cNvSpPr>
+            <a:spLocks noGrp="1"/>
+          </p:cNvSpPr>
+          <p:nvPr>
+            <p:ph type="title"/>
+          </p:nvPr>
+        </p:nvSpPr>
+        <p:spPr>
+          <a:xfrm>
+            <a:off x="646111" y="452718"/>
+            <a:ext cx="9404723" cy="1400530"/>
+          </a:xfrm>
+          <a:prstGeom prst="rect">
+            <a:avLst/>
+          </a:prstGeom>
+        </p:spPr>
+        <p:txBody>
+          <a:bodyPr vert="horz" lIns="91440" tIns="45720" rIns="91440" bIns="45720" rtlCol="0" anchor="t">
+            <a:noAutofit/>
+          </a:bodyPr>
+          <a:lstStyle/>
+          <a:p>
+            <a:r>
+              <a:rPr lang="en-US" smtClean="0"/>
+              <a:t>Click to edit Master title style</a:t>
+            </a:r>
+            <a:endParaRPr lang="en-US" dirty="0"/>
+          </a:p>
+        </p:txBody>
+      </p:sp>
+      <p:sp>
+        <p:nvSpPr>
+          <p:cNvPr id="3" name="Text Placeholder 2"/>
+          <p:cNvSpPr>
+            <a:spLocks noGrp="1"/>
+          </p:cNvSpPr>
+          <p:nvPr>
+            <p:ph type="body" idx="1"/>
+          </p:nvPr>
+        </p:nvSpPr>
+        <p:spPr>
+          <a:xfrm>
+            <a:off x="1103312" y="2052918"/>
+            <a:ext cx="8946541" cy="4195481"/>
+          </a:xfrm>
+          <a:prstGeom prst="rect">
+            <a:avLst/>
+          </a:prstGeom>
+        </p:spPr>
         <p:txBody>
           <a:bodyPr vert="horz" lIns="91440" tIns="45720" rIns="91440" bIns="45720" rtlCol="0">
             <a:normAutofit/>
@@ -2524,7 +5563,7 @@
               <a:rPr lang="en-US" smtClean="0"/>
               <a:t>Fifth level</a:t>
             </a:r>
-            <a:endParaRPr lang="en-US"/>
+            <a:endParaRPr lang="en-US" dirty="0"/>
           </a:p>
         </p:txBody>
       </p:sp>
@@ -2539,19 +5578,99 @@
           </p:nvPr>
         </p:nvSpPr>
         <p:spPr>
-          <a:xfrm>
-            <a:off x="838200" y="6356350"/>
-            <a:ext cx="2743200" cy="365125"/>
+          <a:xfrm rot="5400000">
+            <a:off x="10155639" y="1790701"/>
+            <a:ext cx="990599" cy="304799"/>
           </a:xfrm>
           <a:prstGeom prst="rect">
             <a:avLst/>
           </a:prstGeom>
         </p:spPr>
         <p:txBody>
-          <a:bodyPr vert="horz" lIns="91440" tIns="45720" rIns="91440" bIns="45720" rtlCol="0" anchor="ctr"/>
+          <a:bodyPr vert="horz" lIns="91440" tIns="45720" rIns="91440" bIns="45720" rtlCol="0" anchor="t"/>
           <a:lstStyle>
             <a:lvl1pPr algn="l">
-              <a:defRPr sz="1200">
+              <a:defRPr sz="1100" b="0" i="0">
+                <a:solidFill>
+                  <a:schemeClr val="tx1">
+                    <a:tint val="75000"/>
+                    <a:alpha val="60000"/>
+                  </a:schemeClr>
+                </a:solidFill>
+              </a:defRPr>
+            </a:lvl1pPr>
+          </a:lstStyle>
+          <a:p>
+            <a:fld id="{90786BE5-D2A3-4BF0-8B30-D7403E61B3DC}" type="datetimeFigureOut">
+              <a:rPr lang="en-US" smtClean="0"/>
+              <a:t>10/6/2025</a:t>
+            </a:fld>
+            <a:endParaRPr lang="en-US" dirty="0"/>
+          </a:p>
+        </p:txBody>
+      </p:sp>
+      <p:sp>
+        <p:nvSpPr>
+          <p:cNvPr id="5" name="Footer Placeholder 4"/>
+          <p:cNvSpPr>
+            <a:spLocks noGrp="1"/>
+          </p:cNvSpPr>
+          <p:nvPr>
+            <p:ph type="ftr" sz="quarter" idx="3"/>
+          </p:nvPr>
+        </p:nvSpPr>
+        <p:spPr>
+          <a:xfrm rot="5400000">
+            <a:off x="8951573" y="3225297"/>
+            <a:ext cx="3859795" cy="304801"/>
+          </a:xfrm>
+          <a:prstGeom prst="rect">
+            <a:avLst/>
+          </a:prstGeom>
+        </p:spPr>
+        <p:txBody>
+          <a:bodyPr vert="horz" lIns="91440" tIns="45720" rIns="91440" bIns="45720" rtlCol="0" anchor="b"/>
+          <a:lstStyle>
+            <a:lvl1pPr algn="l">
+              <a:defRPr sz="1100" b="0" i="0">
+                <a:solidFill>
+                  <a:schemeClr val="tx1">
+                    <a:tint val="75000"/>
+                    <a:alpha val="60000"/>
+                  </a:schemeClr>
+                </a:solidFill>
+              </a:defRPr>
+            </a:lvl1pPr>
+          </a:lstStyle>
+          <a:p>
+            <a:endParaRPr lang="en-US" dirty="0"/>
+          </a:p>
+        </p:txBody>
+      </p:sp>
+      <p:sp>
+        <p:nvSpPr>
+          <p:cNvPr id="6" name="Slide Number Placeholder 5"/>
+          <p:cNvSpPr>
+            <a:spLocks noGrp="1"/>
+          </p:cNvSpPr>
+          <p:nvPr>
+            <p:ph type="sldNum" sz="quarter" idx="4"/>
+          </p:nvPr>
+        </p:nvSpPr>
+        <p:spPr bwMode="gray">
+          <a:xfrm>
+            <a:off x="10352540" y="295729"/>
+            <a:ext cx="838199" cy="767687"/>
+          </a:xfrm>
+          <a:prstGeom prst="rect">
+            <a:avLst/>
+          </a:prstGeom>
+        </p:spPr>
+        <p:txBody>
+          <a:bodyPr vert="horz" lIns="91440" tIns="45720" rIns="91440" bIns="45720" rtlCol="0" anchor="b"/>
+          <a:lstStyle>
+            <a:lvl1pPr algn="ctr">
+              <a:defRPr sz="2800" b="0" i="0">
                 <a:solidFill>
                   <a:schemeClr val="tx1">
                     <a:tint val="75000"/>
@@ -2561,124 +5680,134 @@
             </a:lvl1pPr>
           </a:lstStyle>
           <a:p>
-            <a:fld id="{A5199A45-4C08-4491-922E-BBC5EF1C7C0C}" type="datetimeFigureOut">
-              <a:rPr lang="en-US" smtClean="0"/>
-              <a:t>9/30/2025</a:t>
-            </a:fld>
-            <a:endParaRPr lang="en-US"/>
-          </a:p>
-        </p:txBody>
-      </p:sp>
-      <p:sp>
-        <p:nvSpPr>
-          <p:cNvPr id="5" name="Footer Placeholder 4"/>
-          <p:cNvSpPr>
-            <a:spLocks noGrp="1"/>
-          </p:cNvSpPr>
-          <p:nvPr>
-            <p:ph type="ftr" sz="quarter" idx="3"/>
-          </p:nvPr>
-        </p:nvSpPr>
-        <p:spPr>
-          <a:xfrm>
-            <a:off x="4038600" y="6356350"/>
-            <a:ext cx="4114800" cy="365125"/>
-          </a:xfrm>
-          <a:prstGeom prst="rect">
-            <a:avLst/>
-          </a:prstGeom>
-        </p:spPr>
-        <p:txBody>
-          <a:bodyPr vert="horz" lIns="91440" tIns="45720" rIns="91440" bIns="45720" rtlCol="0" anchor="ctr"/>
-          <a:lstStyle>
-            <a:lvl1pPr algn="ctr">
-              <a:defRPr sz="1200">
-                <a:solidFill>
-                  <a:schemeClr val="tx1">
-                    <a:tint val="75000"/>
-                  </a:schemeClr>
-                </a:solidFill>
-              </a:defRPr>
-            </a:lvl1pPr>
-          </a:lstStyle>
-          <a:p>
-            <a:endParaRPr lang="en-US"/>
-          </a:p>
-        </p:txBody>
-      </p:sp>
-      <p:sp>
-        <p:nvSpPr>
-          <p:cNvPr id="6" name="Slide Number Placeholder 5"/>
-          <p:cNvSpPr>
-            <a:spLocks noGrp="1"/>
-          </p:cNvSpPr>
-          <p:nvPr>
-            <p:ph type="sldNum" sz="quarter" idx="4"/>
-          </p:nvPr>
-        </p:nvSpPr>
-        <p:spPr>
-          <a:xfrm>
-            <a:off x="8610600" y="6356350"/>
-            <a:ext cx="2743200" cy="365125"/>
-          </a:xfrm>
-          <a:prstGeom prst="rect">
-            <a:avLst/>
-          </a:prstGeom>
-        </p:spPr>
-        <p:txBody>
-          <a:bodyPr vert="horz" lIns="91440" tIns="45720" rIns="91440" bIns="45720" rtlCol="0" anchor="ctr"/>
-          <a:lstStyle>
-            <a:lvl1pPr algn="r">
-              <a:defRPr sz="1200">
-                <a:solidFill>
-                  <a:schemeClr val="tx1">
-                    <a:tint val="75000"/>
-                  </a:schemeClr>
-                </a:solidFill>
-              </a:defRPr>
-            </a:lvl1pPr>
-          </a:lstStyle>
-          <a:p>
-            <a:fld id="{4D64E8D7-F159-4D3C-8CE0-75BDEEB2B4E8}" type="slidenum">
-              <a:rPr lang="en-US" smtClean="0"/>
+            <a:fld id="{D57F1E4F-1CFF-5643-939E-217C01CDF565}" type="slidenum">
+              <a:rPr lang="en-US" smtClean="0"/>
+              <a:pPr/>
               <a:t>‹#›</a:t>
             </a:fld>
-            <a:endParaRPr lang="en-US"/>
+            <a:endParaRPr lang="en-US" dirty="0"/>
           </a:p>
         </p:txBody>
       </p:sp>
     </p:spTree>
     <p:extLst>
       <p:ext uri="{BB962C8B-B14F-4D97-AF65-F5344CB8AC3E}">
-        <p14:creationId xmlns:p14="http://schemas.microsoft.com/office/powerpoint/2010/main" val="2658243709"/>
+        <p14:creationId xmlns:p14="http://schemas.microsoft.com/office/powerpoint/2010/main" val="3797387021"/>
       </p:ext>
     </p:extLst>
   </p:cSld>
-  <p:clrMap bg1="lt1" tx1="dk1" bg2="lt2" tx2="dk2" accent1="accent1" accent2="accent2" accent3="accent3" accent4="accent4" accent5="accent5" accent6="accent6" hlink="hlink" folHlink="folHlink"/>
+  <p:clrMap bg1="dk1" tx1="lt1" bg2="dk2" tx2="lt2" accent1="accent1" accent2="accent2" accent3="accent3" accent4="accent4" accent5="accent5" accent6="accent6" hlink="hlink" folHlink="folHlink"/>
   <p:sldLayoutIdLst>
-    <p:sldLayoutId id="2147483649" r:id="rId1"/>
-    <p:sldLayoutId id="2147483650" r:id="rId2"/>
-    <p:sldLayoutId id="2147483651" r:id="rId3"/>
-    <p:sldLayoutId id="2147483652" r:id="rId4"/>
-    <p:sldLayoutId id="2147483653" r:id="rId5"/>
-    <p:sldLayoutId id="2147483654" r:id="rId6"/>
-    <p:sldLayoutId id="2147483655" r:id="rId7"/>
-    <p:sldLayoutId id="2147483656" r:id="rId8"/>
-    <p:sldLayoutId id="2147483657" r:id="rId9"/>
-    <p:sldLayoutId id="2147483658" r:id="rId10"/>
-    <p:sldLayoutId id="2147483659" r:id="rId11"/>
+    <p:sldLayoutId id="2147483672" r:id="rId1"/>
+    <p:sldLayoutId id="2147483673" r:id="rId2"/>
+    <p:sldLayoutId id="2147483674" r:id="rId3"/>
+    <p:sldLayoutId id="2147483675" r:id="rId4"/>
+    <p:sldLayoutId id="2147483676" r:id="rId5"/>
+    <p:sldLayoutId id="2147483677" r:id="rId6"/>
+    <p:sldLayoutId id="2147483678" r:id="rId7"/>
+    <p:sldLayoutId id="2147483679" r:id="rId8"/>
+    <p:sldLayoutId id="2147483680" r:id="rId9"/>
+    <p:sldLayoutId id="2147483681" r:id="rId10"/>
+    <p:sldLayoutId id="2147483682" r:id="rId11"/>
+    <p:sldLayoutId id="2147483683" r:id="rId12"/>
+    <p:sldLayoutId id="2147483684" r:id="rId13"/>
+    <p:sldLayoutId id="2147483685" r:id="rId14"/>
+    <p:sldLayoutId id="2147483686" r:id="rId15"/>
+    <p:sldLayoutId id="2147483687" r:id="rId16"/>
+    <p:sldLayoutId id="2147483688" r:id="rId17"/>
   </p:sldLayoutIdLst>
+  <p:hf sldNum="0" hdr="0" ftr="0" dt="0"/>
   <p:txStyles>
     <p:titleStyle>
-      <a:lvl1pPr algn="l" defTabSz="914400" rtl="0" eaLnBrk="1" latinLnBrk="0" hangingPunct="1">
-        <a:lnSpc>
-          <a:spcPct val="90000"/>
-        </a:lnSpc>
+      <a:lvl1pPr algn="l" defTabSz="457200" rtl="0" eaLnBrk="1" latinLnBrk="0" hangingPunct="1">
         <a:spcBef>
           <a:spcPct val="0"/>
         </a:spcBef>
         <a:buNone/>
-        <a:defRPr sz="4400" kern="1200">
+        <a:defRPr sz="4200" b="0" i="0" kern="1200">
+          <a:solidFill>
+            <a:schemeClr val="tx2"/>
+          </a:solidFill>
+          <a:latin typeface="+mj-lt"/>
+          <a:ea typeface="+mj-ea"/>
+          <a:cs typeface="+mj-cs"/>
+        </a:defRPr>
+      </a:lvl1pPr>
+      <a:lvl2pPr eaLnBrk="1" hangingPunct="1">
+        <a:defRPr>
+          <a:solidFill>
+            <a:schemeClr val="tx2"/>
+          </a:solidFill>
+        </a:defRPr>
+      </a:lvl2pPr>
+      <a:lvl3pPr eaLnBrk="1" hangingPunct="1">
+        <a:defRPr>
+          <a:solidFill>
+            <a:schemeClr val="tx2"/>
+          </a:solidFill>
+        </a:defRPr>
+      </a:lvl3pPr>
+      <a:lvl4pPr eaLnBrk="1" hangingPunct="1">
+        <a:defRPr>
+          <a:solidFill>
+            <a:schemeClr val="tx2"/>
+          </a:solidFill>
+        </a:defRPr>
+      </a:lvl4pPr>
+      <a:lvl5pPr eaLnBrk="1" hangingPunct="1">
+        <a:defRPr>
+          <a:solidFill>
+            <a:schemeClr val="tx2"/>
+          </a:solidFill>
+        </a:defRPr>
+      </a:lvl5pPr>
+      <a:lvl6pPr eaLnBrk="1" hangingPunct="1">
+        <a:defRPr>
+          <a:solidFill>
+            <a:schemeClr val="tx2"/>
+          </a:solidFill>
+        </a:defRPr>
+      </a:lvl6pPr>
+      <a:lvl7pPr eaLnBrk="1" hangingPunct="1">
+        <a:defRPr>
+          <a:solidFill>
+            <a:schemeClr val="tx2"/>
+          </a:solidFill>
+        </a:defRPr>
+      </a:lvl7pPr>
+      <a:lvl8pPr eaLnBrk="1" hangingPunct="1">
+        <a:defRPr>
+          <a:solidFill>
+            <a:schemeClr val="tx2"/>
+          </a:solidFill>
+        </a:defRPr>
+      </a:lvl8pPr>
+      <a:lvl9pPr eaLnBrk="1" hangingPunct="1">
+        <a:defRPr>
+          <a:solidFill>
+            <a:schemeClr val="tx2"/>
+          </a:solidFill>
+        </a:defRPr>
+      </a:lvl9pPr>
+    </p:titleStyle>
+    <p:bodyStyle>
+      <a:lvl1pPr marL="342900" indent="-342900" algn="l" defTabSz="457200" rtl="0" eaLnBrk="1" latinLnBrk="0" hangingPunct="1">
+        <a:spcBef>
+          <a:spcPts val="1000"/>
+        </a:spcBef>
+        <a:spcAft>
+          <a:spcPts val="0"/>
+        </a:spcAft>
+        <a:buClr>
+          <a:schemeClr val="bg2">
+            <a:lumMod val="40000"/>
+            <a:lumOff val="60000"/>
+          </a:schemeClr>
+        </a:buClr>
+        <a:buSzPct val="80000"/>
+        <a:buFont typeface="Wingdings 3" charset="2"/>
+        <a:buChar char=""/>
+        <a:defRPr sz="2000" b="0" i="0" kern="1200">
           <a:solidFill>
             <a:schemeClr val="tx1"/>
           </a:solidFill>
@@ -2687,18 +5816,213 @@
           <a:cs typeface="+mj-cs"/>
         </a:defRPr>
       </a:lvl1pPr>
-    </p:titleStyle>
-    <p:bodyStyle>
-      <a:lvl1pPr marL="228600" indent="-228600" algn="l" defTabSz="914400" rtl="0" eaLnBrk="1" latinLnBrk="0" hangingPunct="1">
-        <a:lnSpc>
-          <a:spcPct val="90000"/>
-        </a:lnSpc>
+      <a:lvl2pPr marL="742950" indent="-285750" algn="l" defTabSz="457200" rtl="0" eaLnBrk="1" latinLnBrk="0" hangingPunct="1">
         <a:spcBef>
           <a:spcPts val="1000"/>
         </a:spcBef>
-        <a:buFont typeface="Arial" panose="020B0604020202020204" pitchFamily="34" charset="0"/>
-        <a:buChar char="•"/>
-        <a:defRPr sz="2800" kern="1200">
+        <a:spcAft>
+          <a:spcPts val="0"/>
+        </a:spcAft>
+        <a:buClr>
+          <a:schemeClr val="bg2">
+            <a:lumMod val="40000"/>
+            <a:lumOff val="60000"/>
+          </a:schemeClr>
+        </a:buClr>
+        <a:buSzPct val="80000"/>
+        <a:buFont typeface="Wingdings 3" charset="2"/>
+        <a:buChar char=""/>
+        <a:defRPr sz="1800" b="0" i="0" kern="1200">
+          <a:solidFill>
+            <a:schemeClr val="tx1"/>
+          </a:solidFill>
+          <a:latin typeface="+mj-lt"/>
+          <a:ea typeface="+mj-ea"/>
+          <a:cs typeface="+mj-cs"/>
+        </a:defRPr>
+      </a:lvl2pPr>
+      <a:lvl3pPr marL="1143000" indent="-228600" algn="l" defTabSz="457200" rtl="0" eaLnBrk="1" latinLnBrk="0" hangingPunct="1">
+        <a:spcBef>
+          <a:spcPts val="1000"/>
+        </a:spcBef>
+        <a:spcAft>
+          <a:spcPts val="0"/>
+        </a:spcAft>
+        <a:buClr>
+          <a:schemeClr val="bg2">
+            <a:lumMod val="40000"/>
+            <a:lumOff val="60000"/>
+          </a:schemeClr>
+        </a:buClr>
+        <a:buSzPct val="80000"/>
+        <a:buFont typeface="Wingdings 3" charset="2"/>
+        <a:buChar char=""/>
+        <a:defRPr sz="1600" b="0" i="0" kern="1200">
+          <a:solidFill>
+            <a:schemeClr val="tx1"/>
+          </a:solidFill>
+          <a:latin typeface="+mj-lt"/>
+          <a:ea typeface="+mj-ea"/>
+          <a:cs typeface="+mj-cs"/>
+        </a:defRPr>
+      </a:lvl3pPr>
+      <a:lvl4pPr marL="1600200" indent="-228600" algn="l" defTabSz="457200" rtl="0" eaLnBrk="1" latinLnBrk="0" hangingPunct="1">
+        <a:spcBef>
+          <a:spcPts val="1000"/>
+        </a:spcBef>
+        <a:spcAft>
+          <a:spcPts val="0"/>
+        </a:spcAft>
+        <a:buClr>
+          <a:schemeClr val="bg2">
+            <a:lumMod val="40000"/>
+            <a:lumOff val="60000"/>
+          </a:schemeClr>
+        </a:buClr>
+        <a:buSzPct val="80000"/>
+        <a:buFont typeface="Wingdings 3" charset="2"/>
+        <a:buChar char=""/>
+        <a:defRPr sz="1400" b="0" i="0" kern="1200">
+          <a:solidFill>
+            <a:schemeClr val="tx1"/>
+          </a:solidFill>
+          <a:latin typeface="+mj-lt"/>
+          <a:ea typeface="+mj-ea"/>
+          <a:cs typeface="+mj-cs"/>
+        </a:defRPr>
+      </a:lvl4pPr>
+      <a:lvl5pPr marL="2057400" indent="-228600" algn="l" defTabSz="457200" rtl="0" eaLnBrk="1" latinLnBrk="0" hangingPunct="1">
+        <a:spcBef>
+          <a:spcPts val="1000"/>
+        </a:spcBef>
+        <a:spcAft>
+          <a:spcPts val="0"/>
+        </a:spcAft>
+        <a:buClr>
+          <a:schemeClr val="bg2">
+            <a:lumMod val="40000"/>
+            <a:lumOff val="60000"/>
+          </a:schemeClr>
+        </a:buClr>
+        <a:buSzPct val="80000"/>
+        <a:buFont typeface="Wingdings 3" charset="2"/>
+        <a:buChar char=""/>
+        <a:defRPr sz="1400" b="0" i="0" kern="1200">
+          <a:solidFill>
+            <a:schemeClr val="tx1"/>
+          </a:solidFill>
+          <a:latin typeface="+mj-lt"/>
+          <a:ea typeface="+mj-ea"/>
+          <a:cs typeface="+mj-cs"/>
+        </a:defRPr>
+      </a:lvl5pPr>
+      <a:lvl6pPr marL="2506000" indent="-228600" algn="l" defTabSz="457200" rtl="0" eaLnBrk="1" latinLnBrk="0" hangingPunct="1">
+        <a:spcBef>
+          <a:spcPts val="1000"/>
+        </a:spcBef>
+        <a:spcAft>
+          <a:spcPts val="0"/>
+        </a:spcAft>
+        <a:buClr>
+          <a:schemeClr val="bg2">
+            <a:lumMod val="40000"/>
+            <a:lumOff val="60000"/>
+          </a:schemeClr>
+        </a:buClr>
+        <a:buSzPct val="80000"/>
+        <a:buFont typeface="Wingdings 3" charset="2"/>
+        <a:buChar char=""/>
+        <a:defRPr sz="1400" b="0" i="0" kern="1200">
+          <a:solidFill>
+            <a:schemeClr val="tx1"/>
+          </a:solidFill>
+          <a:latin typeface="+mj-lt"/>
+          <a:ea typeface="+mj-ea"/>
+          <a:cs typeface="+mj-cs"/>
+        </a:defRPr>
+      </a:lvl6pPr>
+      <a:lvl7pPr marL="2971800" indent="-228600" algn="l" defTabSz="457200" rtl="0" eaLnBrk="1" latinLnBrk="0" hangingPunct="1">
+        <a:spcBef>
+          <a:spcPts val="1000"/>
+        </a:spcBef>
+        <a:spcAft>
+          <a:spcPts val="0"/>
+        </a:spcAft>
+        <a:buClr>
+          <a:schemeClr val="bg2">
+            <a:lumMod val="40000"/>
+            <a:lumOff val="60000"/>
+          </a:schemeClr>
+        </a:buClr>
+        <a:buSzPct val="80000"/>
+        <a:buFont typeface="Wingdings 3" charset="2"/>
+        <a:buChar char=""/>
+        <a:defRPr sz="1400" b="0" i="0" kern="1200">
+          <a:solidFill>
+            <a:schemeClr val="tx1"/>
+          </a:solidFill>
+          <a:latin typeface="+mj-lt"/>
+          <a:ea typeface="+mj-ea"/>
+          <a:cs typeface="+mj-cs"/>
+        </a:defRPr>
+      </a:lvl7pPr>
+      <a:lvl8pPr marL="3429000" indent="-228600" algn="l" defTabSz="457200" rtl="0" eaLnBrk="1" latinLnBrk="0" hangingPunct="1">
+        <a:spcBef>
+          <a:spcPts val="1000"/>
+        </a:spcBef>
+        <a:spcAft>
+          <a:spcPts val="0"/>
+        </a:spcAft>
+        <a:buClr>
+          <a:schemeClr val="bg2">
+            <a:lumMod val="40000"/>
+            <a:lumOff val="60000"/>
+          </a:schemeClr>
+        </a:buClr>
+        <a:buSzPct val="80000"/>
+        <a:buFont typeface="Wingdings 3" charset="2"/>
+        <a:buChar char=""/>
+        <a:defRPr sz="1400" b="0" i="0" kern="1200">
+          <a:solidFill>
+            <a:schemeClr val="tx1"/>
+          </a:solidFill>
+          <a:latin typeface="+mj-lt"/>
+          <a:ea typeface="+mj-ea"/>
+          <a:cs typeface="+mj-cs"/>
+        </a:defRPr>
+      </a:lvl8pPr>
+      <a:lvl9pPr marL="3886200" indent="-228600" algn="l" defTabSz="457200" rtl="0" eaLnBrk="1" latinLnBrk="0" hangingPunct="1">
+        <a:spcBef>
+          <a:spcPts val="1000"/>
+        </a:spcBef>
+        <a:spcAft>
+          <a:spcPts val="0"/>
+        </a:spcAft>
+        <a:buClr>
+          <a:schemeClr val="bg2">
+            <a:lumMod val="40000"/>
+            <a:lumOff val="60000"/>
+          </a:schemeClr>
+        </a:buClr>
+        <a:buSzPct val="80000"/>
+        <a:buFont typeface="Wingdings 3" charset="2"/>
+        <a:buChar char=""/>
+        <a:defRPr sz="1400" b="0" i="0" kern="1200">
+          <a:solidFill>
+            <a:schemeClr val="tx1"/>
+          </a:solidFill>
+          <a:latin typeface="+mj-lt"/>
+          <a:ea typeface="+mj-ea"/>
+          <a:cs typeface="+mj-cs"/>
+        </a:defRPr>
+      </a:lvl9pPr>
+    </p:bodyStyle>
+    <p:otherStyle>
+      <a:defPPr>
+        <a:defRPr lang="en-US"/>
+      </a:defPPr>
+      <a:lvl1pPr marL="0" algn="l" defTabSz="457200" rtl="0" eaLnBrk="1" latinLnBrk="0" hangingPunct="1">
+        <a:defRPr sz="1800" kern="1200">
           <a:solidFill>
             <a:schemeClr val="tx1"/>
           </a:solidFill>
@@ -2707,16 +6031,8 @@
           <a:cs typeface="+mn-cs"/>
         </a:defRPr>
       </a:lvl1pPr>
-      <a:lvl2pPr marL="685800" indent="-228600" algn="l" defTabSz="914400" rtl="0" eaLnBrk="1" latinLnBrk="0" hangingPunct="1">
-        <a:lnSpc>
-          <a:spcPct val="90000"/>
-        </a:lnSpc>
-        <a:spcBef>
-          <a:spcPts val="500"/>
-        </a:spcBef>
-        <a:buFont typeface="Arial" panose="020B0604020202020204" pitchFamily="34" charset="0"/>
-        <a:buChar char="•"/>
-        <a:defRPr sz="2400" kern="1200">
+      <a:lvl2pPr marL="457200" algn="l" defTabSz="457200" rtl="0" eaLnBrk="1" latinLnBrk="0" hangingPunct="1">
+        <a:defRPr sz="1800" kern="1200">
           <a:solidFill>
             <a:schemeClr val="tx1"/>
           </a:solidFill>
@@ -2725,16 +6041,8 @@
           <a:cs typeface="+mn-cs"/>
         </a:defRPr>
       </a:lvl2pPr>
-      <a:lvl3pPr marL="1143000" indent="-228600" algn="l" defTabSz="914400" rtl="0" eaLnBrk="1" latinLnBrk="0" hangingPunct="1">
-        <a:lnSpc>
-          <a:spcPct val="90000"/>
-        </a:lnSpc>
-        <a:spcBef>
-          <a:spcPts val="500"/>
-        </a:spcBef>
-        <a:buFont typeface="Arial" panose="020B0604020202020204" pitchFamily="34" charset="0"/>
-        <a:buChar char="•"/>
-        <a:defRPr sz="2000" kern="1200">
+      <a:lvl3pPr marL="914400" algn="l" defTabSz="457200" rtl="0" eaLnBrk="1" latinLnBrk="0" hangingPunct="1">
+        <a:defRPr sz="1800" kern="1200">
           <a:solidFill>
             <a:schemeClr val="tx1"/>
           </a:solidFill>
@@ -2743,15 +6051,7 @@
           <a:cs typeface="+mn-cs"/>
         </a:defRPr>
       </a:lvl3pPr>
-      <a:lvl4pPr marL="1600200" indent="-228600" algn="l" defTabSz="914400" rtl="0" eaLnBrk="1" latinLnBrk="0" hangingPunct="1">
-        <a:lnSpc>
-          <a:spcPct val="90000"/>
-        </a:lnSpc>
-        <a:spcBef>
-          <a:spcPts val="500"/>
-        </a:spcBef>
-        <a:buFont typeface="Arial" panose="020B0604020202020204" pitchFamily="34" charset="0"/>
-        <a:buChar char="•"/>
+      <a:lvl4pPr marL="1371600" algn="l" defTabSz="457200" rtl="0" eaLnBrk="1" latinLnBrk="0" hangingPunct="1">
         <a:defRPr sz="1800" kern="1200">
           <a:solidFill>
             <a:schemeClr val="tx1"/>
@@ -2761,15 +6061,7 @@
           <a:cs typeface="+mn-cs"/>
         </a:defRPr>
       </a:lvl4pPr>
-      <a:lvl5pPr marL="2057400" indent="-228600" algn="l" defTabSz="914400" rtl="0" eaLnBrk="1" latinLnBrk="0" hangingPunct="1">
-        <a:lnSpc>
-          <a:spcPct val="90000"/>
-        </a:lnSpc>
-        <a:spcBef>
-          <a:spcPts val="500"/>
-        </a:spcBef>
-        <a:buFont typeface="Arial" panose="020B0604020202020204" pitchFamily="34" charset="0"/>
-        <a:buChar char="•"/>
+      <a:lvl5pPr marL="1828800" algn="l" defTabSz="457200" rtl="0" eaLnBrk="1" latinLnBrk="0" hangingPunct="1">
         <a:defRPr sz="1800" kern="1200">
           <a:solidFill>
             <a:schemeClr val="tx1"/>
@@ -2779,15 +6071,7 @@
           <a:cs typeface="+mn-cs"/>
         </a:defRPr>
       </a:lvl5pPr>
-      <a:lvl6pPr marL="2514600" indent="-228600" algn="l" defTabSz="914400" rtl="0" eaLnBrk="1" latinLnBrk="0" hangingPunct="1">
-        <a:lnSpc>
-          <a:spcPct val="90000"/>
-        </a:lnSpc>
-        <a:spcBef>
-          <a:spcPts val="500"/>
-        </a:spcBef>
-        <a:buFont typeface="Arial" panose="020B0604020202020204" pitchFamily="34" charset="0"/>
-        <a:buChar char="•"/>
+      <a:lvl6pPr marL="2286000" algn="l" defTabSz="457200" rtl="0" eaLnBrk="1" latinLnBrk="0" hangingPunct="1">
         <a:defRPr sz="1800" kern="1200">
           <a:solidFill>
             <a:schemeClr val="tx1"/>
@@ -2797,15 +6081,7 @@
           <a:cs typeface="+mn-cs"/>
         </a:defRPr>
       </a:lvl6pPr>
-      <a:lvl7pPr marL="2971800" indent="-228600" algn="l" defTabSz="914400" rtl="0" eaLnBrk="1" latinLnBrk="0" hangingPunct="1">
-        <a:lnSpc>
-          <a:spcPct val="90000"/>
-        </a:lnSpc>
-        <a:spcBef>
-          <a:spcPts val="500"/>
-        </a:spcBef>
-        <a:buFont typeface="Arial" panose="020B0604020202020204" pitchFamily="34" charset="0"/>
-        <a:buChar char="•"/>
+      <a:lvl7pPr marL="2743200" algn="l" defTabSz="457200" rtl="0" eaLnBrk="1" latinLnBrk="0" hangingPunct="1">
         <a:defRPr sz="1800" kern="1200">
           <a:solidFill>
             <a:schemeClr val="tx1"/>
@@ -2815,15 +6091,7 @@
           <a:cs typeface="+mn-cs"/>
         </a:defRPr>
       </a:lvl7pPr>
-      <a:lvl8pPr marL="3429000" indent="-228600" algn="l" defTabSz="914400" rtl="0" eaLnBrk="1" latinLnBrk="0" hangingPunct="1">
-        <a:lnSpc>
-          <a:spcPct val="90000"/>
-        </a:lnSpc>
-        <a:spcBef>
-          <a:spcPts val="500"/>
-        </a:spcBef>
-        <a:buFont typeface="Arial" panose="020B0604020202020204" pitchFamily="34" charset="0"/>
-        <a:buChar char="•"/>
+      <a:lvl8pPr marL="3200400" algn="l" defTabSz="457200" rtl="0" eaLnBrk="1" latinLnBrk="0" hangingPunct="1">
         <a:defRPr sz="1800" kern="1200">
           <a:solidFill>
             <a:schemeClr val="tx1"/>
@@ -2833,110 +6101,7 @@
           <a:cs typeface="+mn-cs"/>
         </a:defRPr>
       </a:lvl8pPr>
-      <a:lvl9pPr marL="3886200" indent="-228600" algn="l" defTabSz="914400" rtl="0" eaLnBrk="1" latinLnBrk="0" hangingPunct="1">
-        <a:lnSpc>
-          <a:spcPct val="90000"/>
-        </a:lnSpc>
-        <a:spcBef>
-          <a:spcPts val="500"/>
-        </a:spcBef>
-        <a:buFont typeface="Arial" panose="020B0604020202020204" pitchFamily="34" charset="0"/>
-        <a:buChar char="•"/>
-        <a:defRPr sz="1800" kern="1200">
-          <a:solidFill>
-            <a:schemeClr val="tx1"/>
-          </a:solidFill>
-          <a:latin typeface="+mn-lt"/>
-          <a:ea typeface="+mn-ea"/>
-          <a:cs typeface="+mn-cs"/>
-        </a:defRPr>
-      </a:lvl9pPr>
-    </p:bodyStyle>
-    <p:otherStyle>
-      <a:defPPr>
-        <a:defRPr lang="en-US"/>
-      </a:defPPr>
-      <a:lvl1pPr marL="0" algn="l" defTabSz="914400" rtl="0" eaLnBrk="1" latinLnBrk="0" hangingPunct="1">
-        <a:defRPr sz="1800" kern="1200">
-          <a:solidFill>
-            <a:schemeClr val="tx1"/>
-          </a:solidFill>
-          <a:latin typeface="+mn-lt"/>
-          <a:ea typeface="+mn-ea"/>
-          <a:cs typeface="+mn-cs"/>
-        </a:defRPr>
-      </a:lvl1pPr>
-      <a:lvl2pPr marL="457200" algn="l" defTabSz="914400" rtl="0" eaLnBrk="1" latinLnBrk="0" hangingPunct="1">
-        <a:defRPr sz="1800" kern="1200">
-          <a:solidFill>
-            <a:schemeClr val="tx1"/>
-          </a:solidFill>
-          <a:latin typeface="+mn-lt"/>
-          <a:ea typeface="+mn-ea"/>
-          <a:cs typeface="+mn-cs"/>
-        </a:defRPr>
-      </a:lvl2pPr>
-      <a:lvl3pPr marL="914400" algn="l" defTabSz="914400" rtl="0" eaLnBrk="1" latinLnBrk="0" hangingPunct="1">
-        <a:defRPr sz="1800" kern="1200">
-          <a:solidFill>
-            <a:schemeClr val="tx1"/>
-          </a:solidFill>
-          <a:latin typeface="+mn-lt"/>
-          <a:ea typeface="+mn-ea"/>
-          <a:cs typeface="+mn-cs"/>
-        </a:defRPr>
-      </a:lvl3pPr>
-      <a:lvl4pPr marL="1371600" algn="l" defTabSz="914400" rtl="0" eaLnBrk="1" latinLnBrk="0" hangingPunct="1">
-        <a:defRPr sz="1800" kern="1200">
-          <a:solidFill>
-            <a:schemeClr val="tx1"/>
-          </a:solidFill>
-          <a:latin typeface="+mn-lt"/>
-          <a:ea typeface="+mn-ea"/>
-          <a:cs typeface="+mn-cs"/>
-        </a:defRPr>
-      </a:lvl4pPr>
-      <a:lvl5pPr marL="1828800" algn="l" defTabSz="914400" rtl="0" eaLnBrk="1" latinLnBrk="0" hangingPunct="1">
-        <a:defRPr sz="1800" kern="1200">
-          <a:solidFill>
-            <a:schemeClr val="tx1"/>
-          </a:solidFill>
-          <a:latin typeface="+mn-lt"/>
-          <a:ea typeface="+mn-ea"/>
-          <a:cs typeface="+mn-cs"/>
-        </a:defRPr>
-      </a:lvl5pPr>
-      <a:lvl6pPr marL="2286000" algn="l" defTabSz="914400" rtl="0" eaLnBrk="1" latinLnBrk="0" hangingPunct="1">
-        <a:defRPr sz="1800" kern="1200">
-          <a:solidFill>
-            <a:schemeClr val="tx1"/>
-          </a:solidFill>
-          <a:latin typeface="+mn-lt"/>
-          <a:ea typeface="+mn-ea"/>
-          <a:cs typeface="+mn-cs"/>
-        </a:defRPr>
-      </a:lvl6pPr>
-      <a:lvl7pPr marL="2743200" algn="l" defTabSz="914400" rtl="0" eaLnBrk="1" latinLnBrk="0" hangingPunct="1">
-        <a:defRPr sz="1800" kern="1200">
-          <a:solidFill>
-            <a:schemeClr val="tx1"/>
-          </a:solidFill>
-          <a:latin typeface="+mn-lt"/>
-          <a:ea typeface="+mn-ea"/>
-          <a:cs typeface="+mn-cs"/>
-        </a:defRPr>
-      </a:lvl7pPr>
-      <a:lvl8pPr marL="3200400" algn="l" defTabSz="914400" rtl="0" eaLnBrk="1" latinLnBrk="0" hangingPunct="1">
-        <a:defRPr sz="1800" kern="1200">
-          <a:solidFill>
-            <a:schemeClr val="tx1"/>
-          </a:solidFill>
-          <a:latin typeface="+mn-lt"/>
-          <a:ea typeface="+mn-ea"/>
-          <a:cs typeface="+mn-cs"/>
-        </a:defRPr>
-      </a:lvl8pPr>
-      <a:lvl9pPr marL="3657600" algn="l" defTabSz="914400" rtl="0" eaLnBrk="1" latinLnBrk="0" hangingPunct="1">
+      <a:lvl9pPr marL="3657600" algn="l" defTabSz="457200" rtl="0" eaLnBrk="1" latinLnBrk="0" hangingPunct="1">
         <a:defRPr sz="1800" kern="1200">
           <a:solidFill>
             <a:schemeClr val="tx1"/>
@@ -2984,16 +6149,10 @@
           <a:lstStyle/>
           <a:p>
             <a:r>
-              <a:rPr lang="en-US" b="1" dirty="0" smtClean="0">
-                <a:latin typeface="Times New Roman" panose="02020603050405020304" pitchFamily="18" charset="0"/>
-                <a:cs typeface="Times New Roman" panose="02020603050405020304" pitchFamily="18" charset="0"/>
-              </a:rPr>
+              <a:rPr lang="en-US" b="1" dirty="0" smtClean="0"/>
               <a:t>Aviation Safety Analysis</a:t>
             </a:r>
-            <a:endParaRPr lang="en-US" b="1" dirty="0">
-              <a:latin typeface="Times New Roman" panose="02020603050405020304" pitchFamily="18" charset="0"/>
-              <a:cs typeface="Times New Roman" panose="02020603050405020304" pitchFamily="18" charset="0"/>
-            </a:endParaRPr>
+            <a:endParaRPr lang="en-US" b="1" dirty="0"/>
           </a:p>
         </p:txBody>
       </p:sp>
@@ -3012,14 +6171,391 @@
           <a:bodyPr/>
           <a:lstStyle/>
           <a:p>
-            <a:endParaRPr lang="en-US" dirty="0"/>
+            <a:r>
+              <a:rPr lang="en-US" b="1" dirty="0" smtClean="0"/>
+              <a:t>Dean Muimi Mutie</a:t>
+            </a:r>
+          </a:p>
+          <a:p>
+            <a:r>
+              <a:rPr lang="en-US" b="1" dirty="0" smtClean="0"/>
+              <a:t>October 3rd 2024</a:t>
+            </a:r>
+          </a:p>
+          <a:p>
+            <a:endParaRPr lang="en-US" b="1" dirty="0"/>
           </a:p>
         </p:txBody>
       </p:sp>
     </p:spTree>
     <p:extLst>
       <p:ext uri="{BB962C8B-B14F-4D97-AF65-F5344CB8AC3E}">
-        <p14:creationId xmlns:p14="http://schemas.microsoft.com/office/powerpoint/2010/main" val="163909603"/>
+        <p14:creationId xmlns:p14="http://schemas.microsoft.com/office/powerpoint/2010/main" val="2850719859"/>
+      </p:ext>
+    </p:extLst>
+  </p:cSld>
+  <p:clrMapOvr>
+    <a:masterClrMapping/>
+  </p:clrMapOvr>
+</p:sld>
+</file>
+
+<file path=ppt/slides/slide10.xml><?xml version="1.0" encoding="utf-8"?>
+<p:sld xmlns:a="http://schemas.openxmlformats.org/drawingml/2006/main" xmlns:r="http://schemas.openxmlformats.org/officeDocument/2006/relationships" xmlns:p="http://schemas.openxmlformats.org/presentationml/2006/main">
+  <p:cSld>
+    <p:spTree>
+      <p:nvGrpSpPr>
+        <p:cNvPr id="1" name=""/>
+        <p:cNvGrpSpPr/>
+        <p:nvPr/>
+      </p:nvGrpSpPr>
+      <p:grpSpPr>
+        <a:xfrm>
+          <a:off x="0" y="0"/>
+          <a:ext cx="0" cy="0"/>
+          <a:chOff x="0" y="0"/>
+          <a:chExt cx="0" cy="0"/>
+        </a:xfrm>
+      </p:grpSpPr>
+      <p:sp>
+        <p:nvSpPr>
+          <p:cNvPr id="3" name="Content Placeholder 2"/>
+          <p:cNvSpPr>
+            <a:spLocks noGrp="1"/>
+          </p:cNvSpPr>
+          <p:nvPr>
+            <p:ph idx="1"/>
+          </p:nvPr>
+        </p:nvSpPr>
+        <p:spPr>
+          <a:xfrm>
+            <a:off x="698500" y="2095500"/>
+            <a:ext cx="10566400" cy="4394200"/>
+          </a:xfrm>
+        </p:spPr>
+        <p:txBody>
+          <a:bodyPr>
+            <a:normAutofit lnSpcReduction="10000"/>
+          </a:bodyPr>
+          <a:lstStyle/>
+          <a:p>
+            <a:pPr marL="0" indent="0">
+              <a:buNone/>
+            </a:pPr>
+            <a:r>
+              <a:rPr lang="en-US" dirty="0"/>
+              <a:t>The analysis reveals distinct variations in aircraft safety across different manufacturers and models. The observation shows that the top 10 safest aircraft models with the lowest accident counts include the Piper PA-28R-201T, Aero Commander 690, Grumman American AA-1A, Piper </a:t>
+            </a:r>
+            <a:r>
+              <a:rPr lang="en-US" dirty="0" smtClean="0"/>
+              <a:t>PA-60 </a:t>
+            </a:r>
+            <a:r>
+              <a:rPr lang="en-US" dirty="0"/>
+              <a:t>and Cessna 401B. From the injury comparison across the years, it is evident that although some accidents resulted in minor injuries, most were fatal. In the late 1990s, fatal injuries were significantly higher, but the trend has gradually declined over the years due to the implementation of modern aviation safety policies. Based on the accident-by-phase-of-flight visualization, most accidents occurred during the landing phase, followed by takeoff. Overall, Cessna and Piper recorded the highest number of reported accidents mainly due to their wide use in general aviation, while Boeing, </a:t>
+            </a:r>
+            <a:r>
+              <a:rPr lang="en-US" dirty="0" smtClean="0"/>
+              <a:t>Beech </a:t>
+            </a:r>
+            <a:r>
+              <a:rPr lang="en-US" dirty="0"/>
+              <a:t>and Bell showed lower accident frequencies, reflecting stronger safety standards. Continuous monitoring, strict </a:t>
+            </a:r>
+            <a:r>
+              <a:rPr lang="en-US" dirty="0" smtClean="0"/>
+              <a:t>maintenance </a:t>
+            </a:r>
+            <a:r>
+              <a:rPr lang="en-US" dirty="0"/>
+              <a:t>and data-driven safety measures remain essential to further reducing the likelihood and severity of aviation accidents.</a:t>
+            </a:r>
+          </a:p>
+        </p:txBody>
+      </p:sp>
+      <p:sp>
+        <p:nvSpPr>
+          <p:cNvPr id="4" name="Text Placeholder 3"/>
+          <p:cNvSpPr>
+            <a:spLocks noGrp="1"/>
+          </p:cNvSpPr>
+          <p:nvPr>
+            <p:ph type="body" sz="half" idx="2"/>
+          </p:nvPr>
+        </p:nvSpPr>
+        <p:spPr>
+          <a:xfrm>
+            <a:off x="698500" y="317501"/>
+            <a:ext cx="9169401" cy="1231899"/>
+          </a:xfrm>
+        </p:spPr>
+        <p:txBody>
+          <a:bodyPr>
+            <a:normAutofit/>
+          </a:bodyPr>
+          <a:lstStyle/>
+          <a:p>
+            <a:r>
+              <a:rPr lang="en-US" sz="4000" b="1" dirty="0" smtClean="0"/>
+              <a:t>Conclusion</a:t>
+            </a:r>
+            <a:endParaRPr lang="en-US" sz="4000" b="1" dirty="0"/>
+          </a:p>
+        </p:txBody>
+      </p:sp>
+    </p:spTree>
+    <p:extLst>
+      <p:ext uri="{BB962C8B-B14F-4D97-AF65-F5344CB8AC3E}">
+        <p14:creationId xmlns:p14="http://schemas.microsoft.com/office/powerpoint/2010/main" val="1715311682"/>
+      </p:ext>
+    </p:extLst>
+  </p:cSld>
+  <p:clrMapOvr>
+    <a:masterClrMapping/>
+  </p:clrMapOvr>
+</p:sld>
+</file>
+
+<file path=ppt/slides/slide11.xml><?xml version="1.0" encoding="utf-8"?>
+<p:sld xmlns:a="http://schemas.openxmlformats.org/drawingml/2006/main" xmlns:r="http://schemas.openxmlformats.org/officeDocument/2006/relationships" xmlns:p="http://schemas.openxmlformats.org/presentationml/2006/main">
+  <p:cSld>
+    <p:spTree>
+      <p:nvGrpSpPr>
+        <p:cNvPr id="1" name=""/>
+        <p:cNvGrpSpPr/>
+        <p:nvPr/>
+      </p:nvGrpSpPr>
+      <p:grpSpPr>
+        <a:xfrm>
+          <a:off x="0" y="0"/>
+          <a:ext cx="0" cy="0"/>
+          <a:chOff x="0" y="0"/>
+          <a:chExt cx="0" cy="0"/>
+        </a:xfrm>
+      </p:grpSpPr>
+      <p:sp>
+        <p:nvSpPr>
+          <p:cNvPr id="5" name="Title 4"/>
+          <p:cNvSpPr>
+            <a:spLocks noGrp="1"/>
+          </p:cNvSpPr>
+          <p:nvPr>
+            <p:ph type="title"/>
+          </p:nvPr>
+        </p:nvSpPr>
+        <p:spPr/>
+        <p:txBody>
+          <a:bodyPr/>
+          <a:lstStyle/>
+          <a:p>
+            <a:r>
+              <a:rPr lang="en-US" sz="4000" b="1" dirty="0">
+                <a:solidFill>
+                  <a:schemeClr val="tx1"/>
+                </a:solidFill>
+              </a:rPr>
+              <a:t>Recommendations</a:t>
+            </a:r>
+          </a:p>
+        </p:txBody>
+      </p:sp>
+      <p:sp>
+        <p:nvSpPr>
+          <p:cNvPr id="7" name="Rectangle 1"/>
+          <p:cNvSpPr>
+            <a:spLocks noGrp="1" noChangeArrowheads="1"/>
+          </p:cNvSpPr>
+          <p:nvPr>
+            <p:ph idx="1"/>
+          </p:nvPr>
+        </p:nvSpPr>
+        <p:spPr bwMode="auto">
+          <a:xfrm>
+            <a:off x="520701" y="2330730"/>
+            <a:ext cx="10223500" cy="3683060"/>
+          </a:xfrm>
+          <a:prstGeom prst="rect">
+            <a:avLst/>
+          </a:prstGeom>
+          <a:noFill/>
+          <a:ln>
+            <a:noFill/>
+          </a:ln>
+          <a:effectLst/>
+          <a:extLst>
+            <a:ext uri="{909E8E84-426E-40DD-AFC4-6F175D3DCCD1}">
+              <a14:hiddenFill xmlns:a14="http://schemas.microsoft.com/office/drawing/2010/main">
+                <a:solidFill>
+                  <a:schemeClr val="accent1"/>
+                </a:solidFill>
+              </a14:hiddenFill>
+            </a:ext>
+            <a:ext uri="{91240B29-F687-4F45-9708-019B960494DF}">
+              <a14:hiddenLine xmlns:a14="http://schemas.microsoft.com/office/drawing/2010/main" w="9525">
+                <a:solidFill>
+                  <a:schemeClr val="tx1"/>
+                </a:solidFill>
+                <a:miter lim="800000"/>
+                <a:headEnd/>
+                <a:tailEnd/>
+              </a14:hiddenLine>
+            </a:ext>
+            <a:ext uri="{AF507438-7753-43E0-B8FC-AC1667EBCBE1}">
+              <a14:hiddenEffects xmlns:a14="http://schemas.microsoft.com/office/drawing/2010/main">
+                <a:effectLst>
+                  <a:outerShdw dist="35921" dir="2700000" algn="ctr" rotWithShape="0">
+                    <a:schemeClr val="bg2"/>
+                  </a:outerShdw>
+                </a:effectLst>
+              </a14:hiddenEffects>
+            </a:ext>
+          </a:extLst>
+        </p:spPr>
+        <p:txBody>
+          <a:bodyPr vert="horz" wrap="square" lIns="91440" tIns="45720" rIns="91440" bIns="45720" numCol="1" anchor="ctr" anchorCtr="0" compatLnSpc="1">
+            <a:prstTxWarp prst="textNoShape">
+              <a:avLst/>
+            </a:prstTxWarp>
+            <a:spAutoFit/>
+          </a:bodyPr>
+          <a:lstStyle/>
+          <a:p>
+            <a:pPr fontAlgn="base"/>
+            <a:r>
+              <a:rPr lang="en-US" altLang="en-US" dirty="0"/>
+              <a:t>Invest in aircraft models with the lowest historical accident and fatality records to enhance overall </a:t>
+            </a:r>
+            <a:r>
+              <a:rPr lang="en-US" altLang="en-US" dirty="0" smtClean="0"/>
+              <a:t>safety.</a:t>
+            </a:r>
+          </a:p>
+          <a:p>
+            <a:pPr fontAlgn="base"/>
+            <a:r>
+              <a:rPr lang="en-US" altLang="en-US" dirty="0" smtClean="0"/>
+              <a:t>Strengthen </a:t>
+            </a:r>
+            <a:r>
+              <a:rPr lang="en-US" altLang="en-US" dirty="0"/>
+              <a:t>pilot training programs and enforce regular mechanical inspections to reduce human and technical </a:t>
+            </a:r>
+            <a:r>
+              <a:rPr lang="en-US" altLang="en-US" dirty="0" smtClean="0"/>
+              <a:t>errors.</a:t>
+            </a:r>
+          </a:p>
+          <a:p>
+            <a:pPr fontAlgn="base"/>
+            <a:r>
+              <a:rPr lang="en-US" altLang="en-US" dirty="0" smtClean="0"/>
+              <a:t>Prefer </a:t>
+            </a:r>
+            <a:r>
+              <a:rPr lang="en-US" altLang="en-US" dirty="0"/>
+              <a:t>commercial operations where feasible, as they maintain stronger safety standards and compliance </a:t>
+            </a:r>
+            <a:r>
+              <a:rPr lang="en-US" altLang="en-US" dirty="0" smtClean="0"/>
+              <a:t>frameworks.</a:t>
+            </a:r>
+          </a:p>
+          <a:p>
+            <a:pPr fontAlgn="base"/>
+            <a:r>
+              <a:rPr lang="en-US" altLang="en-US" dirty="0" smtClean="0"/>
+              <a:t>Adopt </a:t>
+            </a:r>
+            <a:r>
+              <a:rPr lang="en-US" altLang="en-US" dirty="0"/>
+              <a:t>data-driven safety policies to continuously monitor performance and identify emerging risk </a:t>
+            </a:r>
+            <a:r>
+              <a:rPr lang="en-US" altLang="en-US" dirty="0" smtClean="0"/>
+              <a:t>patterns</a:t>
+            </a:r>
+          </a:p>
+          <a:p>
+            <a:pPr fontAlgn="base"/>
+            <a:r>
+              <a:rPr lang="en-US" altLang="en-US" dirty="0"/>
+              <a:t>Prioritize operations in regions with consistently low incident and accident rates</a:t>
+            </a:r>
+            <a:r>
+              <a:rPr lang="en-US" altLang="en-US" dirty="0" smtClean="0"/>
+              <a:t>.</a:t>
+            </a:r>
+            <a:endParaRPr lang="en-US" altLang="en-US" dirty="0"/>
+          </a:p>
+        </p:txBody>
+      </p:sp>
+    </p:spTree>
+    <p:extLst>
+      <p:ext uri="{BB962C8B-B14F-4D97-AF65-F5344CB8AC3E}">
+        <p14:creationId xmlns:p14="http://schemas.microsoft.com/office/powerpoint/2010/main" val="989015384"/>
+      </p:ext>
+    </p:extLst>
+  </p:cSld>
+  <p:clrMapOvr>
+    <a:masterClrMapping/>
+  </p:clrMapOvr>
+</p:sld>
+</file>
+
+<file path=ppt/slides/slide12.xml><?xml version="1.0" encoding="utf-8"?>
+<p:sld xmlns:a="http://schemas.openxmlformats.org/drawingml/2006/main" xmlns:r="http://schemas.openxmlformats.org/officeDocument/2006/relationships" xmlns:p="http://schemas.openxmlformats.org/presentationml/2006/main">
+  <p:cSld>
+    <p:spTree>
+      <p:nvGrpSpPr>
+        <p:cNvPr id="1" name=""/>
+        <p:cNvGrpSpPr/>
+        <p:nvPr/>
+      </p:nvGrpSpPr>
+      <p:grpSpPr>
+        <a:xfrm>
+          <a:off x="0" y="0"/>
+          <a:ext cx="0" cy="0"/>
+          <a:chOff x="0" y="0"/>
+          <a:chExt cx="0" cy="0"/>
+        </a:xfrm>
+      </p:grpSpPr>
+      <p:sp>
+        <p:nvSpPr>
+          <p:cNvPr id="3" name="Content Placeholder 2"/>
+          <p:cNvSpPr>
+            <a:spLocks noGrp="1"/>
+          </p:cNvSpPr>
+          <p:nvPr>
+            <p:ph idx="1"/>
+          </p:nvPr>
+        </p:nvSpPr>
+        <p:spPr>
+          <a:xfrm>
+            <a:off x="1103312" y="2984501"/>
+            <a:ext cx="8946541" cy="901699"/>
+          </a:xfrm>
+        </p:spPr>
+        <p:txBody>
+          <a:bodyPr>
+            <a:normAutofit/>
+          </a:bodyPr>
+          <a:lstStyle/>
+          <a:p>
+            <a:pPr marL="0" indent="0" algn="ctr">
+              <a:buNone/>
+            </a:pPr>
+            <a:r>
+              <a:rPr lang="en-US" sz="3600" b="1" dirty="0" smtClean="0"/>
+              <a:t>Thank You</a:t>
+            </a:r>
+            <a:endParaRPr lang="en-US" sz="3600" b="1" dirty="0"/>
+          </a:p>
+        </p:txBody>
+      </p:sp>
+    </p:spTree>
+    <p:extLst>
+      <p:ext uri="{BB962C8B-B14F-4D97-AF65-F5344CB8AC3E}">
+        <p14:creationId xmlns:p14="http://schemas.microsoft.com/office/powerpoint/2010/main" val="3409076909"/>
       </p:ext>
     </p:extLst>
   </p:cSld>
@@ -3062,35 +6598,70 @@
           <a:lstStyle/>
           <a:p>
             <a:r>
+              <a:rPr lang="en-US" dirty="0"/>
+              <a:t>Overview</a:t>
+            </a:r>
+          </a:p>
+        </p:txBody>
+      </p:sp>
+      <p:sp>
+        <p:nvSpPr>
+          <p:cNvPr id="3" name="Content Placeholder 2"/>
+          <p:cNvSpPr>
+            <a:spLocks noGrp="1"/>
+          </p:cNvSpPr>
+          <p:nvPr>
+            <p:ph idx="1"/>
+          </p:nvPr>
+        </p:nvSpPr>
+        <p:spPr>
+          <a:xfrm>
+            <a:off x="646112" y="2052918"/>
+            <a:ext cx="9403742" cy="4195481"/>
+          </a:xfrm>
+        </p:spPr>
+        <p:txBody>
+          <a:bodyPr/>
+          <a:lstStyle/>
+          <a:p>
+            <a:pPr marL="0" indent="0">
+              <a:buNone/>
+            </a:pPr>
+            <a:r>
+              <a:rPr lang="en-US" dirty="0"/>
+              <a:t>The project focuses on analyzing </a:t>
+            </a:r>
+            <a:r>
               <a:rPr lang="en-US" dirty="0" smtClean="0"/>
-              <a:t>Overview</a:t>
-            </a:r>
-            <a:endParaRPr lang="en-US" dirty="0"/>
-          </a:p>
-        </p:txBody>
-      </p:sp>
-      <p:sp>
-        <p:nvSpPr>
-          <p:cNvPr id="3" name="Content Placeholder 2"/>
-          <p:cNvSpPr>
-            <a:spLocks noGrp="1"/>
-          </p:cNvSpPr>
-          <p:nvPr>
-            <p:ph idx="1"/>
-          </p:nvPr>
-        </p:nvSpPr>
-        <p:spPr/>
-        <p:txBody>
-          <a:bodyPr/>
-          <a:lstStyle/>
-          <a:p>
-            <a:pPr marL="0" indent="0">
-              <a:buNone/>
-            </a:pPr>
+              <a:t>civil aviation accident data </a:t>
+            </a:r>
+            <a:r>
+              <a:rPr lang="en-US" dirty="0"/>
+              <a:t>from 1962 to </a:t>
+            </a:r>
             <a:r>
               <a:rPr lang="en-US" dirty="0" smtClean="0"/>
-              <a:t>The project focuses on analyzing aviation data to assess safety risk and determine  which aircraft types have the lowest risk to operate. The insights will guide our company’s decision making on which aircraft to purchase. The data set has been obtained from the National Transport Safety Board and contains aviation accident data from 1962 to 2023 about civil aviation accidents and selected incidents in the United States and international waters.</a:t>
-            </a:r>
+              <a:t>2023  to </a:t>
+            </a:r>
+            <a:r>
+              <a:rPr lang="en-US" dirty="0"/>
+              <a:t>assess safety risk and determine  which aircraft types have the lowest risk to operate</a:t>
+            </a:r>
+            <a:r>
+              <a:rPr lang="en-US" dirty="0" smtClean="0"/>
+              <a:t>. The data-driven </a:t>
+            </a:r>
+            <a:r>
+              <a:rPr lang="en-US" dirty="0"/>
+              <a:t>insights will guide our company’s decision making on which aircraft to </a:t>
+            </a:r>
+            <a:r>
+              <a:rPr lang="en-US" dirty="0" smtClean="0"/>
+              <a:t>purchase. The data set has been obtained from the National Transport Safety Board.</a:t>
+            </a:r>
+            <a:endParaRPr lang="en-US" dirty="0"/>
+          </a:p>
+          <a:p>
             <a:endParaRPr lang="en-US" dirty="0"/>
           </a:p>
         </p:txBody>
@@ -3098,7 +6669,7 @@
     </p:spTree>
     <p:extLst>
       <p:ext uri="{BB962C8B-B14F-4D97-AF65-F5344CB8AC3E}">
-        <p14:creationId xmlns:p14="http://schemas.microsoft.com/office/powerpoint/2010/main" val="1262074603"/>
+        <p14:creationId xmlns:p14="http://schemas.microsoft.com/office/powerpoint/2010/main" val="4161553585"/>
       </p:ext>
     </p:extLst>
   </p:cSld>
@@ -3141,8 +6712,12 @@
           <a:lstStyle/>
           <a:p>
             <a:r>
+              <a:rPr lang="en-US" dirty="0"/>
+              <a:t>Problem </a:t>
+            </a:r>
+            <a:r>
               <a:rPr lang="en-US" dirty="0" smtClean="0"/>
-              <a:t>Problem Statement </a:t>
+              <a:t>Statement</a:t>
             </a:r>
             <a:endParaRPr lang="en-US" dirty="0"/>
           </a:p>
@@ -3158,7 +6733,12 @@
             <p:ph idx="1"/>
           </p:nvPr>
         </p:nvSpPr>
-        <p:spPr/>
+        <p:spPr>
+          <a:xfrm>
+            <a:off x="646111" y="2052918"/>
+            <a:ext cx="9403742" cy="4195481"/>
+          </a:xfrm>
+        </p:spPr>
         <p:txBody>
           <a:bodyPr/>
           <a:lstStyle/>
@@ -3168,11 +6748,11 @@
             </a:pPr>
             <a:r>
               <a:rPr lang="en-US" dirty="0"/>
-              <a:t>T</a:t>
+              <a:t>The company is preparing to expand and diversify its portfolio into the aviation industry for both commercial and private enterprise. However, our stakeholders face a major challenge in ensuring that the aircraft selected are safe, reliable and aligned with our long-term business goal. Without data-driven decision making approach, our company risks making costly investment in an aircraft model with poor safety records, higher accident rates or operational risks. The lack of a structured analysis on the aviation accident data may lead to uninformed purchase decisions, potential financial losses and reputational damage with our esteemed clients</a:t>
             </a:r>
             <a:r>
               <a:rPr lang="en-US" dirty="0" smtClean="0"/>
-              <a:t>he company is preparing to expand and diversify its portfolio into the aviation industry for both commercial and private enterprise. However, our stakeholders face a major challenge in ensuring that the aircraft selected are safe, reliable and aligned with our long-term business goal. Without data-driven decision making approach, our company risks making costly investment in an aircraft model with poor safety records, higher accident rates or operational risks. The lack of a structured analysis on the aviation accident data may lead to uninformed purchase decisions, potential financial losses and reputational damage with our esteemed clients.</a:t>
+              <a:t>.</a:t>
             </a:r>
             <a:endParaRPr lang="en-US" dirty="0"/>
           </a:p>
@@ -3181,7 +6761,7 @@
     </p:spTree>
     <p:extLst>
       <p:ext uri="{BB962C8B-B14F-4D97-AF65-F5344CB8AC3E}">
-        <p14:creationId xmlns:p14="http://schemas.microsoft.com/office/powerpoint/2010/main" val="1015540156"/>
+        <p14:creationId xmlns:p14="http://schemas.microsoft.com/office/powerpoint/2010/main" val="1096494773"/>
       </p:ext>
     </p:extLst>
   </p:cSld>
@@ -3241,19 +6821,52 @@
             <p:ph idx="1"/>
           </p:nvPr>
         </p:nvSpPr>
-        <p:spPr/>
-        <p:txBody>
-          <a:bodyPr/>
-          <a:lstStyle/>
-          <a:p>
-            <a:endParaRPr lang="en-US"/>
+        <p:spPr>
+          <a:xfrm>
+            <a:off x="438912" y="2052918"/>
+            <a:ext cx="9610942" cy="4195481"/>
+          </a:xfrm>
+        </p:spPr>
+        <p:txBody>
+          <a:bodyPr/>
+          <a:lstStyle/>
+          <a:p>
+            <a:r>
+              <a:rPr lang="en-US" dirty="0" smtClean="0"/>
+              <a:t>Identify aircraft makes, models and engine types with the highest and lowest accident rates.</a:t>
+            </a:r>
+          </a:p>
+          <a:p>
+            <a:r>
+              <a:rPr lang="en-US" dirty="0" smtClean="0"/>
+              <a:t>Analyze accident patterns across different flight phases.</a:t>
+            </a:r>
+          </a:p>
+          <a:p>
+            <a:r>
+              <a:rPr lang="en-US" dirty="0" smtClean="0"/>
+              <a:t>Examine accident trends over time to spot improvements or recurring risks.</a:t>
+            </a:r>
+          </a:p>
+          <a:p>
+            <a:r>
+              <a:rPr lang="en-US" dirty="0" smtClean="0"/>
+              <a:t>Determine the safest aircraft models based on severity and injury data</a:t>
+            </a:r>
+          </a:p>
+          <a:p>
+            <a:r>
+              <a:rPr lang="en-US" dirty="0" smtClean="0"/>
+              <a:t>Visualize key safety insights to support data-driven fleet decisions</a:t>
+            </a:r>
+            <a:endParaRPr lang="en-US" dirty="0"/>
           </a:p>
         </p:txBody>
       </p:sp>
     </p:spTree>
     <p:extLst>
       <p:ext uri="{BB962C8B-B14F-4D97-AF65-F5344CB8AC3E}">
-        <p14:creationId xmlns:p14="http://schemas.microsoft.com/office/powerpoint/2010/main" val="684751661"/>
+        <p14:creationId xmlns:p14="http://schemas.microsoft.com/office/powerpoint/2010/main" val="839664427"/>
       </p:ext>
     </p:extLst>
   </p:cSld>
@@ -3297,7 +6910,7 @@
           <a:p>
             <a:r>
               <a:rPr lang="en-US" dirty="0" smtClean="0"/>
-              <a:t>Objective 1:</a:t>
+              <a:t>Analysis</a:t>
             </a:r>
             <a:endParaRPr lang="en-US" dirty="0"/>
           </a:p>
@@ -3313,19 +6926,560 @@
             <p:ph idx="1"/>
           </p:nvPr>
         </p:nvSpPr>
-        <p:spPr/>
-        <p:txBody>
-          <a:bodyPr/>
-          <a:lstStyle/>
-          <a:p>
-            <a:endParaRPr lang="en-US"/>
-          </a:p>
-        </p:txBody>
-      </p:sp>
+        <p:spPr>
+          <a:xfrm>
+            <a:off x="646112" y="2052918"/>
+            <a:ext cx="9403742" cy="4195481"/>
+          </a:xfrm>
+        </p:spPr>
+        <p:txBody>
+          <a:bodyPr/>
+          <a:lstStyle/>
+          <a:p>
+            <a:pPr marL="0" indent="0">
+              <a:buNone/>
+            </a:pPr>
+            <a:r>
+              <a:rPr lang="en-US" dirty="0" smtClean="0"/>
+              <a:t>A detailed analysis for the findings can be found on the GitHub repository link below which hosts the dataset as well as the Jupiter notebook used in </a:t>
+            </a:r>
+            <a:r>
+              <a:rPr lang="en-US" dirty="0"/>
+              <a:t>the </a:t>
+            </a:r>
+            <a:r>
+              <a:rPr lang="en-US"/>
+              <a:t>analysis</a:t>
+            </a:r>
+            <a:r>
+              <a:rPr lang="en-US"/>
+              <a:t>: </a:t>
+            </a:r>
+            <a:r>
+              <a:rPr lang="en-US">
+                <a:hlinkClick r:id="rId2"/>
+              </a:rPr>
+              <a:t>https</a:t>
+            </a:r>
+            <a:r>
+              <a:rPr lang="en-US">
+                <a:hlinkClick r:id="rId2"/>
+              </a:rPr>
+              <a:t>://</a:t>
+            </a:r>
+            <a:r>
+              <a:rPr lang="en-US" smtClean="0">
+                <a:hlinkClick r:id="rId2"/>
+              </a:rPr>
+              <a:t>github.com/muimidean/aviation_safety_analysis.git</a:t>
+            </a:r>
+            <a:endParaRPr lang="en-US" smtClean="0"/>
+          </a:p>
+          <a:p>
+            <a:pPr marL="0" indent="0">
+              <a:buNone/>
+            </a:pPr>
+            <a:endParaRPr lang="en-US" dirty="0"/>
+          </a:p>
+          <a:p>
+            <a:pPr marL="0" indent="0">
+              <a:buNone/>
+            </a:pPr>
+            <a:r>
+              <a:rPr lang="en-US" dirty="0" smtClean="0"/>
+              <a:t>The dataset used was cleaned by removing duplicates, filling missing values, standardized date formats and Focused on 1980 to 2023 for modern aviation relevance</a:t>
+            </a:r>
+            <a:endParaRPr lang="en-US" dirty="0"/>
+          </a:p>
+        </p:txBody>
+      </p:sp>
+      <p:pic>
+        <p:nvPicPr>
+          <p:cNvPr id="5" name="Picture 4"/>
+          <p:cNvPicPr>
+            <a:picLocks noChangeAspect="1"/>
+          </p:cNvPicPr>
+          <p:nvPr/>
+        </p:nvPicPr>
+        <p:blipFill>
+          <a:blip r:embed="rId3">
+            <a:extLst>
+              <a:ext uri="{28A0092B-C50C-407E-A947-70E740481C1C}">
+                <a14:useLocalDpi xmlns:a14="http://schemas.microsoft.com/office/drawing/2010/main" val="0"/>
+              </a:ext>
+            </a:extLst>
+          </a:blip>
+          <a:stretch>
+            <a:fillRect/>
+          </a:stretch>
+        </p:blipFill>
+        <p:spPr>
+          <a:xfrm>
+            <a:off x="7948612" y="4283000"/>
+            <a:ext cx="3430588" cy="2282900"/>
+          </a:xfrm>
+          <a:prstGeom prst="rect">
+            <a:avLst/>
+          </a:prstGeom>
+        </p:spPr>
+      </p:pic>
     </p:spTree>
     <p:extLst>
       <p:ext uri="{BB962C8B-B14F-4D97-AF65-F5344CB8AC3E}">
-        <p14:creationId xmlns:p14="http://schemas.microsoft.com/office/powerpoint/2010/main" val="3621837035"/>
+        <p14:creationId xmlns:p14="http://schemas.microsoft.com/office/powerpoint/2010/main" val="2356232543"/>
+      </p:ext>
+    </p:extLst>
+  </p:cSld>
+  <p:clrMapOvr>
+    <a:masterClrMapping/>
+  </p:clrMapOvr>
+</p:sld>
+</file>
+
+<file path=ppt/slides/slide6.xml><?xml version="1.0" encoding="utf-8"?>
+<p:sld xmlns:a="http://schemas.openxmlformats.org/drawingml/2006/main" xmlns:r="http://schemas.openxmlformats.org/officeDocument/2006/relationships" xmlns:p="http://schemas.openxmlformats.org/presentationml/2006/main">
+  <p:cSld>
+    <p:spTree>
+      <p:nvGrpSpPr>
+        <p:cNvPr id="1" name=""/>
+        <p:cNvGrpSpPr/>
+        <p:nvPr/>
+      </p:nvGrpSpPr>
+      <p:grpSpPr>
+        <a:xfrm>
+          <a:off x="0" y="0"/>
+          <a:ext cx="0" cy="0"/>
+          <a:chOff x="0" y="0"/>
+          <a:chExt cx="0" cy="0"/>
+        </a:xfrm>
+      </p:grpSpPr>
+      <p:sp>
+        <p:nvSpPr>
+          <p:cNvPr id="2" name="Title 1"/>
+          <p:cNvSpPr>
+            <a:spLocks noGrp="1"/>
+          </p:cNvSpPr>
+          <p:nvPr>
+            <p:ph type="title"/>
+          </p:nvPr>
+        </p:nvSpPr>
+        <p:spPr>
+          <a:xfrm>
+            <a:off x="536449" y="560832"/>
+            <a:ext cx="3852672" cy="2060448"/>
+          </a:xfrm>
+        </p:spPr>
+        <p:txBody>
+          <a:bodyPr/>
+          <a:lstStyle/>
+          <a:p>
+            <a:r>
+              <a:rPr lang="en-US" sz="3600" dirty="0" smtClean="0"/>
+              <a:t>Top 10 Aircraft Makes by Accident count</a:t>
+            </a:r>
+            <a:endParaRPr lang="en-US" sz="3600" dirty="0"/>
+          </a:p>
+        </p:txBody>
+      </p:sp>
+      <p:sp>
+        <p:nvSpPr>
+          <p:cNvPr id="5" name="Text Placeholder 4"/>
+          <p:cNvSpPr>
+            <a:spLocks noGrp="1"/>
+          </p:cNvSpPr>
+          <p:nvPr>
+            <p:ph type="body" sz="half" idx="2"/>
+          </p:nvPr>
+        </p:nvSpPr>
+        <p:spPr>
+          <a:xfrm>
+            <a:off x="536449" y="3108960"/>
+            <a:ext cx="3852672" cy="2915919"/>
+          </a:xfrm>
+        </p:spPr>
+        <p:txBody>
+          <a:bodyPr/>
+          <a:lstStyle/>
+          <a:p>
+            <a:r>
+              <a:rPr lang="en-US" dirty="0" smtClean="0"/>
+              <a:t>Based on the bar chart Cessna Aircraft make has had the highest Number of Accident.  Other makes like Piper, Beech and Bell appear to have high accident counts compared to the well known Aircraft model Boeing and BOEING which have low counts as they tend to be popular in the industry.</a:t>
+            </a:r>
+            <a:endParaRPr lang="en-US" dirty="0"/>
+          </a:p>
+        </p:txBody>
+      </p:sp>
+      <p:pic>
+        <p:nvPicPr>
+          <p:cNvPr id="8" name="Content Placeholder 7"/>
+          <p:cNvPicPr>
+            <a:picLocks noGrp="1" noChangeAspect="1"/>
+          </p:cNvPicPr>
+          <p:nvPr>
+            <p:ph idx="1"/>
+          </p:nvPr>
+        </p:nvPicPr>
+        <p:blipFill>
+          <a:blip r:embed="rId2"/>
+          <a:stretch>
+            <a:fillRect/>
+          </a:stretch>
+        </p:blipFill>
+        <p:spPr>
+          <a:xfrm>
+            <a:off x="4389121" y="1962912"/>
+            <a:ext cx="7522463" cy="4061967"/>
+          </a:xfrm>
+          <a:prstGeom prst="rect">
+            <a:avLst/>
+          </a:prstGeom>
+        </p:spPr>
+      </p:pic>
+    </p:spTree>
+    <p:extLst>
+      <p:ext uri="{BB962C8B-B14F-4D97-AF65-F5344CB8AC3E}">
+        <p14:creationId xmlns:p14="http://schemas.microsoft.com/office/powerpoint/2010/main" val="3710339324"/>
+      </p:ext>
+    </p:extLst>
+  </p:cSld>
+  <p:clrMapOvr>
+    <a:masterClrMapping/>
+  </p:clrMapOvr>
+</p:sld>
+</file>
+
+<file path=ppt/slides/slide7.xml><?xml version="1.0" encoding="utf-8"?>
+<p:sld xmlns:a="http://schemas.openxmlformats.org/drawingml/2006/main" xmlns:r="http://schemas.openxmlformats.org/officeDocument/2006/relationships" xmlns:p="http://schemas.openxmlformats.org/presentationml/2006/main">
+  <p:cSld>
+    <p:spTree>
+      <p:nvGrpSpPr>
+        <p:cNvPr id="1" name=""/>
+        <p:cNvGrpSpPr/>
+        <p:nvPr/>
+      </p:nvGrpSpPr>
+      <p:grpSpPr>
+        <a:xfrm>
+          <a:off x="0" y="0"/>
+          <a:ext cx="0" cy="0"/>
+          <a:chOff x="0" y="0"/>
+          <a:chExt cx="0" cy="0"/>
+        </a:xfrm>
+      </p:grpSpPr>
+      <p:sp>
+        <p:nvSpPr>
+          <p:cNvPr id="2" name="Title 1"/>
+          <p:cNvSpPr>
+            <a:spLocks noGrp="1"/>
+          </p:cNvSpPr>
+          <p:nvPr>
+            <p:ph type="title"/>
+          </p:nvPr>
+        </p:nvSpPr>
+        <p:spPr>
+          <a:xfrm>
+            <a:off x="877824" y="621792"/>
+            <a:ext cx="3678193" cy="2273808"/>
+          </a:xfrm>
+        </p:spPr>
+        <p:txBody>
+          <a:bodyPr/>
+          <a:lstStyle/>
+          <a:p>
+            <a:r>
+              <a:rPr lang="en-US" sz="3600" dirty="0" smtClean="0"/>
+              <a:t>Accidents Distribution Across </a:t>
+            </a:r>
+            <a:r>
+              <a:rPr lang="en-US" sz="3600" dirty="0"/>
+              <a:t>Flight Phases</a:t>
+            </a:r>
+          </a:p>
+        </p:txBody>
+      </p:sp>
+      <p:sp>
+        <p:nvSpPr>
+          <p:cNvPr id="4" name="Text Placeholder 3"/>
+          <p:cNvSpPr>
+            <a:spLocks noGrp="1"/>
+          </p:cNvSpPr>
+          <p:nvPr>
+            <p:ph type="body" sz="half" idx="2"/>
+          </p:nvPr>
+        </p:nvSpPr>
+        <p:spPr>
+          <a:xfrm>
+            <a:off x="877825" y="3129280"/>
+            <a:ext cx="3678192" cy="2895599"/>
+          </a:xfrm>
+        </p:spPr>
+        <p:txBody>
+          <a:bodyPr/>
+          <a:lstStyle/>
+          <a:p>
+            <a:r>
+              <a:rPr lang="en-US" dirty="0" smtClean="0"/>
+              <a:t>Based on the Accident by phase of flight visualization, We see that most accidents occurred during the landing phase followed by takeoff</a:t>
+            </a:r>
+            <a:endParaRPr lang="en-US" dirty="0"/>
+          </a:p>
+        </p:txBody>
+      </p:sp>
+      <p:pic>
+        <p:nvPicPr>
+          <p:cNvPr id="5" name="Content Placeholder 3"/>
+          <p:cNvPicPr>
+            <a:picLocks noGrp="1" noChangeAspect="1"/>
+          </p:cNvPicPr>
+          <p:nvPr>
+            <p:ph idx="1"/>
+          </p:nvPr>
+        </p:nvPicPr>
+        <p:blipFill>
+          <a:blip r:embed="rId2">
+            <a:extLst>
+              <a:ext uri="{28A0092B-C50C-407E-A947-70E740481C1C}">
+                <a14:useLocalDpi xmlns:a14="http://schemas.microsoft.com/office/drawing/2010/main" val="0"/>
+              </a:ext>
+            </a:extLst>
+          </a:blip>
+          <a:stretch>
+            <a:fillRect/>
+          </a:stretch>
+        </p:blipFill>
+        <p:spPr>
+          <a:xfrm>
+            <a:off x="4693921" y="1804416"/>
+            <a:ext cx="7193280" cy="4220463"/>
+          </a:xfrm>
+        </p:spPr>
+      </p:pic>
+    </p:spTree>
+    <p:extLst>
+      <p:ext uri="{BB962C8B-B14F-4D97-AF65-F5344CB8AC3E}">
+        <p14:creationId xmlns:p14="http://schemas.microsoft.com/office/powerpoint/2010/main" val="1580775925"/>
+      </p:ext>
+    </p:extLst>
+  </p:cSld>
+  <p:clrMapOvr>
+    <a:masterClrMapping/>
+  </p:clrMapOvr>
+</p:sld>
+</file>
+
+<file path=ppt/slides/slide8.xml><?xml version="1.0" encoding="utf-8"?>
+<p:sld xmlns:a="http://schemas.openxmlformats.org/drawingml/2006/main" xmlns:r="http://schemas.openxmlformats.org/officeDocument/2006/relationships" xmlns:p="http://schemas.openxmlformats.org/presentationml/2006/main">
+  <p:cSld>
+    <p:spTree>
+      <p:nvGrpSpPr>
+        <p:cNvPr id="1" name=""/>
+        <p:cNvGrpSpPr/>
+        <p:nvPr/>
+      </p:nvGrpSpPr>
+      <p:grpSpPr>
+        <a:xfrm>
+          <a:off x="0" y="0"/>
+          <a:ext cx="0" cy="0"/>
+          <a:chOff x="0" y="0"/>
+          <a:chExt cx="0" cy="0"/>
+        </a:xfrm>
+      </p:grpSpPr>
+      <p:sp>
+        <p:nvSpPr>
+          <p:cNvPr id="2" name="Title 1"/>
+          <p:cNvSpPr>
+            <a:spLocks noGrp="1"/>
+          </p:cNvSpPr>
+          <p:nvPr>
+            <p:ph type="title"/>
+          </p:nvPr>
+        </p:nvSpPr>
+        <p:spPr>
+          <a:xfrm>
+            <a:off x="841249" y="316992"/>
+            <a:ext cx="3535679" cy="2578608"/>
+          </a:xfrm>
+        </p:spPr>
+        <p:txBody>
+          <a:bodyPr/>
+          <a:lstStyle/>
+          <a:p>
+            <a:r>
+              <a:rPr lang="en-US" sz="3600" dirty="0"/>
+              <a:t>Trends in Accident </a:t>
+            </a:r>
+            <a:r>
+              <a:rPr lang="en-US" sz="3600" dirty="0" smtClean="0"/>
+              <a:t>Injury type Over </a:t>
+            </a:r>
+            <a:r>
+              <a:rPr lang="en-US" sz="3600" dirty="0"/>
+              <a:t>Time</a:t>
+            </a:r>
+          </a:p>
+        </p:txBody>
+      </p:sp>
+      <p:pic>
+        <p:nvPicPr>
+          <p:cNvPr id="5" name="Content Placeholder 4"/>
+          <p:cNvPicPr>
+            <a:picLocks noGrp="1" noChangeAspect="1"/>
+          </p:cNvPicPr>
+          <p:nvPr>
+            <p:ph idx="1"/>
+          </p:nvPr>
+        </p:nvPicPr>
+        <p:blipFill>
+          <a:blip r:embed="rId2"/>
+          <a:stretch>
+            <a:fillRect/>
+          </a:stretch>
+        </p:blipFill>
+        <p:spPr>
+          <a:xfrm>
+            <a:off x="4559808" y="2072640"/>
+            <a:ext cx="7205471" cy="3952238"/>
+          </a:xfrm>
+          <a:prstGeom prst="rect">
+            <a:avLst/>
+          </a:prstGeom>
+        </p:spPr>
+      </p:pic>
+      <p:sp>
+        <p:nvSpPr>
+          <p:cNvPr id="4" name="Text Placeholder 3"/>
+          <p:cNvSpPr>
+            <a:spLocks noGrp="1"/>
+          </p:cNvSpPr>
+          <p:nvPr>
+            <p:ph type="body" sz="half" idx="2"/>
+          </p:nvPr>
+        </p:nvSpPr>
+        <p:spPr>
+          <a:xfrm>
+            <a:off x="841249" y="3129280"/>
+            <a:ext cx="3535679" cy="2895599"/>
+          </a:xfrm>
+        </p:spPr>
+        <p:txBody>
+          <a:bodyPr/>
+          <a:lstStyle/>
+          <a:p>
+            <a:r>
+              <a:rPr lang="en-US" dirty="0" smtClean="0"/>
+              <a:t>From the Injury comparison Across the years, we see that as much as there were minor injuries, most accidents were Fatal. We see that in the late 1990s there was a high number of fatal injuries, However over  the injury trend went down over the years because of the modern aviation safety policies.</a:t>
+            </a:r>
+            <a:endParaRPr lang="en-US" dirty="0"/>
+          </a:p>
+        </p:txBody>
+      </p:sp>
+    </p:spTree>
+    <p:extLst>
+      <p:ext uri="{BB962C8B-B14F-4D97-AF65-F5344CB8AC3E}">
+        <p14:creationId xmlns:p14="http://schemas.microsoft.com/office/powerpoint/2010/main" val="3860007070"/>
+      </p:ext>
+    </p:extLst>
+  </p:cSld>
+  <p:clrMapOvr>
+    <a:masterClrMapping/>
+  </p:clrMapOvr>
+</p:sld>
+</file>
+
+<file path=ppt/slides/slide9.xml><?xml version="1.0" encoding="utf-8"?>
+<p:sld xmlns:a="http://schemas.openxmlformats.org/drawingml/2006/main" xmlns:r="http://schemas.openxmlformats.org/officeDocument/2006/relationships" xmlns:p="http://schemas.openxmlformats.org/presentationml/2006/main">
+  <p:cSld>
+    <p:spTree>
+      <p:nvGrpSpPr>
+        <p:cNvPr id="1" name=""/>
+        <p:cNvGrpSpPr/>
+        <p:nvPr/>
+      </p:nvGrpSpPr>
+      <p:grpSpPr>
+        <a:xfrm>
+          <a:off x="0" y="0"/>
+          <a:ext cx="0" cy="0"/>
+          <a:chOff x="0" y="0"/>
+          <a:chExt cx="0" cy="0"/>
+        </a:xfrm>
+      </p:grpSpPr>
+      <p:sp>
+        <p:nvSpPr>
+          <p:cNvPr id="2" name="Title 1"/>
+          <p:cNvSpPr>
+            <a:spLocks noGrp="1"/>
+          </p:cNvSpPr>
+          <p:nvPr>
+            <p:ph type="title"/>
+          </p:nvPr>
+        </p:nvSpPr>
+        <p:spPr/>
+        <p:txBody>
+          <a:bodyPr/>
+          <a:lstStyle/>
+          <a:p>
+            <a:r>
+              <a:rPr lang="en-US" sz="3600" dirty="0"/>
+              <a:t>Safest Aircraft Models Analysis</a:t>
+            </a:r>
+          </a:p>
+        </p:txBody>
+      </p:sp>
+      <p:sp>
+        <p:nvSpPr>
+          <p:cNvPr id="4" name="Text Placeholder 3"/>
+          <p:cNvSpPr>
+            <a:spLocks noGrp="1"/>
+          </p:cNvSpPr>
+          <p:nvPr>
+            <p:ph type="body" sz="half" idx="2"/>
+          </p:nvPr>
+        </p:nvSpPr>
+        <p:spPr/>
+        <p:txBody>
+          <a:bodyPr/>
+          <a:lstStyle/>
+          <a:p>
+            <a:r>
+              <a:rPr lang="en-US" dirty="0" smtClean="0"/>
+              <a:t>The observation shows the top 10 safest Aircraft Models with the lowest Accident count having Piper PA-28R-201T, Aero Commander 690, Grumman American AA-1A, Piper PA60 and Cessna 401B in the list.</a:t>
+            </a:r>
+            <a:endParaRPr lang="en-US" dirty="0"/>
+          </a:p>
+        </p:txBody>
+      </p:sp>
+      <p:pic>
+        <p:nvPicPr>
+          <p:cNvPr id="5" name="Content Placeholder 3"/>
+          <p:cNvPicPr>
+            <a:picLocks noGrp="1" noChangeAspect="1"/>
+          </p:cNvPicPr>
+          <p:nvPr>
+            <p:ph idx="1"/>
+          </p:nvPr>
+        </p:nvPicPr>
+        <p:blipFill>
+          <a:blip r:embed="rId2">
+            <a:extLst>
+              <a:ext uri="{28A0092B-C50C-407E-A947-70E740481C1C}">
+                <a14:useLocalDpi xmlns:a14="http://schemas.microsoft.com/office/drawing/2010/main" val="0"/>
+              </a:ext>
+            </a:extLst>
+          </a:blip>
+          <a:stretch>
+            <a:fillRect/>
+          </a:stretch>
+        </p:blipFill>
+        <p:spPr>
+          <a:xfrm>
+            <a:off x="4857876" y="2231135"/>
+            <a:ext cx="6992747" cy="3793743"/>
+          </a:xfrm>
+        </p:spPr>
+      </p:pic>
+    </p:spTree>
+    <p:extLst>
+      <p:ext uri="{BB962C8B-B14F-4D97-AF65-F5344CB8AC3E}">
+        <p14:creationId xmlns:p14="http://schemas.microsoft.com/office/powerpoint/2010/main" val="1935271445"/>
       </p:ext>
     </p:extLst>
   </p:cSld>
@@ -3336,9 +7490,9 @@
 </file>
 
 <file path=ppt/theme/theme1.xml><?xml version="1.0" encoding="utf-8"?>
-<a:theme xmlns:a="http://schemas.openxmlformats.org/drawingml/2006/main" name="Office Theme">
+<a:theme xmlns:a="http://schemas.openxmlformats.org/drawingml/2006/main" name="Ion">
   <a:themeElements>
-    <a:clrScheme name="Office">
+    <a:clrScheme name="Ion">
       <a:dk1>
         <a:sysClr val="windowText" lastClr="000000"/>
       </a:dk1>
@@ -3346,44 +7500,44 @@
         <a:sysClr val="window" lastClr="FFFFFF"/>
       </a:lt1>
       <a:dk2>
-        <a:srgbClr val="44546A"/>
+        <a:srgbClr val="1E5155"/>
       </a:dk2>
       <a:lt2>
-        <a:srgbClr val="E7E6E6"/>
+        <a:srgbClr val="EBEBEB"/>
       </a:lt2>
       <a:accent1>
-        <a:srgbClr val="5B9BD5"/>
+        <a:srgbClr val="B01513"/>
       </a:accent1>
       <a:accent2>
-        <a:srgbClr val="ED7D31"/>
+        <a:srgbClr val="EA6312"/>
       </a:accent2>
       <a:accent3>
-        <a:srgbClr val="A5A5A5"/>
+        <a:srgbClr val="E6B729"/>
       </a:accent3>
       <a:accent4>
-        <a:srgbClr val="FFC000"/>
+        <a:srgbClr val="6AAC90"/>
       </a:accent4>
       <a:accent5>
-        <a:srgbClr val="4472C4"/>
+        <a:srgbClr val="54849A"/>
       </a:accent5>
       <a:accent6>
-        <a:srgbClr val="70AD47"/>
+        <a:srgbClr val="9E5E9B"/>
       </a:accent6>
       <a:hlink>
-        <a:srgbClr val="0563C1"/>
+        <a:srgbClr val="58C1BA"/>
       </a:hlink>
       <a:folHlink>
-        <a:srgbClr val="954F72"/>
+        <a:srgbClr val="9DFFCB"/>
       </a:folHlink>
     </a:clrScheme>
-    <a:fontScheme name="Office">
+    <a:fontScheme name="Ion">
       <a:majorFont>
-        <a:latin typeface="Calibri Light" panose="020F0302020204030204"/>
+        <a:latin typeface="Century Gothic" panose="020B0502020202020204"/>
         <a:ea typeface=""/>
         <a:cs typeface=""/>
-        <a:font script="Jpan" typeface="游ゴシック Light"/>
+        <a:font script="Jpan" typeface="メイリオ"/>
         <a:font script="Hang" typeface="맑은 고딕"/>
-        <a:font script="Hans" typeface="等线 Light"/>
+        <a:font script="Hans" typeface="宋体"/>
         <a:font script="Hant" typeface="新細明體"/>
         <a:font script="Arab" typeface="Times New Roman"/>
         <a:font script="Hebr" typeface="Times New Roman"/>
@@ -3413,12 +7567,12 @@
         <a:font script="Geor" typeface="Sylfaen"/>
       </a:majorFont>
       <a:minorFont>
-        <a:latin typeface="Calibri" panose="020F0502020204030204"/>
+        <a:latin typeface="Century Gothic" panose="020B0502020202020204"/>
         <a:ea typeface=""/>
         <a:cs typeface=""/>
-        <a:font script="Jpan" typeface="游ゴシック"/>
+        <a:font script="Jpan" typeface="メイリオ"/>
         <a:font script="Hang" typeface="맑은 고딕"/>
-        <a:font script="Hans" typeface="等线"/>
+        <a:font script="Hans" typeface="宋体"/>
         <a:font script="Hant" typeface="新細明體"/>
         <a:font script="Arab" typeface="Arial"/>
         <a:font script="Hebr" typeface="Arial"/>
@@ -3448,7 +7602,7 @@
         <a:font script="Geor" typeface="Sylfaen"/>
       </a:minorFont>
     </a:fontScheme>
-    <a:fmtScheme name="Office">
+    <a:fmtScheme name="Ion">
       <a:fillStyleLst>
         <a:solidFill>
           <a:schemeClr val="phClr"/>
@@ -3457,23 +7611,15 @@
           <a:gsLst>
             <a:gs pos="0">
               <a:schemeClr val="phClr">
-                <a:lumMod val="110000"/>
-                <a:satMod val="105000"/>
-                <a:tint val="67000"/>
-              </a:schemeClr>
-            </a:gs>
-            <a:gs pos="50000">
-              <a:schemeClr val="phClr">
-                <a:lumMod val="105000"/>
-                <a:satMod val="103000"/>
-                <a:tint val="73000"/>
+                <a:tint val="64000"/>
+                <a:lumMod val="118000"/>
               </a:schemeClr>
             </a:gs>
             <a:gs pos="100000">
               <a:schemeClr val="phClr">
-                <a:lumMod val="105000"/>
-                <a:satMod val="109000"/>
-                <a:tint val="81000"/>
+                <a:tint val="92000"/>
+                <a:alpha val="100000"/>
+                <a:lumMod val="110000"/>
               </a:schemeClr>
             </a:gs>
           </a:gsLst>
@@ -3483,23 +7629,14 @@
           <a:gsLst>
             <a:gs pos="0">
               <a:schemeClr val="phClr">
-                <a:satMod val="103000"/>
-                <a:lumMod val="102000"/>
-                <a:tint val="94000"/>
-              </a:schemeClr>
-            </a:gs>
-            <a:gs pos="50000">
-              <a:schemeClr val="phClr">
-                <a:satMod val="110000"/>
-                <a:lumMod val="100000"/>
-                <a:shade val="100000"/>
+                <a:tint val="98000"/>
+                <a:lumMod val="114000"/>
               </a:schemeClr>
             </a:gs>
             <a:gs pos="100000">
               <a:schemeClr val="phClr">
-                <a:lumMod val="99000"/>
-                <a:satMod val="120000"/>
-                <a:shade val="78000"/>
+                <a:shade val="90000"/>
+                <a:lumMod val="84000"/>
               </a:schemeClr>
             </a:gs>
           </a:gsLst>
@@ -3507,26 +7644,23 @@
         </a:gradFill>
       </a:fillStyleLst>
       <a:lnStyleLst>
-        <a:ln w="6350" cap="flat" cmpd="sng" algn="ctr">
+        <a:ln w="9525" cap="rnd" cmpd="sng" algn="ctr">
           <a:solidFill>
             <a:schemeClr val="phClr"/>
           </a:solidFill>
           <a:prstDash val="solid"/>
-          <a:miter lim="800000"/>
         </a:ln>
-        <a:ln w="12700" cap="flat" cmpd="sng" algn="ctr">
+        <a:ln w="19050" cap="rnd" cmpd="sng" algn="ctr">
           <a:solidFill>
             <a:schemeClr val="phClr"/>
           </a:solidFill>
           <a:prstDash val="solid"/>
-          <a:miter lim="800000"/>
         </a:ln>
-        <a:ln w="19050" cap="flat" cmpd="sng" algn="ctr">
+        <a:ln w="28575" cap="rnd" cmpd="sng" algn="ctr">
           <a:solidFill>
             <a:schemeClr val="phClr"/>
           </a:solidFill>
           <a:prstDash val="solid"/>
-          <a:miter lim="800000"/>
         </a:ln>
       </a:lnStyleLst>
       <a:effectStyleLst>
@@ -3534,55 +7668,80 @@
           <a:effectLst/>
         </a:effectStyle>
         <a:effectStyle>
-          <a:effectLst/>
+          <a:effectLst>
+            <a:outerShdw blurRad="38100" dist="25400" dir="5400000" rotWithShape="0">
+              <a:srgbClr val="000000">
+                <a:alpha val="45000"/>
+              </a:srgbClr>
+            </a:outerShdw>
+          </a:effectLst>
         </a:effectStyle>
         <a:effectStyle>
           <a:effectLst>
-            <a:outerShdw blurRad="57150" dist="19050" dir="5400000" algn="ctr" rotWithShape="0">
+            <a:outerShdw blurRad="63500" dist="38100" dir="5400000" rotWithShape="0">
               <a:srgbClr val="000000">
-                <a:alpha val="63000"/>
+                <a:alpha val="60000"/>
               </a:srgbClr>
             </a:outerShdw>
           </a:effectLst>
+          <a:scene3d>
+            <a:camera prst="orthographicFront">
+              <a:rot lat="0" lon="0" rev="0"/>
+            </a:camera>
+            <a:lightRig rig="threePt" dir="tl"/>
+          </a:scene3d>
+          <a:sp3d prstMaterial="plastic">
+            <a:bevelT w="0" h="0"/>
+          </a:sp3d>
         </a:effectStyle>
       </a:effectStyleLst>
       <a:bgFillStyleLst>
         <a:solidFill>
           <a:schemeClr val="phClr"/>
         </a:solidFill>
-        <a:solidFill>
-          <a:schemeClr val="phClr">
-            <a:tint val="95000"/>
-            <a:satMod val="170000"/>
-          </a:schemeClr>
-        </a:solidFill>
         <a:gradFill rotWithShape="1">
           <a:gsLst>
             <a:gs pos="0">
               <a:schemeClr val="phClr">
-                <a:tint val="93000"/>
-                <a:satMod val="150000"/>
-                <a:shade val="98000"/>
-                <a:lumMod val="102000"/>
-              </a:schemeClr>
-            </a:gs>
-            <a:gs pos="50000">
-              <a:schemeClr val="phClr">
-                <a:tint val="98000"/>
+                <a:tint val="97000"/>
+                <a:hueMod val="88000"/>
                 <a:satMod val="130000"/>
-                <a:shade val="90000"/>
-                <a:lumMod val="103000"/>
+                <a:lumMod val="124000"/>
               </a:schemeClr>
             </a:gs>
             <a:gs pos="100000">
               <a:schemeClr val="phClr">
-                <a:shade val="63000"/>
-                <a:satMod val="120000"/>
+                <a:tint val="96000"/>
+                <a:shade val="88000"/>
+                <a:hueMod val="108000"/>
+                <a:satMod val="164000"/>
+                <a:lumMod val="76000"/>
               </a:schemeClr>
             </a:gs>
           </a:gsLst>
-          <a:lin ang="5400000" scaled="0"/>
+          <a:path path="circle">
+            <a:fillToRect l="45000" t="65000" r="125000" b="100000"/>
+          </a:path>
         </a:gradFill>
+        <a:blipFill rotWithShape="1">
+          <a:blip xmlns:r="http://schemas.openxmlformats.org/officeDocument/2006/relationships" r:embed="rId1">
+            <a:duotone>
+              <a:schemeClr val="phClr">
+                <a:shade val="69000"/>
+                <a:hueMod val="108000"/>
+                <a:satMod val="164000"/>
+                <a:lumMod val="74000"/>
+              </a:schemeClr>
+              <a:schemeClr val="phClr">
+                <a:tint val="96000"/>
+                <a:hueMod val="88000"/>
+                <a:satMod val="140000"/>
+                <a:lumMod val="132000"/>
+              </a:schemeClr>
+            </a:duotone>
+          </a:blip>
+          <a:stretch/>
+        </a:blipFill>
       </a:bgFillStyleLst>
     </a:fmtScheme>
   </a:themeElements>
@@ -3590,7 +7749,7 @@
   <a:extraClrSchemeLst/>
   <a:extLst>
     <a:ext uri="{05A4C25C-085E-4340-85A3-A5531E510DB2}">
-      <thm15:themeFamily xmlns:thm15="http://schemas.microsoft.com/office/thememl/2012/main" name="Office Theme" id="{62F939B6-93AF-4DB8-9C6B-D6C7DFDC589F}" vid="{4A3C46E8-61CC-4603-A589-7422A47A8E4A}"/>
+      <thm15:themeFamily xmlns:thm15="http://schemas.microsoft.com/office/thememl/2012/main" name="Ion" id="{B8441ADB-2E43-4AF7-B97A-BD870242C6A8}" vid="{292E63A9-BB86-4E3D-B92A-7223C6510D2E}"/>
     </a:ext>
   </a:extLst>
 </a:theme>
